--- a/Presentation/Presentazione Dispositivi.pptx
+++ b/Presentation/Presentazione Dispositivi.pptx
@@ -187,7 +187,7 @@
           <a:noFill/>
           <a:extLst>
             <a:ext uri="{909E8E84-426E-40dd-AFC4-6F175D3DCCD1}">
-              <a14:hiddenFill xmlns="" xmlns:a14="http://schemas.microsoft.com/office/drawing/2010/main">
+              <a14:hiddenFill xmlns:a14="http://schemas.microsoft.com/office/drawing/2010/main" xmlns="">
                 <a:solidFill>
                   <a:srgbClr val="FFFFFF"/>
                 </a:solidFill>
@@ -247,7 +247,7 @@
             </a:ln>
             <a:extLst>
               <a:ext uri="{91240B29-F687-4f45-9708-019B960494DF}">
-                <a14:hiddenLine xmlns="" xmlns:a14="http://schemas.microsoft.com/office/drawing/2010/main" w="9525">
+                <a14:hiddenLine xmlns:a14="http://schemas.microsoft.com/office/drawing/2010/main" xmlns="" w="9525">
                   <a:solidFill>
                     <a:srgbClr val="000000"/>
                   </a:solidFill>
@@ -337,7 +337,7 @@
             </a:ln>
             <a:extLst>
               <a:ext uri="{91240B29-F687-4f45-9708-019B960494DF}">
-                <a14:hiddenLine xmlns="" xmlns:a14="http://schemas.microsoft.com/office/drawing/2010/main" w="9525">
+                <a14:hiddenLine xmlns:a14="http://schemas.microsoft.com/office/drawing/2010/main" xmlns="" w="9525">
                   <a:solidFill>
                     <a:srgbClr val="000000"/>
                   </a:solidFill>
@@ -427,7 +427,7 @@
             </a:ln>
             <a:extLst>
               <a:ext uri="{91240B29-F687-4f45-9708-019B960494DF}">
-                <a14:hiddenLine xmlns="" xmlns:a14="http://schemas.microsoft.com/office/drawing/2010/main" w="9525">
+                <a14:hiddenLine xmlns:a14="http://schemas.microsoft.com/office/drawing/2010/main" xmlns="" w="9525">
                   <a:solidFill>
                     <a:srgbClr val="000000"/>
                   </a:solidFill>
@@ -461,7 +461,7 @@
             </a:ln>
             <a:extLst>
               <a:ext uri="{91240B29-F687-4f45-9708-019B960494DF}">
-                <a14:hiddenLine xmlns="" xmlns:a14="http://schemas.microsoft.com/office/drawing/2010/main" w="9525">
+                <a14:hiddenLine xmlns:a14="http://schemas.microsoft.com/office/drawing/2010/main" xmlns="" w="9525">
                   <a:solidFill>
                     <a:srgbClr val="000000"/>
                   </a:solidFill>
@@ -551,7 +551,7 @@
             </a:ln>
             <a:extLst>
               <a:ext uri="{91240B29-F687-4f45-9708-019B960494DF}">
-                <a14:hiddenLine xmlns="" xmlns:a14="http://schemas.microsoft.com/office/drawing/2010/main" w="9525">
+                <a14:hiddenLine xmlns:a14="http://schemas.microsoft.com/office/drawing/2010/main" xmlns="" w="9525">
                   <a:solidFill>
                     <a:srgbClr val="000000"/>
                   </a:solidFill>
@@ -613,7 +613,7 @@
             </a:ln>
             <a:extLst>
               <a:ext uri="{91240B29-F687-4f45-9708-019B960494DF}">
-                <a14:hiddenLine xmlns="" xmlns:a14="http://schemas.microsoft.com/office/drawing/2010/main" w="9525">
+                <a14:hiddenLine xmlns:a14="http://schemas.microsoft.com/office/drawing/2010/main" xmlns="" w="9525">
                   <a:solidFill>
                     <a:srgbClr val="000000"/>
                   </a:solidFill>
@@ -675,7 +675,7 @@
             </a:ln>
             <a:extLst>
               <a:ext uri="{91240B29-F687-4f45-9708-019B960494DF}">
-                <a14:hiddenLine xmlns="" xmlns:a14="http://schemas.microsoft.com/office/drawing/2010/main" w="9525">
+                <a14:hiddenLine xmlns:a14="http://schemas.microsoft.com/office/drawing/2010/main" xmlns="" w="9525">
                   <a:solidFill>
                     <a:srgbClr val="000000"/>
                   </a:solidFill>
@@ -765,7 +765,7 @@
             </a:ln>
             <a:extLst>
               <a:ext uri="{91240B29-F687-4f45-9708-019B960494DF}">
-                <a14:hiddenLine xmlns="" xmlns:a14="http://schemas.microsoft.com/office/drawing/2010/main" w="9525">
+                <a14:hiddenLine xmlns:a14="http://schemas.microsoft.com/office/drawing/2010/main" xmlns="" w="9525">
                   <a:solidFill>
                     <a:srgbClr val="000000"/>
                   </a:solidFill>
@@ -827,7 +827,7 @@
             </a:ln>
             <a:extLst>
               <a:ext uri="{91240B29-F687-4f45-9708-019B960494DF}">
-                <a14:hiddenLine xmlns="" xmlns:a14="http://schemas.microsoft.com/office/drawing/2010/main" w="9525">
+                <a14:hiddenLine xmlns:a14="http://schemas.microsoft.com/office/drawing/2010/main" xmlns="" w="9525">
                   <a:solidFill>
                     <a:srgbClr val="000000"/>
                   </a:solidFill>
@@ -889,7 +889,7 @@
             </a:ln>
             <a:extLst>
               <a:ext uri="{91240B29-F687-4f45-9708-019B960494DF}">
-                <a14:hiddenLine xmlns="" xmlns:a14="http://schemas.microsoft.com/office/drawing/2010/main" w="9525">
+                <a14:hiddenLine xmlns:a14="http://schemas.microsoft.com/office/drawing/2010/main" xmlns="" w="9525">
                   <a:solidFill>
                     <a:srgbClr val="000000"/>
                   </a:solidFill>
@@ -979,7 +979,7 @@
             </a:ln>
             <a:extLst>
               <a:ext uri="{91240B29-F687-4f45-9708-019B960494DF}">
-                <a14:hiddenLine xmlns="" xmlns:a14="http://schemas.microsoft.com/office/drawing/2010/main" w="9525">
+                <a14:hiddenLine xmlns:a14="http://schemas.microsoft.com/office/drawing/2010/main" xmlns="" w="9525">
                   <a:solidFill>
                     <a:srgbClr val="000000"/>
                   </a:solidFill>
@@ -1069,7 +1069,7 @@
             </a:ln>
             <a:extLst>
               <a:ext uri="{91240B29-F687-4f45-9708-019B960494DF}">
-                <a14:hiddenLine xmlns="" xmlns:a14="http://schemas.microsoft.com/office/drawing/2010/main" w="9525">
+                <a14:hiddenLine xmlns:a14="http://schemas.microsoft.com/office/drawing/2010/main" xmlns="" w="9525">
                   <a:solidFill>
                     <a:srgbClr val="000000"/>
                   </a:solidFill>
@@ -1131,7 +1131,7 @@
             </a:ln>
             <a:extLst>
               <a:ext uri="{91240B29-F687-4f45-9708-019B960494DF}">
-                <a14:hiddenLine xmlns="" xmlns:a14="http://schemas.microsoft.com/office/drawing/2010/main" w="9525">
+                <a14:hiddenLine xmlns:a14="http://schemas.microsoft.com/office/drawing/2010/main" xmlns="" w="9525">
                   <a:solidFill>
                     <a:srgbClr val="000000"/>
                   </a:solidFill>
@@ -1241,7 +1241,7 @@
             </a:ln>
             <a:extLst>
               <a:ext uri="{91240B29-F687-4f45-9708-019B960494DF}">
-                <a14:hiddenLine xmlns="" xmlns:a14="http://schemas.microsoft.com/office/drawing/2010/main" w="9525">
+                <a14:hiddenLine xmlns:a14="http://schemas.microsoft.com/office/drawing/2010/main" xmlns="" w="9525">
                   <a:solidFill>
                     <a:srgbClr val="000000"/>
                   </a:solidFill>
@@ -1303,7 +1303,7 @@
             </a:ln>
             <a:extLst>
               <a:ext uri="{91240B29-F687-4f45-9708-019B960494DF}">
-                <a14:hiddenLine xmlns="" xmlns:a14="http://schemas.microsoft.com/office/drawing/2010/main" w="9525">
+                <a14:hiddenLine xmlns:a14="http://schemas.microsoft.com/office/drawing/2010/main" xmlns="" w="9525">
                   <a:solidFill>
                     <a:srgbClr val="000000"/>
                   </a:solidFill>
@@ -1393,7 +1393,7 @@
             </a:ln>
             <a:extLst>
               <a:ext uri="{91240B29-F687-4f45-9708-019B960494DF}">
-                <a14:hiddenLine xmlns="" xmlns:a14="http://schemas.microsoft.com/office/drawing/2010/main" w="9525">
+                <a14:hiddenLine xmlns:a14="http://schemas.microsoft.com/office/drawing/2010/main" xmlns="" w="9525">
                   <a:solidFill>
                     <a:srgbClr val="000000"/>
                   </a:solidFill>
@@ -1483,7 +1483,7 @@
             </a:ln>
             <a:extLst>
               <a:ext uri="{91240B29-F687-4f45-9708-019B960494DF}">
-                <a14:hiddenLine xmlns="" xmlns:a14="http://schemas.microsoft.com/office/drawing/2010/main" w="9525">
+                <a14:hiddenLine xmlns:a14="http://schemas.microsoft.com/office/drawing/2010/main" xmlns="" w="9525">
                   <a:solidFill>
                     <a:srgbClr val="000000"/>
                   </a:solidFill>
@@ -1545,7 +1545,7 @@
             </a:ln>
             <a:extLst>
               <a:ext uri="{91240B29-F687-4f45-9708-019B960494DF}">
-                <a14:hiddenLine xmlns="" xmlns:a14="http://schemas.microsoft.com/office/drawing/2010/main" w="9525">
+                <a14:hiddenLine xmlns:a14="http://schemas.microsoft.com/office/drawing/2010/main" xmlns="" w="9525">
                   <a:solidFill>
                     <a:srgbClr val="000000"/>
                   </a:solidFill>
@@ -1635,7 +1635,7 @@
             </a:ln>
             <a:extLst>
               <a:ext uri="{91240B29-F687-4f45-9708-019B960494DF}">
-                <a14:hiddenLine xmlns="" xmlns:a14="http://schemas.microsoft.com/office/drawing/2010/main" w="9525">
+                <a14:hiddenLine xmlns:a14="http://schemas.microsoft.com/office/drawing/2010/main" xmlns="" w="9525">
                   <a:solidFill>
                     <a:srgbClr val="000000"/>
                   </a:solidFill>
@@ -1725,7 +1725,7 @@
             </a:ln>
             <a:extLst>
               <a:ext uri="{91240B29-F687-4f45-9708-019B960494DF}">
-                <a14:hiddenLine xmlns="" xmlns:a14="http://schemas.microsoft.com/office/drawing/2010/main" w="9525">
+                <a14:hiddenLine xmlns:a14="http://schemas.microsoft.com/office/drawing/2010/main" xmlns="" w="9525">
                   <a:solidFill>
                     <a:srgbClr val="000000"/>
                   </a:solidFill>
@@ -1781,7 +1781,7 @@
             </a:ln>
             <a:extLst>
               <a:ext uri="{91240B29-F687-4f45-9708-019B960494DF}">
-                <a14:hiddenLine xmlns="" xmlns:a14="http://schemas.microsoft.com/office/drawing/2010/main" w="9525">
+                <a14:hiddenLine xmlns:a14="http://schemas.microsoft.com/office/drawing/2010/main" xmlns="" w="9525">
                   <a:solidFill>
                     <a:srgbClr val="000000"/>
                   </a:solidFill>
@@ -1871,7 +1871,7 @@
             </a:ln>
             <a:extLst>
               <a:ext uri="{91240B29-F687-4f45-9708-019B960494DF}">
-                <a14:hiddenLine xmlns="" xmlns:a14="http://schemas.microsoft.com/office/drawing/2010/main" w="9525">
+                <a14:hiddenLine xmlns:a14="http://schemas.microsoft.com/office/drawing/2010/main" xmlns="" w="9525">
                   <a:solidFill>
                     <a:srgbClr val="000000"/>
                   </a:solidFill>
@@ -1927,7 +1927,7 @@
             </a:ln>
             <a:extLst>
               <a:ext uri="{91240B29-F687-4f45-9708-019B960494DF}">
-                <a14:hiddenLine xmlns="" xmlns:a14="http://schemas.microsoft.com/office/drawing/2010/main" w="9525">
+                <a14:hiddenLine xmlns:a14="http://schemas.microsoft.com/office/drawing/2010/main" xmlns="" w="9525">
                   <a:solidFill>
                     <a:srgbClr val="000000"/>
                   </a:solidFill>
@@ -2017,7 +2017,7 @@
             </a:ln>
             <a:extLst>
               <a:ext uri="{91240B29-F687-4f45-9708-019B960494DF}">
-                <a14:hiddenLine xmlns="" xmlns:a14="http://schemas.microsoft.com/office/drawing/2010/main" w="9525">
+                <a14:hiddenLine xmlns:a14="http://schemas.microsoft.com/office/drawing/2010/main" xmlns="" w="9525">
                   <a:solidFill>
                     <a:srgbClr val="000000"/>
                   </a:solidFill>
@@ -2085,7 +2085,7 @@
             </a:ln>
             <a:extLst>
               <a:ext uri="{91240B29-F687-4f45-9708-019B960494DF}">
-                <a14:hiddenLine xmlns="" xmlns:a14="http://schemas.microsoft.com/office/drawing/2010/main" w="9525">
+                <a14:hiddenLine xmlns:a14="http://schemas.microsoft.com/office/drawing/2010/main" xmlns="" w="9525">
                   <a:solidFill>
                     <a:srgbClr val="000000"/>
                   </a:solidFill>
@@ -2175,7 +2175,7 @@
             </a:ln>
             <a:extLst>
               <a:ext uri="{91240B29-F687-4f45-9708-019B960494DF}">
-                <a14:hiddenLine xmlns="" xmlns:a14="http://schemas.microsoft.com/office/drawing/2010/main" w="9525">
+                <a14:hiddenLine xmlns:a14="http://schemas.microsoft.com/office/drawing/2010/main" xmlns="" w="9525">
                   <a:solidFill>
                     <a:srgbClr val="000000"/>
                   </a:solidFill>
@@ -2243,7 +2243,7 @@
             </a:ln>
             <a:extLst>
               <a:ext uri="{91240B29-F687-4f45-9708-019B960494DF}">
-                <a14:hiddenLine xmlns="" xmlns:a14="http://schemas.microsoft.com/office/drawing/2010/main" w="9525">
+                <a14:hiddenLine xmlns:a14="http://schemas.microsoft.com/office/drawing/2010/main" xmlns="" w="9525">
                   <a:solidFill>
                     <a:srgbClr val="000000"/>
                   </a:solidFill>
@@ -2333,7 +2333,7 @@
             </a:ln>
             <a:extLst>
               <a:ext uri="{91240B29-F687-4f45-9708-019B960494DF}">
-                <a14:hiddenLine xmlns="" xmlns:a14="http://schemas.microsoft.com/office/drawing/2010/main" w="9525">
+                <a14:hiddenLine xmlns:a14="http://schemas.microsoft.com/office/drawing/2010/main" xmlns="" w="9525">
                   <a:solidFill>
                     <a:srgbClr val="000000"/>
                   </a:solidFill>
@@ -2367,7 +2367,7 @@
             </a:ln>
             <a:extLst>
               <a:ext uri="{91240B29-F687-4f45-9708-019B960494DF}">
-                <a14:hiddenLine xmlns="" xmlns:a14="http://schemas.microsoft.com/office/drawing/2010/main" w="9525">
+                <a14:hiddenLine xmlns:a14="http://schemas.microsoft.com/office/drawing/2010/main" xmlns="" w="9525">
                   <a:solidFill>
                     <a:srgbClr val="000000"/>
                   </a:solidFill>
@@ -2457,7 +2457,7 @@
             </a:ln>
             <a:extLst>
               <a:ext uri="{91240B29-F687-4f45-9708-019B960494DF}">
-                <a14:hiddenLine xmlns="" xmlns:a14="http://schemas.microsoft.com/office/drawing/2010/main" w="9525">
+                <a14:hiddenLine xmlns:a14="http://schemas.microsoft.com/office/drawing/2010/main" xmlns="" w="9525">
                   <a:solidFill>
                     <a:srgbClr val="000000"/>
                   </a:solidFill>
@@ -2519,7 +2519,7 @@
             </a:ln>
             <a:extLst>
               <a:ext uri="{91240B29-F687-4f45-9708-019B960494DF}">
-                <a14:hiddenLine xmlns="" xmlns:a14="http://schemas.microsoft.com/office/drawing/2010/main" w="9525">
+                <a14:hiddenLine xmlns:a14="http://schemas.microsoft.com/office/drawing/2010/main" xmlns="" w="9525">
                   <a:solidFill>
                     <a:srgbClr val="000000"/>
                   </a:solidFill>
@@ -2581,7 +2581,7 @@
             </a:ln>
             <a:extLst>
               <a:ext uri="{91240B29-F687-4f45-9708-019B960494DF}">
-                <a14:hiddenLine xmlns="" xmlns:a14="http://schemas.microsoft.com/office/drawing/2010/main" w="9525">
+                <a14:hiddenLine xmlns:a14="http://schemas.microsoft.com/office/drawing/2010/main" xmlns="" w="9525">
                   <a:solidFill>
                     <a:srgbClr val="000000"/>
                   </a:solidFill>
@@ -2671,7 +2671,7 @@
             </a:ln>
             <a:extLst>
               <a:ext uri="{91240B29-F687-4f45-9708-019B960494DF}">
-                <a14:hiddenLine xmlns="" xmlns:a14="http://schemas.microsoft.com/office/drawing/2010/main" w="9525">
+                <a14:hiddenLine xmlns:a14="http://schemas.microsoft.com/office/drawing/2010/main" xmlns="" w="9525">
                   <a:solidFill>
                     <a:srgbClr val="000000"/>
                   </a:solidFill>
@@ -2739,7 +2739,7 @@
             </a:ln>
             <a:extLst>
               <a:ext uri="{91240B29-F687-4f45-9708-019B960494DF}">
-                <a14:hiddenLine xmlns="" xmlns:a14="http://schemas.microsoft.com/office/drawing/2010/main" w="9525">
+                <a14:hiddenLine xmlns:a14="http://schemas.microsoft.com/office/drawing/2010/main" xmlns="" w="9525">
                   <a:solidFill>
                     <a:srgbClr val="000000"/>
                   </a:solidFill>
@@ -2801,7 +2801,7 @@
             </a:ln>
             <a:extLst>
               <a:ext uri="{91240B29-F687-4f45-9708-019B960494DF}">
-                <a14:hiddenLine xmlns="" xmlns:a14="http://schemas.microsoft.com/office/drawing/2010/main" w="9525">
+                <a14:hiddenLine xmlns:a14="http://schemas.microsoft.com/office/drawing/2010/main" xmlns="" w="9525">
                   <a:solidFill>
                     <a:srgbClr val="000000"/>
                   </a:solidFill>
@@ -2891,7 +2891,7 @@
             </a:ln>
             <a:extLst>
               <a:ext uri="{91240B29-F687-4f45-9708-019B960494DF}">
-                <a14:hiddenLine xmlns="" xmlns:a14="http://schemas.microsoft.com/office/drawing/2010/main" w="9525">
+                <a14:hiddenLine xmlns:a14="http://schemas.microsoft.com/office/drawing/2010/main" xmlns="" w="9525">
                   <a:solidFill>
                     <a:srgbClr val="000000"/>
                   </a:solidFill>
@@ -2953,7 +2953,7 @@
             </a:ln>
             <a:extLst>
               <a:ext uri="{91240B29-F687-4f45-9708-019B960494DF}">
-                <a14:hiddenLine xmlns="" xmlns:a14="http://schemas.microsoft.com/office/drawing/2010/main" w="9525">
+                <a14:hiddenLine xmlns:a14="http://schemas.microsoft.com/office/drawing/2010/main" xmlns="" w="9525">
                   <a:solidFill>
                     <a:srgbClr val="000000"/>
                   </a:solidFill>
@@ -3043,7 +3043,7 @@
             </a:ln>
             <a:extLst>
               <a:ext uri="{91240B29-F687-4f45-9708-019B960494DF}">
-                <a14:hiddenLine xmlns="" xmlns:a14="http://schemas.microsoft.com/office/drawing/2010/main" w="9525">
+                <a14:hiddenLine xmlns:a14="http://schemas.microsoft.com/office/drawing/2010/main" xmlns="" w="9525">
                   <a:solidFill>
                     <a:srgbClr val="000000"/>
                   </a:solidFill>
@@ -3105,7 +3105,7 @@
             </a:ln>
             <a:extLst>
               <a:ext uri="{91240B29-F687-4f45-9708-019B960494DF}">
-                <a14:hiddenLine xmlns="" xmlns:a14="http://schemas.microsoft.com/office/drawing/2010/main" w="9525">
+                <a14:hiddenLine xmlns:a14="http://schemas.microsoft.com/office/drawing/2010/main" xmlns="" w="9525">
                   <a:solidFill>
                     <a:srgbClr val="000000"/>
                   </a:solidFill>
@@ -3195,7 +3195,7 @@
             </a:ln>
             <a:extLst>
               <a:ext uri="{91240B29-F687-4f45-9708-019B960494DF}">
-                <a14:hiddenLine xmlns="" xmlns:a14="http://schemas.microsoft.com/office/drawing/2010/main" w="9525">
+                <a14:hiddenLine xmlns:a14="http://schemas.microsoft.com/office/drawing/2010/main" xmlns="" w="9525">
                   <a:solidFill>
                     <a:srgbClr val="000000"/>
                   </a:solidFill>
@@ -3229,7 +3229,7 @@
             </a:ln>
             <a:extLst>
               <a:ext uri="{91240B29-F687-4f45-9708-019B960494DF}">
-                <a14:hiddenLine xmlns="" xmlns:a14="http://schemas.microsoft.com/office/drawing/2010/main" w="9525">
+                <a14:hiddenLine xmlns:a14="http://schemas.microsoft.com/office/drawing/2010/main" xmlns="" w="9525">
                   <a:solidFill>
                     <a:srgbClr val="000000"/>
                   </a:solidFill>
@@ -3294,7 +3294,7 @@
             </a:ln>
             <a:extLst>
               <a:ext uri="{91240B29-F687-4f45-9708-019B960494DF}">
-                <a14:hiddenLine xmlns="" xmlns:a14="http://schemas.microsoft.com/office/drawing/2010/main" w="9525">
+                <a14:hiddenLine xmlns:a14="http://schemas.microsoft.com/office/drawing/2010/main" xmlns="" w="9525">
                   <a:solidFill>
                     <a:srgbClr val="000000"/>
                   </a:solidFill>
@@ -3384,7 +3384,7 @@
             </a:ln>
             <a:extLst>
               <a:ext uri="{91240B29-F687-4f45-9708-019B960494DF}">
-                <a14:hiddenLine xmlns="" xmlns:a14="http://schemas.microsoft.com/office/drawing/2010/main" w="9525">
+                <a14:hiddenLine xmlns:a14="http://schemas.microsoft.com/office/drawing/2010/main" xmlns="" w="9525">
                   <a:solidFill>
                     <a:srgbClr val="000000"/>
                   </a:solidFill>
@@ -3446,7 +3446,7 @@
             </a:ln>
             <a:extLst>
               <a:ext uri="{91240B29-F687-4f45-9708-019B960494DF}">
-                <a14:hiddenLine xmlns="" xmlns:a14="http://schemas.microsoft.com/office/drawing/2010/main" w="9525">
+                <a14:hiddenLine xmlns:a14="http://schemas.microsoft.com/office/drawing/2010/main" xmlns="" w="9525">
                   <a:solidFill>
                     <a:srgbClr val="000000"/>
                   </a:solidFill>
@@ -3536,7 +3536,7 @@
             </a:ln>
             <a:extLst>
               <a:ext uri="{91240B29-F687-4f45-9708-019B960494DF}">
-                <a14:hiddenLine xmlns="" xmlns:a14="http://schemas.microsoft.com/office/drawing/2010/main" w="9525">
+                <a14:hiddenLine xmlns:a14="http://schemas.microsoft.com/office/drawing/2010/main" xmlns="" w="9525">
                   <a:solidFill>
                     <a:srgbClr val="000000"/>
                   </a:solidFill>
@@ -3626,7 +3626,7 @@
             </a:ln>
             <a:extLst>
               <a:ext uri="{91240B29-F687-4f45-9708-019B960494DF}">
-                <a14:hiddenLine xmlns="" xmlns:a14="http://schemas.microsoft.com/office/drawing/2010/main" w="9525">
+                <a14:hiddenLine xmlns:a14="http://schemas.microsoft.com/office/drawing/2010/main" xmlns="" w="9525">
                   <a:solidFill>
                     <a:srgbClr val="000000"/>
                   </a:solidFill>
@@ -3691,7 +3691,7 @@
             </a:ln>
             <a:extLst>
               <a:ext uri="{91240B29-F687-4f45-9708-019B960494DF}">
-                <a14:hiddenLine xmlns="" xmlns:a14="http://schemas.microsoft.com/office/drawing/2010/main" w="9525">
+                <a14:hiddenLine xmlns:a14="http://schemas.microsoft.com/office/drawing/2010/main" xmlns="" w="9525">
                   <a:solidFill>
                     <a:srgbClr val="000000"/>
                   </a:solidFill>
@@ -3753,7 +3753,7 @@
             </a:ln>
             <a:extLst>
               <a:ext uri="{91240B29-F687-4f45-9708-019B960494DF}">
-                <a14:hiddenLine xmlns="" xmlns:a14="http://schemas.microsoft.com/office/drawing/2010/main" w="9525">
+                <a14:hiddenLine xmlns:a14="http://schemas.microsoft.com/office/drawing/2010/main" xmlns="" w="9525">
                   <a:solidFill>
                     <a:srgbClr val="000000"/>
                   </a:solidFill>
@@ -3843,7 +3843,7 @@
             </a:ln>
             <a:extLst>
               <a:ext uri="{91240B29-F687-4f45-9708-019B960494DF}">
-                <a14:hiddenLine xmlns="" xmlns:a14="http://schemas.microsoft.com/office/drawing/2010/main" w="9525">
+                <a14:hiddenLine xmlns:a14="http://schemas.microsoft.com/office/drawing/2010/main" xmlns="" w="9525">
                   <a:solidFill>
                     <a:srgbClr val="000000"/>
                   </a:solidFill>
@@ -3933,7 +3933,7 @@
             </a:ln>
             <a:extLst>
               <a:ext uri="{91240B29-F687-4f45-9708-019B960494DF}">
-                <a14:hiddenLine xmlns="" xmlns:a14="http://schemas.microsoft.com/office/drawing/2010/main" w="9525">
+                <a14:hiddenLine xmlns:a14="http://schemas.microsoft.com/office/drawing/2010/main" xmlns="" w="9525">
                   <a:solidFill>
                     <a:srgbClr val="000000"/>
                   </a:solidFill>
@@ -3995,7 +3995,7 @@
             </a:ln>
             <a:extLst>
               <a:ext uri="{91240B29-F687-4f45-9708-019B960494DF}">
-                <a14:hiddenLine xmlns="" xmlns:a14="http://schemas.microsoft.com/office/drawing/2010/main" w="9525">
+                <a14:hiddenLine xmlns:a14="http://schemas.microsoft.com/office/drawing/2010/main" xmlns="" w="9525">
                   <a:solidFill>
                     <a:srgbClr val="000000"/>
                   </a:solidFill>
@@ -4115,7 +4115,7 @@
             </a:ln>
             <a:extLst>
               <a:ext uri="{91240B29-F687-4f45-9708-019B960494DF}">
-                <a14:hiddenLine xmlns="" xmlns:a14="http://schemas.microsoft.com/office/drawing/2010/main" w="9525">
+                <a14:hiddenLine xmlns:a14="http://schemas.microsoft.com/office/drawing/2010/main" xmlns="" w="9525">
                   <a:solidFill>
                     <a:srgbClr val="000000"/>
                   </a:solidFill>
@@ -4183,7 +4183,7 @@
             </a:ln>
             <a:extLst>
               <a:ext uri="{91240B29-F687-4f45-9708-019B960494DF}">
-                <a14:hiddenLine xmlns="" xmlns:a14="http://schemas.microsoft.com/office/drawing/2010/main" w="9525">
+                <a14:hiddenLine xmlns:a14="http://schemas.microsoft.com/office/drawing/2010/main" xmlns="" w="9525">
                   <a:solidFill>
                     <a:srgbClr val="000000"/>
                   </a:solidFill>
@@ -4273,7 +4273,7 @@
             </a:ln>
             <a:extLst>
               <a:ext uri="{91240B29-F687-4f45-9708-019B960494DF}">
-                <a14:hiddenLine xmlns="" xmlns:a14="http://schemas.microsoft.com/office/drawing/2010/main" w="9525">
+                <a14:hiddenLine xmlns:a14="http://schemas.microsoft.com/office/drawing/2010/main" xmlns="" w="9525">
                   <a:solidFill>
                     <a:srgbClr val="000000"/>
                   </a:solidFill>
@@ -4413,7 +4413,7 @@
           <a:p>
             <a:fld id="{7FDBF50C-4ABB-48C4-BC36-F12119FAB571}" type="datetimeFigureOut">
               <a:rPr lang="it-IT" smtClean="0"/>
-              <a:t>10/06/2021</a:t>
+              <a:t>11/06/2021</a:t>
             </a:fld>
             <a:endParaRPr lang="it-IT"/>
           </a:p>
@@ -4465,7 +4465,7 @@
           <a:p>
             <a:fld id="{06021973-6F29-4C3C-B47D-AFC1FE0FEEAE}" type="slidenum">
               <a:rPr lang="it-IT" smtClean="0"/>
-              <a:t>‹N›</a:t>
+              <a:t>‹#›</a:t>
             </a:fld>
             <a:endParaRPr lang="it-IT"/>
           </a:p>
@@ -4680,7 +4680,7 @@
           <a:p>
             <a:fld id="{7FDBF50C-4ABB-48C4-BC36-F12119FAB571}" type="datetimeFigureOut">
               <a:rPr lang="it-IT" smtClean="0"/>
-              <a:t>10/06/2021</a:t>
+              <a:t>11/06/2021</a:t>
             </a:fld>
             <a:endParaRPr lang="it-IT"/>
           </a:p>
@@ -4722,7 +4722,7 @@
           <a:p>
             <a:fld id="{06021973-6F29-4C3C-B47D-AFC1FE0FEEAE}" type="slidenum">
               <a:rPr lang="it-IT" smtClean="0"/>
-              <a:t>‹N›</a:t>
+              <a:t>‹#›</a:t>
             </a:fld>
             <a:endParaRPr lang="it-IT"/>
           </a:p>
@@ -4876,7 +4876,7 @@
           <a:p>
             <a:fld id="{7FDBF50C-4ABB-48C4-BC36-F12119FAB571}" type="datetimeFigureOut">
               <a:rPr lang="it-IT" smtClean="0"/>
-              <a:t>10/06/2021</a:t>
+              <a:t>11/06/2021</a:t>
             </a:fld>
             <a:endParaRPr lang="it-IT"/>
           </a:p>
@@ -4918,7 +4918,7 @@
           <a:p>
             <a:fld id="{06021973-6F29-4C3C-B47D-AFC1FE0FEEAE}" type="slidenum">
               <a:rPr lang="it-IT" smtClean="0"/>
-              <a:t>‹N›</a:t>
+              <a:t>‹#›</a:t>
             </a:fld>
             <a:endParaRPr lang="it-IT"/>
           </a:p>
@@ -5139,7 +5139,7 @@
           <a:p>
             <a:fld id="{7FDBF50C-4ABB-48C4-BC36-F12119FAB571}" type="datetimeFigureOut">
               <a:rPr lang="it-IT" smtClean="0"/>
-              <a:t>10/06/2021</a:t>
+              <a:t>11/06/2021</a:t>
             </a:fld>
             <a:endParaRPr lang="it-IT"/>
           </a:p>
@@ -5181,7 +5181,7 @@
           <a:p>
             <a:fld id="{06021973-6F29-4C3C-B47D-AFC1FE0FEEAE}" type="slidenum">
               <a:rPr lang="it-IT" smtClean="0"/>
-              <a:t>‹N›</a:t>
+              <a:t>‹#›</a:t>
             </a:fld>
             <a:endParaRPr lang="it-IT"/>
           </a:p>
@@ -5573,7 +5573,7 @@
           <a:p>
             <a:fld id="{7FDBF50C-4ABB-48C4-BC36-F12119FAB571}" type="datetimeFigureOut">
               <a:rPr lang="it-IT" smtClean="0"/>
-              <a:t>10/06/2021</a:t>
+              <a:t>11/06/2021</a:t>
             </a:fld>
             <a:endParaRPr lang="it-IT"/>
           </a:p>
@@ -5615,7 +5615,7 @@
           <a:p>
             <a:fld id="{06021973-6F29-4C3C-B47D-AFC1FE0FEEAE}" type="slidenum">
               <a:rPr lang="it-IT" smtClean="0"/>
-              <a:t>‹N›</a:t>
+              <a:t>‹#›</a:t>
             </a:fld>
             <a:endParaRPr lang="it-IT"/>
           </a:p>
@@ -6119,7 +6119,7 @@
           <a:p>
             <a:fld id="{7FDBF50C-4ABB-48C4-BC36-F12119FAB571}" type="datetimeFigureOut">
               <a:rPr lang="it-IT" smtClean="0"/>
-              <a:t>10/06/2021</a:t>
+              <a:t>11/06/2021</a:t>
             </a:fld>
             <a:endParaRPr lang="it-IT"/>
           </a:p>
@@ -6161,7 +6161,7 @@
           <a:p>
             <a:fld id="{06021973-6F29-4C3C-B47D-AFC1FE0FEEAE}" type="slidenum">
               <a:rPr lang="it-IT" smtClean="0"/>
-              <a:t>‹N›</a:t>
+              <a:t>‹#›</a:t>
             </a:fld>
             <a:endParaRPr lang="it-IT"/>
           </a:p>
@@ -6839,7 +6839,7 @@
           <a:p>
             <a:fld id="{7FDBF50C-4ABB-48C4-BC36-F12119FAB571}" type="datetimeFigureOut">
               <a:rPr lang="it-IT" smtClean="0"/>
-              <a:t>10/06/2021</a:t>
+              <a:t>11/06/2021</a:t>
             </a:fld>
             <a:endParaRPr lang="it-IT"/>
           </a:p>
@@ -6881,7 +6881,7 @@
           <a:p>
             <a:fld id="{06021973-6F29-4C3C-B47D-AFC1FE0FEEAE}" type="slidenum">
               <a:rPr lang="it-IT" smtClean="0"/>
-              <a:t>‹N›</a:t>
+              <a:t>‹#›</a:t>
             </a:fld>
             <a:endParaRPr lang="it-IT"/>
           </a:p>
@@ -7009,7 +7009,7 @@
           <a:p>
             <a:fld id="{7FDBF50C-4ABB-48C4-BC36-F12119FAB571}" type="datetimeFigureOut">
               <a:rPr lang="it-IT" smtClean="0"/>
-              <a:t>10/06/2021</a:t>
+              <a:t>11/06/2021</a:t>
             </a:fld>
             <a:endParaRPr lang="it-IT"/>
           </a:p>
@@ -7051,7 +7051,7 @@
           <a:p>
             <a:fld id="{06021973-6F29-4C3C-B47D-AFC1FE0FEEAE}" type="slidenum">
               <a:rPr lang="it-IT" smtClean="0"/>
-              <a:t>‹N›</a:t>
+              <a:t>‹#›</a:t>
             </a:fld>
             <a:endParaRPr lang="it-IT"/>
           </a:p>
@@ -7189,7 +7189,7 @@
           <a:p>
             <a:fld id="{7FDBF50C-4ABB-48C4-BC36-F12119FAB571}" type="datetimeFigureOut">
               <a:rPr lang="it-IT" smtClean="0"/>
-              <a:t>10/06/2021</a:t>
+              <a:t>11/06/2021</a:t>
             </a:fld>
             <a:endParaRPr lang="it-IT"/>
           </a:p>
@@ -7231,7 +7231,7 @@
           <a:p>
             <a:fld id="{06021973-6F29-4C3C-B47D-AFC1FE0FEEAE}" type="slidenum">
               <a:rPr lang="it-IT" smtClean="0"/>
-              <a:t>‹N›</a:t>
+              <a:t>‹#›</a:t>
             </a:fld>
             <a:endParaRPr lang="it-IT"/>
           </a:p>
@@ -7359,7 +7359,7 @@
           <a:p>
             <a:fld id="{7FDBF50C-4ABB-48C4-BC36-F12119FAB571}" type="datetimeFigureOut">
               <a:rPr lang="it-IT" smtClean="0"/>
-              <a:t>10/06/2021</a:t>
+              <a:t>11/06/2021</a:t>
             </a:fld>
             <a:endParaRPr lang="it-IT"/>
           </a:p>
@@ -7401,7 +7401,7 @@
           <a:p>
             <a:fld id="{06021973-6F29-4C3C-B47D-AFC1FE0FEEAE}" type="slidenum">
               <a:rPr lang="it-IT" smtClean="0"/>
-              <a:t>‹N›</a:t>
+              <a:t>‹#›</a:t>
             </a:fld>
             <a:endParaRPr lang="it-IT"/>
           </a:p>
@@ -7609,7 +7609,7 @@
           <a:p>
             <a:fld id="{7FDBF50C-4ABB-48C4-BC36-F12119FAB571}" type="datetimeFigureOut">
               <a:rPr lang="it-IT" smtClean="0"/>
-              <a:t>10/06/2021</a:t>
+              <a:t>11/06/2021</a:t>
             </a:fld>
             <a:endParaRPr lang="it-IT"/>
           </a:p>
@@ -7651,7 +7651,7 @@
           <a:p>
             <a:fld id="{06021973-6F29-4C3C-B47D-AFC1FE0FEEAE}" type="slidenum">
               <a:rPr lang="it-IT" smtClean="0"/>
-              <a:t>‹N›</a:t>
+              <a:t>‹#›</a:t>
             </a:fld>
             <a:endParaRPr lang="it-IT"/>
           </a:p>
@@ -7841,7 +7841,7 @@
           <a:p>
             <a:fld id="{7FDBF50C-4ABB-48C4-BC36-F12119FAB571}" type="datetimeFigureOut">
               <a:rPr lang="it-IT" smtClean="0"/>
-              <a:t>10/06/2021</a:t>
+              <a:t>11/06/2021</a:t>
             </a:fld>
             <a:endParaRPr lang="it-IT"/>
           </a:p>
@@ -7883,7 +7883,7 @@
           <a:p>
             <a:fld id="{06021973-6F29-4C3C-B47D-AFC1FE0FEEAE}" type="slidenum">
               <a:rPr lang="it-IT" smtClean="0"/>
-              <a:t>‹N›</a:t>
+              <a:t>‹#›</a:t>
             </a:fld>
             <a:endParaRPr lang="it-IT"/>
           </a:p>
@@ -8222,7 +8222,7 @@
           <a:p>
             <a:fld id="{7FDBF50C-4ABB-48C4-BC36-F12119FAB571}" type="datetimeFigureOut">
               <a:rPr lang="it-IT" smtClean="0"/>
-              <a:t>10/06/2021</a:t>
+              <a:t>11/06/2021</a:t>
             </a:fld>
             <a:endParaRPr lang="it-IT"/>
           </a:p>
@@ -8264,7 +8264,7 @@
           <a:p>
             <a:fld id="{06021973-6F29-4C3C-B47D-AFC1FE0FEEAE}" type="slidenum">
               <a:rPr lang="it-IT" smtClean="0"/>
-              <a:t>‹N›</a:t>
+              <a:t>‹#›</a:t>
             </a:fld>
             <a:endParaRPr lang="it-IT"/>
           </a:p>
@@ -8340,7 +8340,7 @@
           <a:p>
             <a:fld id="{7FDBF50C-4ABB-48C4-BC36-F12119FAB571}" type="datetimeFigureOut">
               <a:rPr lang="it-IT" smtClean="0"/>
-              <a:t>10/06/2021</a:t>
+              <a:t>11/06/2021</a:t>
             </a:fld>
             <a:endParaRPr lang="it-IT"/>
           </a:p>
@@ -8382,7 +8382,7 @@
           <a:p>
             <a:fld id="{06021973-6F29-4C3C-B47D-AFC1FE0FEEAE}" type="slidenum">
               <a:rPr lang="it-IT" smtClean="0"/>
-              <a:t>‹N›</a:t>
+              <a:t>‹#›</a:t>
             </a:fld>
             <a:endParaRPr lang="it-IT"/>
           </a:p>
@@ -8435,7 +8435,7 @@
           <a:p>
             <a:fld id="{7FDBF50C-4ABB-48C4-BC36-F12119FAB571}" type="datetimeFigureOut">
               <a:rPr lang="it-IT" smtClean="0"/>
-              <a:t>10/06/2021</a:t>
+              <a:t>11/06/2021</a:t>
             </a:fld>
             <a:endParaRPr lang="it-IT"/>
           </a:p>
@@ -8477,7 +8477,7 @@
           <a:p>
             <a:fld id="{06021973-6F29-4C3C-B47D-AFC1FE0FEEAE}" type="slidenum">
               <a:rPr lang="it-IT" smtClean="0"/>
-              <a:t>‹N›</a:t>
+              <a:t>‹#›</a:t>
             </a:fld>
             <a:endParaRPr lang="it-IT"/>
           </a:p>
@@ -8684,7 +8684,7 @@
           <a:p>
             <a:fld id="{7FDBF50C-4ABB-48C4-BC36-F12119FAB571}" type="datetimeFigureOut">
               <a:rPr lang="it-IT" smtClean="0"/>
-              <a:t>10/06/2021</a:t>
+              <a:t>11/06/2021</a:t>
             </a:fld>
             <a:endParaRPr lang="it-IT"/>
           </a:p>
@@ -8726,7 +8726,7 @@
           <a:p>
             <a:fld id="{06021973-6F29-4C3C-B47D-AFC1FE0FEEAE}" type="slidenum">
               <a:rPr lang="it-IT" smtClean="0"/>
-              <a:t>‹N›</a:t>
+              <a:t>‹#›</a:t>
             </a:fld>
             <a:endParaRPr lang="it-IT"/>
           </a:p>
@@ -8964,7 +8964,7 @@
           <a:p>
             <a:fld id="{7FDBF50C-4ABB-48C4-BC36-F12119FAB571}" type="datetimeFigureOut">
               <a:rPr lang="it-IT" smtClean="0"/>
-              <a:t>10/06/2021</a:t>
+              <a:t>11/06/2021</a:t>
             </a:fld>
             <a:endParaRPr lang="it-IT"/>
           </a:p>
@@ -9006,7 +9006,7 @@
           <a:p>
             <a:fld id="{06021973-6F29-4C3C-B47D-AFC1FE0FEEAE}" type="slidenum">
               <a:rPr lang="it-IT" smtClean="0"/>
-              <a:t>‹N›</a:t>
+              <a:t>‹#›</a:t>
             </a:fld>
             <a:endParaRPr lang="it-IT"/>
           </a:p>
@@ -9080,7 +9080,7 @@
           <a:noFill/>
           <a:extLst>
             <a:ext uri="{909E8E84-426E-40dd-AFC4-6F175D3DCCD1}">
-              <a14:hiddenFill xmlns="" xmlns:a14="http://schemas.microsoft.com/office/drawing/2010/main">
+              <a14:hiddenFill xmlns:a14="http://schemas.microsoft.com/office/drawing/2010/main" xmlns="">
                 <a:solidFill>
                   <a:srgbClr val="FFFFFF"/>
                 </a:solidFill>
@@ -9154,7 +9154,7 @@
               </a:ln>
               <a:extLst>
                 <a:ext uri="{91240B29-F687-4f45-9708-019B960494DF}">
-                  <a14:hiddenLine xmlns="" xmlns:a14="http://schemas.microsoft.com/office/drawing/2010/main" w="9525">
+                  <a14:hiddenLine xmlns:a14="http://schemas.microsoft.com/office/drawing/2010/main" xmlns="" w="9525">
                     <a:solidFill>
                       <a:srgbClr val="000000"/>
                     </a:solidFill>
@@ -9244,7 +9244,7 @@
               </a:ln>
               <a:extLst>
                 <a:ext uri="{91240B29-F687-4f45-9708-019B960494DF}">
-                  <a14:hiddenLine xmlns="" xmlns:a14="http://schemas.microsoft.com/office/drawing/2010/main" w="9525">
+                  <a14:hiddenLine xmlns:a14="http://schemas.microsoft.com/office/drawing/2010/main" xmlns="" w="9525">
                     <a:solidFill>
                       <a:srgbClr val="000000"/>
                     </a:solidFill>
@@ -9334,7 +9334,7 @@
               </a:ln>
               <a:extLst>
                 <a:ext uri="{91240B29-F687-4f45-9708-019B960494DF}">
-                  <a14:hiddenLine xmlns="" xmlns:a14="http://schemas.microsoft.com/office/drawing/2010/main" w="9525">
+                  <a14:hiddenLine xmlns:a14="http://schemas.microsoft.com/office/drawing/2010/main" xmlns="" w="9525">
                     <a:solidFill>
                       <a:srgbClr val="000000"/>
                     </a:solidFill>
@@ -9396,7 +9396,7 @@
               </a:ln>
               <a:extLst>
                 <a:ext uri="{91240B29-F687-4f45-9708-019B960494DF}">
-                  <a14:hiddenLine xmlns="" xmlns:a14="http://schemas.microsoft.com/office/drawing/2010/main" w="9525">
+                  <a14:hiddenLine xmlns:a14="http://schemas.microsoft.com/office/drawing/2010/main" xmlns="" w="9525">
                     <a:solidFill>
                       <a:srgbClr val="000000"/>
                     </a:solidFill>
@@ -9486,7 +9486,7 @@
               </a:ln>
               <a:extLst>
                 <a:ext uri="{91240B29-F687-4f45-9708-019B960494DF}">
-                  <a14:hiddenLine xmlns="" xmlns:a14="http://schemas.microsoft.com/office/drawing/2010/main" w="9525">
+                  <a14:hiddenLine xmlns:a14="http://schemas.microsoft.com/office/drawing/2010/main" xmlns="" w="9525">
                     <a:solidFill>
                       <a:srgbClr val="000000"/>
                     </a:solidFill>
@@ -9548,7 +9548,7 @@
               </a:ln>
               <a:extLst>
                 <a:ext uri="{91240B29-F687-4f45-9708-019B960494DF}">
-                  <a14:hiddenLine xmlns="" xmlns:a14="http://schemas.microsoft.com/office/drawing/2010/main" w="9525">
+                  <a14:hiddenLine xmlns:a14="http://schemas.microsoft.com/office/drawing/2010/main" xmlns="" w="9525">
                     <a:solidFill>
                       <a:srgbClr val="000000"/>
                     </a:solidFill>
@@ -9610,7 +9610,7 @@
               </a:ln>
               <a:extLst>
                 <a:ext uri="{91240B29-F687-4f45-9708-019B960494DF}">
-                  <a14:hiddenLine xmlns="" xmlns:a14="http://schemas.microsoft.com/office/drawing/2010/main" w="9525">
+                  <a14:hiddenLine xmlns:a14="http://schemas.microsoft.com/office/drawing/2010/main" xmlns="" w="9525">
                     <a:solidFill>
                       <a:srgbClr val="000000"/>
                     </a:solidFill>
@@ -9700,7 +9700,7 @@
               </a:ln>
               <a:extLst>
                 <a:ext uri="{91240B29-F687-4f45-9708-019B960494DF}">
-                  <a14:hiddenLine xmlns="" xmlns:a14="http://schemas.microsoft.com/office/drawing/2010/main" w="9525">
+                  <a14:hiddenLine xmlns:a14="http://schemas.microsoft.com/office/drawing/2010/main" xmlns="" w="9525">
                     <a:solidFill>
                       <a:srgbClr val="000000"/>
                     </a:solidFill>
@@ -9790,7 +9790,7 @@
               </a:ln>
               <a:extLst>
                 <a:ext uri="{91240B29-F687-4f45-9708-019B960494DF}">
-                  <a14:hiddenLine xmlns="" xmlns:a14="http://schemas.microsoft.com/office/drawing/2010/main" w="9525">
+                  <a14:hiddenLine xmlns:a14="http://schemas.microsoft.com/office/drawing/2010/main" xmlns="" w="9525">
                     <a:solidFill>
                       <a:srgbClr val="000000"/>
                     </a:solidFill>
@@ -9852,7 +9852,7 @@
               </a:ln>
               <a:extLst>
                 <a:ext uri="{91240B29-F687-4f45-9708-019B960494DF}">
-                  <a14:hiddenLine xmlns="" xmlns:a14="http://schemas.microsoft.com/office/drawing/2010/main" w="9525">
+                  <a14:hiddenLine xmlns:a14="http://schemas.microsoft.com/office/drawing/2010/main" xmlns="" w="9525">
                     <a:solidFill>
                       <a:srgbClr val="000000"/>
                     </a:solidFill>
@@ -9962,7 +9962,7 @@
               </a:ln>
               <a:extLst>
                 <a:ext uri="{91240B29-F687-4f45-9708-019B960494DF}">
-                  <a14:hiddenLine xmlns="" xmlns:a14="http://schemas.microsoft.com/office/drawing/2010/main" w="9525">
+                  <a14:hiddenLine xmlns:a14="http://schemas.microsoft.com/office/drawing/2010/main" xmlns="" w="9525">
                     <a:solidFill>
                       <a:srgbClr val="000000"/>
                     </a:solidFill>
@@ -10046,7 +10046,7 @@
               </a:ln>
               <a:extLst>
                 <a:ext uri="{91240B29-F687-4f45-9708-019B960494DF}">
-                  <a14:hiddenLine xmlns="" xmlns:a14="http://schemas.microsoft.com/office/drawing/2010/main" w="9525">
+                  <a14:hiddenLine xmlns:a14="http://schemas.microsoft.com/office/drawing/2010/main" xmlns="" w="9525">
                     <a:solidFill>
                       <a:srgbClr val="000000"/>
                     </a:solidFill>
@@ -10108,7 +10108,7 @@
               </a:ln>
               <a:extLst>
                 <a:ext uri="{91240B29-F687-4f45-9708-019B960494DF}">
-                  <a14:hiddenLine xmlns="" xmlns:a14="http://schemas.microsoft.com/office/drawing/2010/main" w="9525">
+                  <a14:hiddenLine xmlns:a14="http://schemas.microsoft.com/office/drawing/2010/main" xmlns="" w="9525">
                     <a:solidFill>
                       <a:srgbClr val="000000"/>
                     </a:solidFill>
@@ -10170,7 +10170,7 @@
               </a:ln>
               <a:extLst>
                 <a:ext uri="{91240B29-F687-4f45-9708-019B960494DF}">
-                  <a14:hiddenLine xmlns="" xmlns:a14="http://schemas.microsoft.com/office/drawing/2010/main" w="9525">
+                  <a14:hiddenLine xmlns:a14="http://schemas.microsoft.com/office/drawing/2010/main" xmlns="" w="9525">
                     <a:solidFill>
                       <a:srgbClr val="000000"/>
                     </a:solidFill>
@@ -10260,7 +10260,7 @@
               </a:ln>
               <a:extLst>
                 <a:ext uri="{91240B29-F687-4f45-9708-019B960494DF}">
-                  <a14:hiddenLine xmlns="" xmlns:a14="http://schemas.microsoft.com/office/drawing/2010/main" w="9525">
+                  <a14:hiddenLine xmlns:a14="http://schemas.microsoft.com/office/drawing/2010/main" xmlns="" w="9525">
                     <a:solidFill>
                       <a:srgbClr val="000000"/>
                     </a:solidFill>
@@ -10294,7 +10294,7 @@
               </a:ln>
               <a:extLst>
                 <a:ext uri="{91240B29-F687-4f45-9708-019B960494DF}">
-                  <a14:hiddenLine xmlns="" xmlns:a14="http://schemas.microsoft.com/office/drawing/2010/main" w="9525">
+                  <a14:hiddenLine xmlns:a14="http://schemas.microsoft.com/office/drawing/2010/main" xmlns="" w="9525">
                     <a:solidFill>
                       <a:srgbClr val="000000"/>
                     </a:solidFill>
@@ -10359,7 +10359,7 @@
               </a:ln>
               <a:extLst>
                 <a:ext uri="{91240B29-F687-4f45-9708-019B960494DF}">
-                  <a14:hiddenLine xmlns="" xmlns:a14="http://schemas.microsoft.com/office/drawing/2010/main" w="9525">
+                  <a14:hiddenLine xmlns:a14="http://schemas.microsoft.com/office/drawing/2010/main" xmlns="" w="9525">
                     <a:solidFill>
                       <a:srgbClr val="000000"/>
                     </a:solidFill>
@@ -10449,7 +10449,7 @@
               </a:ln>
               <a:extLst>
                 <a:ext uri="{91240B29-F687-4f45-9708-019B960494DF}">
-                  <a14:hiddenLine xmlns="" xmlns:a14="http://schemas.microsoft.com/office/drawing/2010/main" w="9525">
+                  <a14:hiddenLine xmlns:a14="http://schemas.microsoft.com/office/drawing/2010/main" xmlns="" w="9525">
                     <a:solidFill>
                       <a:srgbClr val="000000"/>
                     </a:solidFill>
@@ -10511,7 +10511,7 @@
               </a:ln>
               <a:extLst>
                 <a:ext uri="{91240B29-F687-4f45-9708-019B960494DF}">
-                  <a14:hiddenLine xmlns="" xmlns:a14="http://schemas.microsoft.com/office/drawing/2010/main" w="9525">
+                  <a14:hiddenLine xmlns:a14="http://schemas.microsoft.com/office/drawing/2010/main" xmlns="" w="9525">
                     <a:solidFill>
                       <a:srgbClr val="000000"/>
                     </a:solidFill>
@@ -10601,7 +10601,7 @@
               </a:ln>
               <a:extLst>
                 <a:ext uri="{91240B29-F687-4f45-9708-019B960494DF}">
-                  <a14:hiddenLine xmlns="" xmlns:a14="http://schemas.microsoft.com/office/drawing/2010/main" w="9525">
+                  <a14:hiddenLine xmlns:a14="http://schemas.microsoft.com/office/drawing/2010/main" xmlns="" w="9525">
                     <a:solidFill>
                       <a:srgbClr val="000000"/>
                     </a:solidFill>
@@ -10666,7 +10666,7 @@
               </a:ln>
               <a:extLst>
                 <a:ext uri="{91240B29-F687-4f45-9708-019B960494DF}">
-                  <a14:hiddenLine xmlns="" xmlns:a14="http://schemas.microsoft.com/office/drawing/2010/main" w="9525">
+                  <a14:hiddenLine xmlns:a14="http://schemas.microsoft.com/office/drawing/2010/main" xmlns="" w="9525">
                     <a:solidFill>
                       <a:srgbClr val="000000"/>
                     </a:solidFill>
@@ -10728,7 +10728,7 @@
               </a:ln>
               <a:extLst>
                 <a:ext uri="{91240B29-F687-4f45-9708-019B960494DF}">
-                  <a14:hiddenLine xmlns="" xmlns:a14="http://schemas.microsoft.com/office/drawing/2010/main" w="9525">
+                  <a14:hiddenLine xmlns:a14="http://schemas.microsoft.com/office/drawing/2010/main" xmlns="" w="9525">
                     <a:solidFill>
                       <a:srgbClr val="000000"/>
                     </a:solidFill>
@@ -10818,7 +10818,7 @@
               </a:ln>
               <a:extLst>
                 <a:ext uri="{91240B29-F687-4f45-9708-019B960494DF}">
-                  <a14:hiddenLine xmlns="" xmlns:a14="http://schemas.microsoft.com/office/drawing/2010/main" w="9525">
+                  <a14:hiddenLine xmlns:a14="http://schemas.microsoft.com/office/drawing/2010/main" xmlns="" w="9525">
                     <a:solidFill>
                       <a:srgbClr val="000000"/>
                     </a:solidFill>
@@ -10908,7 +10908,7 @@
               </a:ln>
               <a:extLst>
                 <a:ext uri="{91240B29-F687-4f45-9708-019B960494DF}">
-                  <a14:hiddenLine xmlns="" xmlns:a14="http://schemas.microsoft.com/office/drawing/2010/main" w="9525">
+                  <a14:hiddenLine xmlns:a14="http://schemas.microsoft.com/office/drawing/2010/main" xmlns="" w="9525">
                     <a:solidFill>
                       <a:srgbClr val="000000"/>
                     </a:solidFill>
@@ -10973,7 +10973,7 @@
               </a:ln>
               <a:extLst>
                 <a:ext uri="{91240B29-F687-4f45-9708-019B960494DF}">
-                  <a14:hiddenLine xmlns="" xmlns:a14="http://schemas.microsoft.com/office/drawing/2010/main" w="9525">
+                  <a14:hiddenLine xmlns:a14="http://schemas.microsoft.com/office/drawing/2010/main" xmlns="" w="9525">
                     <a:solidFill>
                       <a:srgbClr val="000000"/>
                     </a:solidFill>
@@ -11093,7 +11093,7 @@
               </a:ln>
               <a:extLst>
                 <a:ext uri="{91240B29-F687-4f45-9708-019B960494DF}">
-                  <a14:hiddenLine xmlns="" xmlns:a14="http://schemas.microsoft.com/office/drawing/2010/main" w="9525">
+                  <a14:hiddenLine xmlns:a14="http://schemas.microsoft.com/office/drawing/2010/main" xmlns="" w="9525">
                     <a:solidFill>
                       <a:srgbClr val="000000"/>
                     </a:solidFill>
@@ -11191,7 +11191,7 @@
               </a:ln>
               <a:extLst>
                 <a:ext uri="{91240B29-F687-4f45-9708-019B960494DF}">
-                  <a14:hiddenLine xmlns="" xmlns:a14="http://schemas.microsoft.com/office/drawing/2010/main" w="9525">
+                  <a14:hiddenLine xmlns:a14="http://schemas.microsoft.com/office/drawing/2010/main" xmlns="" w="9525">
                     <a:solidFill>
                       <a:srgbClr val="000000"/>
                     </a:solidFill>
@@ -11306,7 +11306,7 @@
               </a:ln>
               <a:extLst>
                 <a:ext uri="{91240B29-F687-4f45-9708-019B960494DF}">
-                  <a14:hiddenLine xmlns="" xmlns:a14="http://schemas.microsoft.com/office/drawing/2010/main" w="9525">
+                  <a14:hiddenLine xmlns:a14="http://schemas.microsoft.com/office/drawing/2010/main" xmlns="" w="9525">
                     <a:solidFill>
                       <a:srgbClr val="000000"/>
                     </a:solidFill>
@@ -11396,7 +11396,7 @@
               </a:ln>
               <a:extLst>
                 <a:ext uri="{91240B29-F687-4f45-9708-019B960494DF}">
-                  <a14:hiddenLine xmlns="" xmlns:a14="http://schemas.microsoft.com/office/drawing/2010/main" w="9525">
+                  <a14:hiddenLine xmlns:a14="http://schemas.microsoft.com/office/drawing/2010/main" xmlns="" w="9525">
                     <a:solidFill>
                       <a:srgbClr val="000000"/>
                     </a:solidFill>
@@ -11461,7 +11461,7 @@
               </a:ln>
               <a:extLst>
                 <a:ext uri="{91240B29-F687-4f45-9708-019B960494DF}">
-                  <a14:hiddenLine xmlns="" xmlns:a14="http://schemas.microsoft.com/office/drawing/2010/main" w="9525">
+                  <a14:hiddenLine xmlns:a14="http://schemas.microsoft.com/office/drawing/2010/main" xmlns="" w="9525">
                     <a:solidFill>
                       <a:srgbClr val="000000"/>
                     </a:solidFill>
@@ -11551,7 +11551,7 @@
               </a:ln>
               <a:extLst>
                 <a:ext uri="{91240B29-F687-4f45-9708-019B960494DF}">
-                  <a14:hiddenLine xmlns="" xmlns:a14="http://schemas.microsoft.com/office/drawing/2010/main" w="9525">
+                  <a14:hiddenLine xmlns:a14="http://schemas.microsoft.com/office/drawing/2010/main" xmlns="" w="9525">
                     <a:solidFill>
                       <a:srgbClr val="000000"/>
                     </a:solidFill>
@@ -11619,7 +11619,7 @@
               </a:ln>
               <a:extLst>
                 <a:ext uri="{91240B29-F687-4f45-9708-019B960494DF}">
-                  <a14:hiddenLine xmlns="" xmlns:a14="http://schemas.microsoft.com/office/drawing/2010/main" w="9525">
+                  <a14:hiddenLine xmlns:a14="http://schemas.microsoft.com/office/drawing/2010/main" xmlns="" w="9525">
                     <a:solidFill>
                       <a:srgbClr val="000000"/>
                     </a:solidFill>
@@ -11709,7 +11709,7 @@
               </a:ln>
               <a:extLst>
                 <a:ext uri="{91240B29-F687-4f45-9708-019B960494DF}">
-                  <a14:hiddenLine xmlns="" xmlns:a14="http://schemas.microsoft.com/office/drawing/2010/main" w="9525">
+                  <a14:hiddenLine xmlns:a14="http://schemas.microsoft.com/office/drawing/2010/main" xmlns="" w="9525">
                     <a:solidFill>
                       <a:srgbClr val="000000"/>
                     </a:solidFill>
@@ -11777,7 +11777,7 @@
               </a:ln>
               <a:extLst>
                 <a:ext uri="{91240B29-F687-4f45-9708-019B960494DF}">
-                  <a14:hiddenLine xmlns="" xmlns:a14="http://schemas.microsoft.com/office/drawing/2010/main" w="9525">
+                  <a14:hiddenLine xmlns:a14="http://schemas.microsoft.com/office/drawing/2010/main" xmlns="" w="9525">
                     <a:solidFill>
                       <a:srgbClr val="000000"/>
                     </a:solidFill>
@@ -11867,7 +11867,7 @@
               </a:ln>
               <a:extLst>
                 <a:ext uri="{91240B29-F687-4f45-9708-019B960494DF}">
-                  <a14:hiddenLine xmlns="" xmlns:a14="http://schemas.microsoft.com/office/drawing/2010/main" w="9525">
+                  <a14:hiddenLine xmlns:a14="http://schemas.microsoft.com/office/drawing/2010/main" xmlns="" w="9525">
                     <a:solidFill>
                       <a:srgbClr val="000000"/>
                     </a:solidFill>
@@ -11901,7 +11901,7 @@
               </a:ln>
               <a:extLst>
                 <a:ext uri="{91240B29-F687-4f45-9708-019B960494DF}">
-                  <a14:hiddenLine xmlns="" xmlns:a14="http://schemas.microsoft.com/office/drawing/2010/main" w="9525">
+                  <a14:hiddenLine xmlns:a14="http://schemas.microsoft.com/office/drawing/2010/main" xmlns="" w="9525">
                     <a:solidFill>
                       <a:srgbClr val="000000"/>
                     </a:solidFill>
@@ -12041,7 +12041,7 @@
           <a:p>
             <a:fld id="{7FDBF50C-4ABB-48C4-BC36-F12119FAB571}" type="datetimeFigureOut">
               <a:rPr lang="it-IT" smtClean="0"/>
-              <a:t>10/06/2021</a:t>
+              <a:t>11/06/2021</a:t>
             </a:fld>
             <a:endParaRPr lang="it-IT"/>
           </a:p>
@@ -12119,7 +12119,7 @@
           <a:p>
             <a:fld id="{06021973-6F29-4C3C-B47D-AFC1FE0FEEAE}" type="slidenum">
               <a:rPr lang="it-IT" smtClean="0"/>
-              <a:t>‹N›</a:t>
+              <a:t>‹#›</a:t>
             </a:fld>
             <a:endParaRPr lang="it-IT"/>
           </a:p>
@@ -14038,7 +14038,7 @@
                     <a:lumOff val="5000"/>
                   </a:schemeClr>
                 </a:solidFill>
-                <a:latin typeface="Cascadia Code"/>
+                <a:latin typeface="Consolas" panose="020B0609020204030204" pitchFamily="49" charset="0"/>
                 <a:cs typeface="Miriam Mono CLM" panose="02000503000000000000" pitchFamily="2" charset="-79"/>
               </a:rPr>
               <a:t>TIME_STEPS = 1000;</a:t>
@@ -14053,7 +14053,7 @@
                     <a:lumOff val="5000"/>
                   </a:schemeClr>
                 </a:solidFill>
-                <a:latin typeface="Cascadia Code"/>
+                <a:latin typeface="Consolas" panose="020B0609020204030204" pitchFamily="49" charset="0"/>
                 <a:cs typeface="Miriam Mono CLM" panose="02000503000000000000" pitchFamily="2" charset="-79"/>
               </a:rPr>
               <a:t>LATTICE_WIDTH = 150;</a:t>
@@ -14068,7 +14068,7 @@
                     <a:lumOff val="5000"/>
                   </a:schemeClr>
                 </a:solidFill>
-                <a:latin typeface="Cascadia Code"/>
+                <a:latin typeface="Consolas" panose="020B0609020204030204" pitchFamily="49" charset="0"/>
                 <a:cs typeface="Miriam Mono CLM" panose="02000503000000000000" pitchFamily="2" charset="-79"/>
               </a:rPr>
               <a:t>LATTICE_HEIGHT = 150;</a:t>
@@ -14083,7 +14083,7 @@
                     <a:lumOff val="5000"/>
                   </a:schemeClr>
                 </a:solidFill>
-                <a:latin typeface="Cascadia Code"/>
+                <a:latin typeface="Consolas" panose="020B0609020204030204" pitchFamily="49" charset="0"/>
                 <a:cs typeface="Miriam Mono CLM" panose="02000503000000000000" pitchFamily="2" charset="-79"/>
               </a:rPr>
               <a:t>PHOTON_SATURATION = 25;</a:t>
@@ -14097,7 +14097,7 @@
                   <a:lumOff val="5000"/>
                 </a:schemeClr>
               </a:solidFill>
-              <a:latin typeface="Cascadia Code"/>
+              <a:latin typeface="Consolas" panose="020B0609020204030204" pitchFamily="49" charset="0"/>
               <a:cs typeface="Miriam Mono CLM" panose="02000503000000000000" pitchFamily="2" charset="-79"/>
             </a:endParaRPr>
           </a:p>
@@ -14110,7 +14110,7 @@
                     <a:lumOff val="5000"/>
                   </a:schemeClr>
                 </a:solidFill>
-                <a:latin typeface="Cascadia Code"/>
+                <a:latin typeface="Consolas" panose="020B0609020204030204" pitchFamily="49" charset="0"/>
                 <a:cs typeface="Miriam Mono CLM" panose="02000503000000000000" pitchFamily="2" charset="-79"/>
               </a:rPr>
               <a:t>electronLifeTime</a:t>
@@ -14123,7 +14123,7 @@
                     <a:lumOff val="5000"/>
                   </a:schemeClr>
                 </a:solidFill>
-                <a:latin typeface="Cascadia Code"/>
+                <a:latin typeface="Consolas" panose="020B0609020204030204" pitchFamily="49" charset="0"/>
                 <a:cs typeface="Miriam Mono CLM" panose="02000503000000000000" pitchFamily="2" charset="-79"/>
               </a:rPr>
               <a:t> = 30;</a:t>
@@ -14138,7 +14138,7 @@
                     <a:lumOff val="5000"/>
                   </a:schemeClr>
                 </a:solidFill>
-                <a:latin typeface="Cascadia Code"/>
+                <a:latin typeface="Consolas" panose="020B0609020204030204" pitchFamily="49" charset="0"/>
                 <a:cs typeface="Miriam Mono CLM" panose="02000503000000000000" pitchFamily="2" charset="-79"/>
               </a:rPr>
               <a:t>photonLifeTime</a:t>
@@ -14151,7 +14151,7 @@
                     <a:lumOff val="5000"/>
                   </a:schemeClr>
                 </a:solidFill>
-                <a:latin typeface="Cascadia Code"/>
+                <a:latin typeface="Consolas" panose="020B0609020204030204" pitchFamily="49" charset="0"/>
                 <a:cs typeface="Miriam Mono CLM" panose="02000503000000000000" pitchFamily="2" charset="-79"/>
               </a:rPr>
               <a:t> = 10;</a:t>
@@ -14166,7 +14166,7 @@
                     <a:lumOff val="5000"/>
                   </a:schemeClr>
                 </a:solidFill>
-                <a:latin typeface="Cascadia Code"/>
+                <a:latin typeface="Consolas" panose="020B0609020204030204" pitchFamily="49" charset="0"/>
                 <a:cs typeface="Miriam Mono CLM" panose="02000503000000000000" pitchFamily="2" charset="-79"/>
               </a:rPr>
               <a:t>pumpingProbability</a:t>
@@ -14179,7 +14179,7 @@
                     <a:lumOff val="5000"/>
                   </a:schemeClr>
                 </a:solidFill>
-                <a:latin typeface="Cascadia Code"/>
+                <a:latin typeface="Consolas" panose="020B0609020204030204" pitchFamily="49" charset="0"/>
                 <a:cs typeface="Miriam Mono CLM" panose="02000503000000000000" pitchFamily="2" charset="-79"/>
               </a:rPr>
               <a:t> = 0.192;</a:t>
@@ -14194,7 +14194,7 @@
                     <a:lumOff val="5000"/>
                   </a:schemeClr>
                 </a:solidFill>
-                <a:latin typeface="Cascadia Code"/>
+                <a:latin typeface="Consolas" panose="020B0609020204030204" pitchFamily="49" charset="0"/>
                 <a:cs typeface="Miriam Mono CLM" panose="02000503000000000000" pitchFamily="2" charset="-79"/>
               </a:rPr>
               <a:t>stimulatedEmissionThreshold</a:t>
@@ -14207,7 +14207,7 @@
                     <a:lumOff val="5000"/>
                   </a:schemeClr>
                 </a:solidFill>
-                <a:latin typeface="Cascadia Code"/>
+                <a:latin typeface="Consolas" panose="020B0609020204030204" pitchFamily="49" charset="0"/>
                 <a:cs typeface="Miriam Mono CLM" panose="02000503000000000000" pitchFamily="2" charset="-79"/>
               </a:rPr>
               <a:t> = 1;</a:t>
@@ -14222,7 +14222,7 @@
                     <a:lumOff val="5000"/>
                   </a:schemeClr>
                 </a:solidFill>
-                <a:latin typeface="Cascadia Code"/>
+                <a:latin typeface="Consolas" panose="020B0609020204030204" pitchFamily="49" charset="0"/>
                 <a:cs typeface="Miriam Mono CLM" panose="02000503000000000000" pitchFamily="2" charset="-79"/>
               </a:rPr>
               <a:t>thermalExcitingProbability</a:t>
@@ -14235,7 +14235,7 @@
                     <a:lumOff val="5000"/>
                   </a:schemeClr>
                 </a:solidFill>
-                <a:latin typeface="Cascadia Code"/>
+                <a:latin typeface="Consolas" panose="020B0609020204030204" pitchFamily="49" charset="0"/>
                 <a:cs typeface="Miriam Mono CLM" panose="02000503000000000000" pitchFamily="2" charset="-79"/>
               </a:rPr>
               <a:t> = 0.001;</a:t>
@@ -14250,7 +14250,7 @@
                     <a:lumOff val="5000"/>
                   </a:schemeClr>
                 </a:solidFill>
-                <a:latin typeface="Cascadia Code"/>
+                <a:latin typeface="Consolas" panose="020B0609020204030204" pitchFamily="49" charset="0"/>
                 <a:cs typeface="Miriam Mono CLM" panose="02000503000000000000" pitchFamily="2" charset="-79"/>
               </a:rPr>
               <a:t>spontaneousEmissionProbability</a:t>
@@ -14263,7 +14263,7 @@
                     <a:lumOff val="5000"/>
                   </a:schemeClr>
                 </a:solidFill>
-                <a:latin typeface="Cascadia Code"/>
+                <a:latin typeface="Consolas" panose="020B0609020204030204" pitchFamily="49" charset="0"/>
                 <a:cs typeface="Miriam Mono CLM" panose="02000503000000000000" pitchFamily="2" charset="-79"/>
               </a:rPr>
               <a:t> = 0.02;</a:t>
@@ -14377,8 +14377,8 @@
           </a:p>
         </p:txBody>
       </p:sp>
-      <mc:AlternateContent xmlns:mc="http://schemas.openxmlformats.org/markup-compatibility/2006">
-        <mc:Choice xmlns:a14="http://schemas.microsoft.com/office/drawing/2010/main" Requires="a14">
+      <mc:AlternateContent xmlns:mc="http://schemas.openxmlformats.org/markup-compatibility/2006" xmlns:a14="http://schemas.microsoft.com/office/drawing/2010/main">
+        <mc:Choice Requires="a14">
           <p:sp>
             <p:nvSpPr>
               <p:cNvPr id="6" name="CasellaDiTesto 5">
@@ -14525,7 +14525,7 @@
                     <m:sSub>
                       <m:sSubPr>
                         <m:ctrlPr>
-                          <a:rPr lang="it-IT" b="0" i="0" dirty="0" smtClean="0">
+                          <a:rPr lang="it-IT" b="0" i="1" dirty="0" smtClean="0">
                             <a:latin typeface="Cambria Math" panose="02040503050406030204" pitchFamily="18" charset="0"/>
                           </a:rPr>
                         </m:ctrlPr>
@@ -15017,7 +15017,7 @@
             </p:txBody>
           </p:sp>
         </mc:Choice>
-        <mc:Fallback>
+        <mc:Fallback xmlns="">
           <p:sp>
             <p:nvSpPr>
               <p:cNvPr id="6" name="CasellaDiTesto 5">
@@ -16913,7 +16913,7 @@
                     <a:lumOff val="5000"/>
                   </a:schemeClr>
                 </a:solidFill>
-                <a:latin typeface="Cascadia Code" pitchFamily="1" charset="0"/>
+                <a:latin typeface="Consolas" panose="020B0609020204030204" pitchFamily="49" charset="0"/>
                 <a:cs typeface="Cascadia Code" pitchFamily="1" charset="0"/>
               </a:rPr>
               <a:t>TIME_STEPS = 200;</a:t>
@@ -16928,7 +16928,7 @@
                     <a:lumOff val="5000"/>
                   </a:schemeClr>
                 </a:solidFill>
-                <a:latin typeface="Cascadia Code" pitchFamily="1" charset="0"/>
+                <a:latin typeface="Consolas" panose="020B0609020204030204" pitchFamily="49" charset="0"/>
                 <a:cs typeface="Cascadia Code" pitchFamily="1" charset="0"/>
               </a:rPr>
               <a:t>LATTICE_WIDTH = 200;</a:t>
@@ -16943,7 +16943,7 @@
                     <a:lumOff val="5000"/>
                   </a:schemeClr>
                 </a:solidFill>
-                <a:latin typeface="Cascadia Code" pitchFamily="1" charset="0"/>
+                <a:latin typeface="Consolas" panose="020B0609020204030204" pitchFamily="49" charset="0"/>
                 <a:cs typeface="Cascadia Code" pitchFamily="1" charset="0"/>
               </a:rPr>
               <a:t>LATTICE_HEIGHT = 200;</a:t>
@@ -16958,7 +16958,7 @@
                     <a:lumOff val="5000"/>
                   </a:schemeClr>
                 </a:solidFill>
-                <a:latin typeface="Cascadia Code" pitchFamily="1" charset="0"/>
+                <a:latin typeface="Consolas" panose="020B0609020204030204" pitchFamily="49" charset="0"/>
                 <a:cs typeface="Cascadia Code" pitchFamily="1" charset="0"/>
               </a:rPr>
               <a:t>PHOTON_SATURATION = 25;</a:t>
@@ -16972,7 +16972,7 @@
                   <a:lumOff val="5000"/>
                 </a:schemeClr>
               </a:solidFill>
-              <a:latin typeface="Cascadia Code" pitchFamily="1" charset="0"/>
+              <a:latin typeface="Consolas" panose="020B0609020204030204" pitchFamily="49" charset="0"/>
               <a:cs typeface="Cascadia Code" pitchFamily="1" charset="0"/>
             </a:endParaRPr>
           </a:p>
@@ -16985,7 +16985,7 @@
                     <a:lumOff val="5000"/>
                   </a:schemeClr>
                 </a:solidFill>
-                <a:latin typeface="Cascadia Code" pitchFamily="1" charset="0"/>
+                <a:latin typeface="Consolas" panose="020B0609020204030204" pitchFamily="49" charset="0"/>
                 <a:cs typeface="Cascadia Code" pitchFamily="1" charset="0"/>
               </a:rPr>
               <a:t>electronLifeTime</a:t>
@@ -16998,7 +16998,7 @@
                     <a:lumOff val="5000"/>
                   </a:schemeClr>
                 </a:solidFill>
-                <a:latin typeface="Cascadia Code" pitchFamily="1" charset="0"/>
+                <a:latin typeface="Consolas" panose="020B0609020204030204" pitchFamily="49" charset="0"/>
                 <a:cs typeface="Cascadia Code" pitchFamily="1" charset="0"/>
               </a:rPr>
               <a:t> = 30;</a:t>
@@ -17013,7 +17013,7 @@
                     <a:lumOff val="5000"/>
                   </a:schemeClr>
                 </a:solidFill>
-                <a:latin typeface="Cascadia Code" pitchFamily="1" charset="0"/>
+                <a:latin typeface="Consolas" panose="020B0609020204030204" pitchFamily="49" charset="0"/>
                 <a:cs typeface="Cascadia Code" pitchFamily="1" charset="0"/>
               </a:rPr>
               <a:t>photonLifeTime</a:t>
@@ -17026,7 +17026,7 @@
                     <a:lumOff val="5000"/>
                   </a:schemeClr>
                 </a:solidFill>
-                <a:latin typeface="Cascadia Code" pitchFamily="1" charset="0"/>
+                <a:latin typeface="Consolas" panose="020B0609020204030204" pitchFamily="49" charset="0"/>
                 <a:cs typeface="Cascadia Code" pitchFamily="1" charset="0"/>
               </a:rPr>
               <a:t> = 10;</a:t>
@@ -17041,7 +17041,7 @@
                     <a:lumOff val="5000"/>
                   </a:schemeClr>
                 </a:solidFill>
-                <a:latin typeface="Cascadia Code" pitchFamily="1" charset="0"/>
+                <a:latin typeface="Consolas" panose="020B0609020204030204" pitchFamily="49" charset="0"/>
                 <a:cs typeface="Cascadia Code" pitchFamily="1" charset="0"/>
               </a:rPr>
               <a:t>pumpingProbability</a:t>
@@ -17054,7 +17054,7 @@
                     <a:lumOff val="5000"/>
                   </a:schemeClr>
                 </a:solidFill>
-                <a:latin typeface="Cascadia Code" pitchFamily="1" charset="0"/>
+                <a:latin typeface="Consolas" panose="020B0609020204030204" pitchFamily="49" charset="0"/>
                 <a:cs typeface="Cascadia Code" pitchFamily="1" charset="0"/>
               </a:rPr>
               <a:t> = 0.192;</a:t>
@@ -17069,7 +17069,7 @@
                     <a:lumOff val="5000"/>
                   </a:schemeClr>
                 </a:solidFill>
-                <a:latin typeface="Cascadia Code" pitchFamily="1" charset="0"/>
+                <a:latin typeface="Consolas" panose="020B0609020204030204" pitchFamily="49" charset="0"/>
                 <a:cs typeface="Cascadia Code" pitchFamily="1" charset="0"/>
               </a:rPr>
               <a:t>noiseProbability</a:t>
@@ -17082,7 +17082,7 @@
                     <a:lumOff val="5000"/>
                   </a:schemeClr>
                 </a:solidFill>
-                <a:latin typeface="Cascadia Code" pitchFamily="1" charset="0"/>
+                <a:latin typeface="Consolas" panose="020B0609020204030204" pitchFamily="49" charset="0"/>
                 <a:cs typeface="Cascadia Code" pitchFamily="1" charset="0"/>
               </a:rPr>
               <a:t> = 0.009;</a:t>
@@ -17097,7 +17097,7 @@
                     <a:lumOff val="5000"/>
                   </a:schemeClr>
                 </a:solidFill>
-                <a:latin typeface="Cascadia Code" pitchFamily="1" charset="0"/>
+                <a:latin typeface="Consolas" panose="020B0609020204030204" pitchFamily="49" charset="0"/>
                 <a:cs typeface="Cascadia Code" pitchFamily="1" charset="0"/>
               </a:rPr>
               <a:t>stimulatedEmissionThreshold</a:t>
@@ -17110,7 +17110,7 @@
                     <a:lumOff val="5000"/>
                   </a:schemeClr>
                 </a:solidFill>
-                <a:latin typeface="Cascadia Code" pitchFamily="1" charset="0"/>
+                <a:latin typeface="Consolas" panose="020B0609020204030204" pitchFamily="49" charset="0"/>
                 <a:cs typeface="Cascadia Code" pitchFamily="1" charset="0"/>
               </a:rPr>
               <a:t> = 1;</a:t>
@@ -17490,7 +17490,7 @@
                     <a:lumOff val="5000"/>
                   </a:schemeClr>
                 </a:solidFill>
-                <a:latin typeface="Cascadia Code" pitchFamily="1" charset="0"/>
+                <a:latin typeface="Consolas" panose="020B0609020204030204" pitchFamily="49" charset="0"/>
                 <a:cs typeface="Cascadia Code" pitchFamily="1" charset="0"/>
               </a:rPr>
               <a:t>TIME_STEPS = 1000;</a:t>
@@ -17505,7 +17505,7 @@
                     <a:lumOff val="5000"/>
                   </a:schemeClr>
                 </a:solidFill>
-                <a:latin typeface="Cascadia Code" pitchFamily="1" charset="0"/>
+                <a:latin typeface="Consolas" panose="020B0609020204030204" pitchFamily="49" charset="0"/>
                 <a:cs typeface="Cascadia Code" pitchFamily="1" charset="0"/>
               </a:rPr>
               <a:t>LATTICE_WIDTH = 150;</a:t>
@@ -17520,7 +17520,7 @@
                     <a:lumOff val="5000"/>
                   </a:schemeClr>
                 </a:solidFill>
-                <a:latin typeface="Cascadia Code" pitchFamily="1" charset="0"/>
+                <a:latin typeface="Consolas" panose="020B0609020204030204" pitchFamily="49" charset="0"/>
                 <a:cs typeface="Cascadia Code" pitchFamily="1" charset="0"/>
               </a:rPr>
               <a:t>LATTICE_HEIGHT = 150;</a:t>
@@ -17535,7 +17535,7 @@
                     <a:lumOff val="5000"/>
                   </a:schemeClr>
                 </a:solidFill>
-                <a:latin typeface="Cascadia Code" pitchFamily="1" charset="0"/>
+                <a:latin typeface="Consolas" panose="020B0609020204030204" pitchFamily="49" charset="0"/>
                 <a:cs typeface="Cascadia Code" pitchFamily="1" charset="0"/>
               </a:rPr>
               <a:t>PHOTON_SATURATION = 25;</a:t>
@@ -17549,7 +17549,7 @@
                   <a:lumOff val="5000"/>
                 </a:schemeClr>
               </a:solidFill>
-              <a:latin typeface="Cascadia Code" pitchFamily="1" charset="0"/>
+              <a:latin typeface="Consolas" panose="020B0609020204030204" pitchFamily="49" charset="0"/>
               <a:cs typeface="Cascadia Code" pitchFamily="1" charset="0"/>
             </a:endParaRPr>
           </a:p>
@@ -17562,7 +17562,7 @@
                     <a:lumOff val="5000"/>
                   </a:schemeClr>
                 </a:solidFill>
-                <a:latin typeface="Cascadia Code" pitchFamily="1" charset="0"/>
+                <a:latin typeface="Consolas" panose="020B0609020204030204" pitchFamily="49" charset="0"/>
                 <a:cs typeface="Cascadia Code" pitchFamily="1" charset="0"/>
               </a:rPr>
               <a:t>electronLifeTime</a:t>
@@ -17575,7 +17575,7 @@
                     <a:lumOff val="5000"/>
                   </a:schemeClr>
                 </a:solidFill>
-                <a:latin typeface="Cascadia Code" pitchFamily="1" charset="0"/>
+                <a:latin typeface="Consolas" panose="020B0609020204030204" pitchFamily="49" charset="0"/>
                 <a:cs typeface="Cascadia Code" pitchFamily="1" charset="0"/>
               </a:rPr>
               <a:t> = 180;</a:t>
@@ -17590,7 +17590,7 @@
                     <a:lumOff val="5000"/>
                   </a:schemeClr>
                 </a:solidFill>
-                <a:latin typeface="Cascadia Code" pitchFamily="1" charset="0"/>
+                <a:latin typeface="Consolas" panose="020B0609020204030204" pitchFamily="49" charset="0"/>
                 <a:cs typeface="Cascadia Code" pitchFamily="1" charset="0"/>
               </a:rPr>
               <a:t>photonLifeTime</a:t>
@@ -17603,7 +17603,7 @@
                     <a:lumOff val="5000"/>
                   </a:schemeClr>
                 </a:solidFill>
-                <a:latin typeface="Cascadia Code" pitchFamily="1" charset="0"/>
+                <a:latin typeface="Consolas" panose="020B0609020204030204" pitchFamily="49" charset="0"/>
                 <a:cs typeface="Cascadia Code" pitchFamily="1" charset="0"/>
               </a:rPr>
               <a:t> = 10;</a:t>
@@ -17618,7 +17618,7 @@
                     <a:lumOff val="5000"/>
                   </a:schemeClr>
                 </a:solidFill>
-                <a:latin typeface="Cascadia Code" pitchFamily="1" charset="0"/>
+                <a:latin typeface="Consolas" panose="020B0609020204030204" pitchFamily="49" charset="0"/>
                 <a:cs typeface="Cascadia Code" pitchFamily="1" charset="0"/>
               </a:rPr>
               <a:t>pumpingProbability</a:t>
@@ -17631,7 +17631,7 @@
                     <a:lumOff val="5000"/>
                   </a:schemeClr>
                 </a:solidFill>
-                <a:latin typeface="Cascadia Code" pitchFamily="1" charset="0"/>
+                <a:latin typeface="Consolas" panose="020B0609020204030204" pitchFamily="49" charset="0"/>
                 <a:cs typeface="Cascadia Code" pitchFamily="1" charset="0"/>
               </a:rPr>
               <a:t> = 0.0125;</a:t>
@@ -17646,7 +17646,7 @@
                     <a:lumOff val="5000"/>
                   </a:schemeClr>
                 </a:solidFill>
-                <a:latin typeface="Cascadia Code" pitchFamily="1" charset="0"/>
+                <a:latin typeface="Consolas" panose="020B0609020204030204" pitchFamily="49" charset="0"/>
                 <a:cs typeface="Cascadia Code" pitchFamily="1" charset="0"/>
               </a:rPr>
               <a:t>noiseProbability</a:t>
@@ -17659,7 +17659,7 @@
                     <a:lumOff val="5000"/>
                   </a:schemeClr>
                 </a:solidFill>
-                <a:latin typeface="Cascadia Code" pitchFamily="1" charset="0"/>
+                <a:latin typeface="Consolas" panose="020B0609020204030204" pitchFamily="49" charset="0"/>
                 <a:cs typeface="Cascadia Code" pitchFamily="1" charset="0"/>
               </a:rPr>
               <a:t> = 0.0001;</a:t>
@@ -17674,7 +17674,7 @@
                     <a:lumOff val="5000"/>
                   </a:schemeClr>
                 </a:solidFill>
-                <a:latin typeface="Cascadia Code" pitchFamily="1" charset="0"/>
+                <a:latin typeface="Consolas" panose="020B0609020204030204" pitchFamily="49" charset="0"/>
                 <a:cs typeface="Cascadia Code" pitchFamily="1" charset="0"/>
               </a:rPr>
               <a:t>stimulatedEmissionThreshold</a:t>
@@ -17687,7 +17687,7 @@
                     <a:lumOff val="5000"/>
                   </a:schemeClr>
                 </a:solidFill>
-                <a:latin typeface="Cascadia Code" pitchFamily="1" charset="0"/>
+                <a:latin typeface="Consolas" panose="020B0609020204030204" pitchFamily="49" charset="0"/>
                 <a:cs typeface="Cascadia Code" pitchFamily="1" charset="0"/>
               </a:rPr>
               <a:t> = 1</a:t>
@@ -17700,7 +17700,7 @@
                     <a:lumOff val="5000"/>
                   </a:schemeClr>
                 </a:solidFill>
-                <a:latin typeface="Miriam Mono CLM" panose="02000503000000000000" pitchFamily="2" charset="-79"/>
+                <a:latin typeface="Consolas" panose="020B0609020204030204" pitchFamily="49" charset="0"/>
                 <a:cs typeface="Miriam Mono CLM" panose="02000503000000000000" pitchFamily="2" charset="-79"/>
               </a:rPr>
               <a:t>;</a:t>
@@ -18007,7 +18007,7 @@
                     <a:lumOff val="5000"/>
                   </a:schemeClr>
                 </a:solidFill>
-                <a:latin typeface="Cascadia Code" pitchFamily="1" charset="0"/>
+                <a:latin typeface="Consolas" panose="020B0609020204030204" pitchFamily="49" charset="0"/>
                 <a:cs typeface="Cascadia Code" pitchFamily="1" charset="0"/>
               </a:rPr>
               <a:t>TIME_STEPS = 200;</a:t>
@@ -18022,7 +18022,7 @@
                     <a:lumOff val="5000"/>
                   </a:schemeClr>
                 </a:solidFill>
-                <a:latin typeface="Cascadia Code" pitchFamily="1" charset="0"/>
+                <a:latin typeface="Consolas" panose="020B0609020204030204" pitchFamily="49" charset="0"/>
                 <a:cs typeface="Cascadia Code" pitchFamily="1" charset="0"/>
               </a:rPr>
               <a:t>LATTICE_WIDTH = 100;</a:t>
@@ -18037,7 +18037,7 @@
                     <a:lumOff val="5000"/>
                   </a:schemeClr>
                 </a:solidFill>
-                <a:latin typeface="Cascadia Code" pitchFamily="1" charset="0"/>
+                <a:latin typeface="Consolas" panose="020B0609020204030204" pitchFamily="49" charset="0"/>
                 <a:cs typeface="Cascadia Code" pitchFamily="1" charset="0"/>
               </a:rPr>
               <a:t>LATTICE_HEIGHT = 100;</a:t>
@@ -18052,7 +18052,7 @@
                     <a:lumOff val="5000"/>
                   </a:schemeClr>
                 </a:solidFill>
-                <a:latin typeface="Cascadia Code" pitchFamily="1" charset="0"/>
+                <a:latin typeface="Consolas" panose="020B0609020204030204" pitchFamily="49" charset="0"/>
                 <a:cs typeface="Cascadia Code" pitchFamily="1" charset="0"/>
               </a:rPr>
               <a:t>PHOTON_SATURATION = 40;</a:t>
@@ -18066,7 +18066,7 @@
                   <a:lumOff val="5000"/>
                 </a:schemeClr>
               </a:solidFill>
-              <a:latin typeface="Cascadia Code" pitchFamily="1" charset="0"/>
+              <a:latin typeface="Consolas" panose="020B0609020204030204" pitchFamily="49" charset="0"/>
               <a:cs typeface="Cascadia Code" pitchFamily="1" charset="0"/>
             </a:endParaRPr>
           </a:p>
@@ -18079,7 +18079,7 @@
                     <a:lumOff val="5000"/>
                   </a:schemeClr>
                 </a:solidFill>
-                <a:latin typeface="Cascadia Code" pitchFamily="1" charset="0"/>
+                <a:latin typeface="Consolas" panose="020B0609020204030204" pitchFamily="49" charset="0"/>
                 <a:cs typeface="Cascadia Code" pitchFamily="1" charset="0"/>
               </a:rPr>
               <a:t>electronLifeTime</a:t>
@@ -18092,7 +18092,7 @@
                     <a:lumOff val="5000"/>
                   </a:schemeClr>
                 </a:solidFill>
-                <a:latin typeface="Cascadia Code" pitchFamily="1" charset="0"/>
+                <a:latin typeface="Consolas" panose="020B0609020204030204" pitchFamily="49" charset="0"/>
                 <a:cs typeface="Cascadia Code" pitchFamily="1" charset="0"/>
               </a:rPr>
               <a:t> = 30;</a:t>
@@ -18107,7 +18107,7 @@
                     <a:lumOff val="5000"/>
                   </a:schemeClr>
                 </a:solidFill>
-                <a:latin typeface="Cascadia Code" pitchFamily="1" charset="0"/>
+                <a:latin typeface="Consolas" panose="020B0609020204030204" pitchFamily="49" charset="0"/>
                 <a:cs typeface="Cascadia Code" pitchFamily="1" charset="0"/>
               </a:rPr>
               <a:t>photonLifeTime</a:t>
@@ -18120,7 +18120,7 @@
                     <a:lumOff val="5000"/>
                   </a:schemeClr>
                 </a:solidFill>
-                <a:latin typeface="Cascadia Code" pitchFamily="1" charset="0"/>
+                <a:latin typeface="Consolas" panose="020B0609020204030204" pitchFamily="49" charset="0"/>
                 <a:cs typeface="Cascadia Code" pitchFamily="1" charset="0"/>
               </a:rPr>
               <a:t> = 10;</a:t>
@@ -18135,7 +18135,7 @@
                     <a:lumOff val="5000"/>
                   </a:schemeClr>
                 </a:solidFill>
-                <a:latin typeface="Cascadia Code" pitchFamily="1" charset="0"/>
+                <a:latin typeface="Consolas" panose="020B0609020204030204" pitchFamily="49" charset="0"/>
                 <a:cs typeface="Cascadia Code" pitchFamily="1" charset="0"/>
               </a:rPr>
               <a:t>pumpingProbability</a:t>
@@ -18148,7 +18148,7 @@
                     <a:lumOff val="5000"/>
                   </a:schemeClr>
                 </a:solidFill>
-                <a:latin typeface="Cascadia Code" pitchFamily="1" charset="0"/>
+                <a:latin typeface="Consolas" panose="020B0609020204030204" pitchFamily="49" charset="0"/>
                 <a:cs typeface="Cascadia Code" pitchFamily="1" charset="0"/>
               </a:rPr>
               <a:t> = 0.2;</a:t>
@@ -18163,7 +18163,7 @@
                     <a:lumOff val="5000"/>
                   </a:schemeClr>
                 </a:solidFill>
-                <a:latin typeface="Cascadia Code" pitchFamily="1" charset="0"/>
+                <a:latin typeface="Consolas" panose="020B0609020204030204" pitchFamily="49" charset="0"/>
                 <a:cs typeface="Cascadia Code" pitchFamily="1" charset="0"/>
               </a:rPr>
               <a:t>noiseProbability</a:t>
@@ -18176,7 +18176,7 @@
                     <a:lumOff val="5000"/>
                   </a:schemeClr>
                 </a:solidFill>
-                <a:latin typeface="Cascadia Code" pitchFamily="1" charset="0"/>
+                <a:latin typeface="Consolas" panose="020B0609020204030204" pitchFamily="49" charset="0"/>
                 <a:cs typeface="Cascadia Code" pitchFamily="1" charset="0"/>
               </a:rPr>
               <a:t> = 0.01;</a:t>
@@ -18191,7 +18191,7 @@
                     <a:lumOff val="5000"/>
                   </a:schemeClr>
                 </a:solidFill>
-                <a:latin typeface="Cascadia Code" pitchFamily="1" charset="0"/>
+                <a:latin typeface="Consolas" panose="020B0609020204030204" pitchFamily="49" charset="0"/>
                 <a:cs typeface="Cascadia Code" pitchFamily="1" charset="0"/>
               </a:rPr>
               <a:t>stimulatedEmissionThreshold</a:t>
@@ -18204,7 +18204,7 @@
                     <a:lumOff val="5000"/>
                   </a:schemeClr>
                 </a:solidFill>
-                <a:latin typeface="Cascadia Code" pitchFamily="1" charset="0"/>
+                <a:latin typeface="Consolas" panose="020B0609020204030204" pitchFamily="49" charset="0"/>
                 <a:cs typeface="Cascadia Code" pitchFamily="1" charset="0"/>
               </a:rPr>
               <a:t> = 1;</a:t>

--- a/Presentation/Presentazione Dispositivi.pptx
+++ b/Presentation/Presentazione Dispositivi.pptx
@@ -13,16 +13,15 @@
     <p:sldId id="265" r:id="rId7"/>
     <p:sldId id="267" r:id="rId8"/>
     <p:sldId id="261" r:id="rId9"/>
-    <p:sldId id="272" r:id="rId10"/>
-    <p:sldId id="263" r:id="rId11"/>
-    <p:sldId id="269" r:id="rId12"/>
-    <p:sldId id="270" r:id="rId13"/>
-    <p:sldId id="271" r:id="rId14"/>
-    <p:sldId id="266" r:id="rId15"/>
-    <p:sldId id="262" r:id="rId16"/>
-    <p:sldId id="264" r:id="rId17"/>
-    <p:sldId id="273" r:id="rId18"/>
-    <p:sldId id="268" r:id="rId19"/>
+    <p:sldId id="263" r:id="rId10"/>
+    <p:sldId id="269" r:id="rId11"/>
+    <p:sldId id="270" r:id="rId12"/>
+    <p:sldId id="271" r:id="rId13"/>
+    <p:sldId id="266" r:id="rId14"/>
+    <p:sldId id="262" r:id="rId15"/>
+    <p:sldId id="264" r:id="rId16"/>
+    <p:sldId id="273" r:id="rId17"/>
+    <p:sldId id="268" r:id="rId18"/>
   </p:sldIdLst>
   <p:sldSz cx="12192000" cy="6858000"/>
   <p:notesSz cx="6858000" cy="9144000"/>
@@ -187,7 +186,7 @@
           <a:noFill/>
           <a:extLst>
             <a:ext uri="{909E8E84-426E-40dd-AFC4-6F175D3DCCD1}">
-              <a14:hiddenFill xmlns:a14="http://schemas.microsoft.com/office/drawing/2010/main" xmlns="">
+              <a14:hiddenFill xmlns="" xmlns:a14="http://schemas.microsoft.com/office/drawing/2010/main">
                 <a:solidFill>
                   <a:srgbClr val="FFFFFF"/>
                 </a:solidFill>
@@ -247,7 +246,7 @@
             </a:ln>
             <a:extLst>
               <a:ext uri="{91240B29-F687-4f45-9708-019B960494DF}">
-                <a14:hiddenLine xmlns:a14="http://schemas.microsoft.com/office/drawing/2010/main" xmlns="" w="9525">
+                <a14:hiddenLine xmlns="" xmlns:a14="http://schemas.microsoft.com/office/drawing/2010/main" w="9525">
                   <a:solidFill>
                     <a:srgbClr val="000000"/>
                   </a:solidFill>
@@ -337,7 +336,7 @@
             </a:ln>
             <a:extLst>
               <a:ext uri="{91240B29-F687-4f45-9708-019B960494DF}">
-                <a14:hiddenLine xmlns:a14="http://schemas.microsoft.com/office/drawing/2010/main" xmlns="" w="9525">
+                <a14:hiddenLine xmlns="" xmlns:a14="http://schemas.microsoft.com/office/drawing/2010/main" w="9525">
                   <a:solidFill>
                     <a:srgbClr val="000000"/>
                   </a:solidFill>
@@ -427,7 +426,7 @@
             </a:ln>
             <a:extLst>
               <a:ext uri="{91240B29-F687-4f45-9708-019B960494DF}">
-                <a14:hiddenLine xmlns:a14="http://schemas.microsoft.com/office/drawing/2010/main" xmlns="" w="9525">
+                <a14:hiddenLine xmlns="" xmlns:a14="http://schemas.microsoft.com/office/drawing/2010/main" w="9525">
                   <a:solidFill>
                     <a:srgbClr val="000000"/>
                   </a:solidFill>
@@ -461,7 +460,7 @@
             </a:ln>
             <a:extLst>
               <a:ext uri="{91240B29-F687-4f45-9708-019B960494DF}">
-                <a14:hiddenLine xmlns:a14="http://schemas.microsoft.com/office/drawing/2010/main" xmlns="" w="9525">
+                <a14:hiddenLine xmlns="" xmlns:a14="http://schemas.microsoft.com/office/drawing/2010/main" w="9525">
                   <a:solidFill>
                     <a:srgbClr val="000000"/>
                   </a:solidFill>
@@ -551,7 +550,7 @@
             </a:ln>
             <a:extLst>
               <a:ext uri="{91240B29-F687-4f45-9708-019B960494DF}">
-                <a14:hiddenLine xmlns:a14="http://schemas.microsoft.com/office/drawing/2010/main" xmlns="" w="9525">
+                <a14:hiddenLine xmlns="" xmlns:a14="http://schemas.microsoft.com/office/drawing/2010/main" w="9525">
                   <a:solidFill>
                     <a:srgbClr val="000000"/>
                   </a:solidFill>
@@ -613,7 +612,7 @@
             </a:ln>
             <a:extLst>
               <a:ext uri="{91240B29-F687-4f45-9708-019B960494DF}">
-                <a14:hiddenLine xmlns:a14="http://schemas.microsoft.com/office/drawing/2010/main" xmlns="" w="9525">
+                <a14:hiddenLine xmlns="" xmlns:a14="http://schemas.microsoft.com/office/drawing/2010/main" w="9525">
                   <a:solidFill>
                     <a:srgbClr val="000000"/>
                   </a:solidFill>
@@ -675,7 +674,7 @@
             </a:ln>
             <a:extLst>
               <a:ext uri="{91240B29-F687-4f45-9708-019B960494DF}">
-                <a14:hiddenLine xmlns:a14="http://schemas.microsoft.com/office/drawing/2010/main" xmlns="" w="9525">
+                <a14:hiddenLine xmlns="" xmlns:a14="http://schemas.microsoft.com/office/drawing/2010/main" w="9525">
                   <a:solidFill>
                     <a:srgbClr val="000000"/>
                   </a:solidFill>
@@ -765,7 +764,7 @@
             </a:ln>
             <a:extLst>
               <a:ext uri="{91240B29-F687-4f45-9708-019B960494DF}">
-                <a14:hiddenLine xmlns:a14="http://schemas.microsoft.com/office/drawing/2010/main" xmlns="" w="9525">
+                <a14:hiddenLine xmlns="" xmlns:a14="http://schemas.microsoft.com/office/drawing/2010/main" w="9525">
                   <a:solidFill>
                     <a:srgbClr val="000000"/>
                   </a:solidFill>
@@ -827,7 +826,7 @@
             </a:ln>
             <a:extLst>
               <a:ext uri="{91240B29-F687-4f45-9708-019B960494DF}">
-                <a14:hiddenLine xmlns:a14="http://schemas.microsoft.com/office/drawing/2010/main" xmlns="" w="9525">
+                <a14:hiddenLine xmlns="" xmlns:a14="http://schemas.microsoft.com/office/drawing/2010/main" w="9525">
                   <a:solidFill>
                     <a:srgbClr val="000000"/>
                   </a:solidFill>
@@ -889,7 +888,7 @@
             </a:ln>
             <a:extLst>
               <a:ext uri="{91240B29-F687-4f45-9708-019B960494DF}">
-                <a14:hiddenLine xmlns:a14="http://schemas.microsoft.com/office/drawing/2010/main" xmlns="" w="9525">
+                <a14:hiddenLine xmlns="" xmlns:a14="http://schemas.microsoft.com/office/drawing/2010/main" w="9525">
                   <a:solidFill>
                     <a:srgbClr val="000000"/>
                   </a:solidFill>
@@ -979,7 +978,7 @@
             </a:ln>
             <a:extLst>
               <a:ext uri="{91240B29-F687-4f45-9708-019B960494DF}">
-                <a14:hiddenLine xmlns:a14="http://schemas.microsoft.com/office/drawing/2010/main" xmlns="" w="9525">
+                <a14:hiddenLine xmlns="" xmlns:a14="http://schemas.microsoft.com/office/drawing/2010/main" w="9525">
                   <a:solidFill>
                     <a:srgbClr val="000000"/>
                   </a:solidFill>
@@ -1069,7 +1068,7 @@
             </a:ln>
             <a:extLst>
               <a:ext uri="{91240B29-F687-4f45-9708-019B960494DF}">
-                <a14:hiddenLine xmlns:a14="http://schemas.microsoft.com/office/drawing/2010/main" xmlns="" w="9525">
+                <a14:hiddenLine xmlns="" xmlns:a14="http://schemas.microsoft.com/office/drawing/2010/main" w="9525">
                   <a:solidFill>
                     <a:srgbClr val="000000"/>
                   </a:solidFill>
@@ -1131,7 +1130,7 @@
             </a:ln>
             <a:extLst>
               <a:ext uri="{91240B29-F687-4f45-9708-019B960494DF}">
-                <a14:hiddenLine xmlns:a14="http://schemas.microsoft.com/office/drawing/2010/main" xmlns="" w="9525">
+                <a14:hiddenLine xmlns="" xmlns:a14="http://schemas.microsoft.com/office/drawing/2010/main" w="9525">
                   <a:solidFill>
                     <a:srgbClr val="000000"/>
                   </a:solidFill>
@@ -1241,7 +1240,7 @@
             </a:ln>
             <a:extLst>
               <a:ext uri="{91240B29-F687-4f45-9708-019B960494DF}">
-                <a14:hiddenLine xmlns:a14="http://schemas.microsoft.com/office/drawing/2010/main" xmlns="" w="9525">
+                <a14:hiddenLine xmlns="" xmlns:a14="http://schemas.microsoft.com/office/drawing/2010/main" w="9525">
                   <a:solidFill>
                     <a:srgbClr val="000000"/>
                   </a:solidFill>
@@ -1303,7 +1302,7 @@
             </a:ln>
             <a:extLst>
               <a:ext uri="{91240B29-F687-4f45-9708-019B960494DF}">
-                <a14:hiddenLine xmlns:a14="http://schemas.microsoft.com/office/drawing/2010/main" xmlns="" w="9525">
+                <a14:hiddenLine xmlns="" xmlns:a14="http://schemas.microsoft.com/office/drawing/2010/main" w="9525">
                   <a:solidFill>
                     <a:srgbClr val="000000"/>
                   </a:solidFill>
@@ -1393,7 +1392,7 @@
             </a:ln>
             <a:extLst>
               <a:ext uri="{91240B29-F687-4f45-9708-019B960494DF}">
-                <a14:hiddenLine xmlns:a14="http://schemas.microsoft.com/office/drawing/2010/main" xmlns="" w="9525">
+                <a14:hiddenLine xmlns="" xmlns:a14="http://schemas.microsoft.com/office/drawing/2010/main" w="9525">
                   <a:solidFill>
                     <a:srgbClr val="000000"/>
                   </a:solidFill>
@@ -1483,7 +1482,7 @@
             </a:ln>
             <a:extLst>
               <a:ext uri="{91240B29-F687-4f45-9708-019B960494DF}">
-                <a14:hiddenLine xmlns:a14="http://schemas.microsoft.com/office/drawing/2010/main" xmlns="" w="9525">
+                <a14:hiddenLine xmlns="" xmlns:a14="http://schemas.microsoft.com/office/drawing/2010/main" w="9525">
                   <a:solidFill>
                     <a:srgbClr val="000000"/>
                   </a:solidFill>
@@ -1545,7 +1544,7 @@
             </a:ln>
             <a:extLst>
               <a:ext uri="{91240B29-F687-4f45-9708-019B960494DF}">
-                <a14:hiddenLine xmlns:a14="http://schemas.microsoft.com/office/drawing/2010/main" xmlns="" w="9525">
+                <a14:hiddenLine xmlns="" xmlns:a14="http://schemas.microsoft.com/office/drawing/2010/main" w="9525">
                   <a:solidFill>
                     <a:srgbClr val="000000"/>
                   </a:solidFill>
@@ -1635,7 +1634,7 @@
             </a:ln>
             <a:extLst>
               <a:ext uri="{91240B29-F687-4f45-9708-019B960494DF}">
-                <a14:hiddenLine xmlns:a14="http://schemas.microsoft.com/office/drawing/2010/main" xmlns="" w="9525">
+                <a14:hiddenLine xmlns="" xmlns:a14="http://schemas.microsoft.com/office/drawing/2010/main" w="9525">
                   <a:solidFill>
                     <a:srgbClr val="000000"/>
                   </a:solidFill>
@@ -1725,7 +1724,7 @@
             </a:ln>
             <a:extLst>
               <a:ext uri="{91240B29-F687-4f45-9708-019B960494DF}">
-                <a14:hiddenLine xmlns:a14="http://schemas.microsoft.com/office/drawing/2010/main" xmlns="" w="9525">
+                <a14:hiddenLine xmlns="" xmlns:a14="http://schemas.microsoft.com/office/drawing/2010/main" w="9525">
                   <a:solidFill>
                     <a:srgbClr val="000000"/>
                   </a:solidFill>
@@ -1781,7 +1780,7 @@
             </a:ln>
             <a:extLst>
               <a:ext uri="{91240B29-F687-4f45-9708-019B960494DF}">
-                <a14:hiddenLine xmlns:a14="http://schemas.microsoft.com/office/drawing/2010/main" xmlns="" w="9525">
+                <a14:hiddenLine xmlns="" xmlns:a14="http://schemas.microsoft.com/office/drawing/2010/main" w="9525">
                   <a:solidFill>
                     <a:srgbClr val="000000"/>
                   </a:solidFill>
@@ -1871,7 +1870,7 @@
             </a:ln>
             <a:extLst>
               <a:ext uri="{91240B29-F687-4f45-9708-019B960494DF}">
-                <a14:hiddenLine xmlns:a14="http://schemas.microsoft.com/office/drawing/2010/main" xmlns="" w="9525">
+                <a14:hiddenLine xmlns="" xmlns:a14="http://schemas.microsoft.com/office/drawing/2010/main" w="9525">
                   <a:solidFill>
                     <a:srgbClr val="000000"/>
                   </a:solidFill>
@@ -1927,7 +1926,7 @@
             </a:ln>
             <a:extLst>
               <a:ext uri="{91240B29-F687-4f45-9708-019B960494DF}">
-                <a14:hiddenLine xmlns:a14="http://schemas.microsoft.com/office/drawing/2010/main" xmlns="" w="9525">
+                <a14:hiddenLine xmlns="" xmlns:a14="http://schemas.microsoft.com/office/drawing/2010/main" w="9525">
                   <a:solidFill>
                     <a:srgbClr val="000000"/>
                   </a:solidFill>
@@ -2017,7 +2016,7 @@
             </a:ln>
             <a:extLst>
               <a:ext uri="{91240B29-F687-4f45-9708-019B960494DF}">
-                <a14:hiddenLine xmlns:a14="http://schemas.microsoft.com/office/drawing/2010/main" xmlns="" w="9525">
+                <a14:hiddenLine xmlns="" xmlns:a14="http://schemas.microsoft.com/office/drawing/2010/main" w="9525">
                   <a:solidFill>
                     <a:srgbClr val="000000"/>
                   </a:solidFill>
@@ -2085,7 +2084,7 @@
             </a:ln>
             <a:extLst>
               <a:ext uri="{91240B29-F687-4f45-9708-019B960494DF}">
-                <a14:hiddenLine xmlns:a14="http://schemas.microsoft.com/office/drawing/2010/main" xmlns="" w="9525">
+                <a14:hiddenLine xmlns="" xmlns:a14="http://schemas.microsoft.com/office/drawing/2010/main" w="9525">
                   <a:solidFill>
                     <a:srgbClr val="000000"/>
                   </a:solidFill>
@@ -2175,7 +2174,7 @@
             </a:ln>
             <a:extLst>
               <a:ext uri="{91240B29-F687-4f45-9708-019B960494DF}">
-                <a14:hiddenLine xmlns:a14="http://schemas.microsoft.com/office/drawing/2010/main" xmlns="" w="9525">
+                <a14:hiddenLine xmlns="" xmlns:a14="http://schemas.microsoft.com/office/drawing/2010/main" w="9525">
                   <a:solidFill>
                     <a:srgbClr val="000000"/>
                   </a:solidFill>
@@ -2243,7 +2242,7 @@
             </a:ln>
             <a:extLst>
               <a:ext uri="{91240B29-F687-4f45-9708-019B960494DF}">
-                <a14:hiddenLine xmlns:a14="http://schemas.microsoft.com/office/drawing/2010/main" xmlns="" w="9525">
+                <a14:hiddenLine xmlns="" xmlns:a14="http://schemas.microsoft.com/office/drawing/2010/main" w="9525">
                   <a:solidFill>
                     <a:srgbClr val="000000"/>
                   </a:solidFill>
@@ -2333,7 +2332,7 @@
             </a:ln>
             <a:extLst>
               <a:ext uri="{91240B29-F687-4f45-9708-019B960494DF}">
-                <a14:hiddenLine xmlns:a14="http://schemas.microsoft.com/office/drawing/2010/main" xmlns="" w="9525">
+                <a14:hiddenLine xmlns="" xmlns:a14="http://schemas.microsoft.com/office/drawing/2010/main" w="9525">
                   <a:solidFill>
                     <a:srgbClr val="000000"/>
                   </a:solidFill>
@@ -2367,7 +2366,7 @@
             </a:ln>
             <a:extLst>
               <a:ext uri="{91240B29-F687-4f45-9708-019B960494DF}">
-                <a14:hiddenLine xmlns:a14="http://schemas.microsoft.com/office/drawing/2010/main" xmlns="" w="9525">
+                <a14:hiddenLine xmlns="" xmlns:a14="http://schemas.microsoft.com/office/drawing/2010/main" w="9525">
                   <a:solidFill>
                     <a:srgbClr val="000000"/>
                   </a:solidFill>
@@ -2457,7 +2456,7 @@
             </a:ln>
             <a:extLst>
               <a:ext uri="{91240B29-F687-4f45-9708-019B960494DF}">
-                <a14:hiddenLine xmlns:a14="http://schemas.microsoft.com/office/drawing/2010/main" xmlns="" w="9525">
+                <a14:hiddenLine xmlns="" xmlns:a14="http://schemas.microsoft.com/office/drawing/2010/main" w="9525">
                   <a:solidFill>
                     <a:srgbClr val="000000"/>
                   </a:solidFill>
@@ -2519,7 +2518,7 @@
             </a:ln>
             <a:extLst>
               <a:ext uri="{91240B29-F687-4f45-9708-019B960494DF}">
-                <a14:hiddenLine xmlns:a14="http://schemas.microsoft.com/office/drawing/2010/main" xmlns="" w="9525">
+                <a14:hiddenLine xmlns="" xmlns:a14="http://schemas.microsoft.com/office/drawing/2010/main" w="9525">
                   <a:solidFill>
                     <a:srgbClr val="000000"/>
                   </a:solidFill>
@@ -2581,7 +2580,7 @@
             </a:ln>
             <a:extLst>
               <a:ext uri="{91240B29-F687-4f45-9708-019B960494DF}">
-                <a14:hiddenLine xmlns:a14="http://schemas.microsoft.com/office/drawing/2010/main" xmlns="" w="9525">
+                <a14:hiddenLine xmlns="" xmlns:a14="http://schemas.microsoft.com/office/drawing/2010/main" w="9525">
                   <a:solidFill>
                     <a:srgbClr val="000000"/>
                   </a:solidFill>
@@ -2671,7 +2670,7 @@
             </a:ln>
             <a:extLst>
               <a:ext uri="{91240B29-F687-4f45-9708-019B960494DF}">
-                <a14:hiddenLine xmlns:a14="http://schemas.microsoft.com/office/drawing/2010/main" xmlns="" w="9525">
+                <a14:hiddenLine xmlns="" xmlns:a14="http://schemas.microsoft.com/office/drawing/2010/main" w="9525">
                   <a:solidFill>
                     <a:srgbClr val="000000"/>
                   </a:solidFill>
@@ -2739,7 +2738,7 @@
             </a:ln>
             <a:extLst>
               <a:ext uri="{91240B29-F687-4f45-9708-019B960494DF}">
-                <a14:hiddenLine xmlns:a14="http://schemas.microsoft.com/office/drawing/2010/main" xmlns="" w="9525">
+                <a14:hiddenLine xmlns="" xmlns:a14="http://schemas.microsoft.com/office/drawing/2010/main" w="9525">
                   <a:solidFill>
                     <a:srgbClr val="000000"/>
                   </a:solidFill>
@@ -2801,7 +2800,7 @@
             </a:ln>
             <a:extLst>
               <a:ext uri="{91240B29-F687-4f45-9708-019B960494DF}">
-                <a14:hiddenLine xmlns:a14="http://schemas.microsoft.com/office/drawing/2010/main" xmlns="" w="9525">
+                <a14:hiddenLine xmlns="" xmlns:a14="http://schemas.microsoft.com/office/drawing/2010/main" w="9525">
                   <a:solidFill>
                     <a:srgbClr val="000000"/>
                   </a:solidFill>
@@ -2891,7 +2890,7 @@
             </a:ln>
             <a:extLst>
               <a:ext uri="{91240B29-F687-4f45-9708-019B960494DF}">
-                <a14:hiddenLine xmlns:a14="http://schemas.microsoft.com/office/drawing/2010/main" xmlns="" w="9525">
+                <a14:hiddenLine xmlns="" xmlns:a14="http://schemas.microsoft.com/office/drawing/2010/main" w="9525">
                   <a:solidFill>
                     <a:srgbClr val="000000"/>
                   </a:solidFill>
@@ -2953,7 +2952,7 @@
             </a:ln>
             <a:extLst>
               <a:ext uri="{91240B29-F687-4f45-9708-019B960494DF}">
-                <a14:hiddenLine xmlns:a14="http://schemas.microsoft.com/office/drawing/2010/main" xmlns="" w="9525">
+                <a14:hiddenLine xmlns="" xmlns:a14="http://schemas.microsoft.com/office/drawing/2010/main" w="9525">
                   <a:solidFill>
                     <a:srgbClr val="000000"/>
                   </a:solidFill>
@@ -3043,7 +3042,7 @@
             </a:ln>
             <a:extLst>
               <a:ext uri="{91240B29-F687-4f45-9708-019B960494DF}">
-                <a14:hiddenLine xmlns:a14="http://schemas.microsoft.com/office/drawing/2010/main" xmlns="" w="9525">
+                <a14:hiddenLine xmlns="" xmlns:a14="http://schemas.microsoft.com/office/drawing/2010/main" w="9525">
                   <a:solidFill>
                     <a:srgbClr val="000000"/>
                   </a:solidFill>
@@ -3105,7 +3104,7 @@
             </a:ln>
             <a:extLst>
               <a:ext uri="{91240B29-F687-4f45-9708-019B960494DF}">
-                <a14:hiddenLine xmlns:a14="http://schemas.microsoft.com/office/drawing/2010/main" xmlns="" w="9525">
+                <a14:hiddenLine xmlns="" xmlns:a14="http://schemas.microsoft.com/office/drawing/2010/main" w="9525">
                   <a:solidFill>
                     <a:srgbClr val="000000"/>
                   </a:solidFill>
@@ -3195,7 +3194,7 @@
             </a:ln>
             <a:extLst>
               <a:ext uri="{91240B29-F687-4f45-9708-019B960494DF}">
-                <a14:hiddenLine xmlns:a14="http://schemas.microsoft.com/office/drawing/2010/main" xmlns="" w="9525">
+                <a14:hiddenLine xmlns="" xmlns:a14="http://schemas.microsoft.com/office/drawing/2010/main" w="9525">
                   <a:solidFill>
                     <a:srgbClr val="000000"/>
                   </a:solidFill>
@@ -3229,7 +3228,7 @@
             </a:ln>
             <a:extLst>
               <a:ext uri="{91240B29-F687-4f45-9708-019B960494DF}">
-                <a14:hiddenLine xmlns:a14="http://schemas.microsoft.com/office/drawing/2010/main" xmlns="" w="9525">
+                <a14:hiddenLine xmlns="" xmlns:a14="http://schemas.microsoft.com/office/drawing/2010/main" w="9525">
                   <a:solidFill>
                     <a:srgbClr val="000000"/>
                   </a:solidFill>
@@ -3294,7 +3293,7 @@
             </a:ln>
             <a:extLst>
               <a:ext uri="{91240B29-F687-4f45-9708-019B960494DF}">
-                <a14:hiddenLine xmlns:a14="http://schemas.microsoft.com/office/drawing/2010/main" xmlns="" w="9525">
+                <a14:hiddenLine xmlns="" xmlns:a14="http://schemas.microsoft.com/office/drawing/2010/main" w="9525">
                   <a:solidFill>
                     <a:srgbClr val="000000"/>
                   </a:solidFill>
@@ -3384,7 +3383,7 @@
             </a:ln>
             <a:extLst>
               <a:ext uri="{91240B29-F687-4f45-9708-019B960494DF}">
-                <a14:hiddenLine xmlns:a14="http://schemas.microsoft.com/office/drawing/2010/main" xmlns="" w="9525">
+                <a14:hiddenLine xmlns="" xmlns:a14="http://schemas.microsoft.com/office/drawing/2010/main" w="9525">
                   <a:solidFill>
                     <a:srgbClr val="000000"/>
                   </a:solidFill>
@@ -3446,7 +3445,7 @@
             </a:ln>
             <a:extLst>
               <a:ext uri="{91240B29-F687-4f45-9708-019B960494DF}">
-                <a14:hiddenLine xmlns:a14="http://schemas.microsoft.com/office/drawing/2010/main" xmlns="" w="9525">
+                <a14:hiddenLine xmlns="" xmlns:a14="http://schemas.microsoft.com/office/drawing/2010/main" w="9525">
                   <a:solidFill>
                     <a:srgbClr val="000000"/>
                   </a:solidFill>
@@ -3536,7 +3535,7 @@
             </a:ln>
             <a:extLst>
               <a:ext uri="{91240B29-F687-4f45-9708-019B960494DF}">
-                <a14:hiddenLine xmlns:a14="http://schemas.microsoft.com/office/drawing/2010/main" xmlns="" w="9525">
+                <a14:hiddenLine xmlns="" xmlns:a14="http://schemas.microsoft.com/office/drawing/2010/main" w="9525">
                   <a:solidFill>
                     <a:srgbClr val="000000"/>
                   </a:solidFill>
@@ -3626,7 +3625,7 @@
             </a:ln>
             <a:extLst>
               <a:ext uri="{91240B29-F687-4f45-9708-019B960494DF}">
-                <a14:hiddenLine xmlns:a14="http://schemas.microsoft.com/office/drawing/2010/main" xmlns="" w="9525">
+                <a14:hiddenLine xmlns="" xmlns:a14="http://schemas.microsoft.com/office/drawing/2010/main" w="9525">
                   <a:solidFill>
                     <a:srgbClr val="000000"/>
                   </a:solidFill>
@@ -3691,7 +3690,7 @@
             </a:ln>
             <a:extLst>
               <a:ext uri="{91240B29-F687-4f45-9708-019B960494DF}">
-                <a14:hiddenLine xmlns:a14="http://schemas.microsoft.com/office/drawing/2010/main" xmlns="" w="9525">
+                <a14:hiddenLine xmlns="" xmlns:a14="http://schemas.microsoft.com/office/drawing/2010/main" w="9525">
                   <a:solidFill>
                     <a:srgbClr val="000000"/>
                   </a:solidFill>
@@ -3753,7 +3752,7 @@
             </a:ln>
             <a:extLst>
               <a:ext uri="{91240B29-F687-4f45-9708-019B960494DF}">
-                <a14:hiddenLine xmlns:a14="http://schemas.microsoft.com/office/drawing/2010/main" xmlns="" w="9525">
+                <a14:hiddenLine xmlns="" xmlns:a14="http://schemas.microsoft.com/office/drawing/2010/main" w="9525">
                   <a:solidFill>
                     <a:srgbClr val="000000"/>
                   </a:solidFill>
@@ -3843,7 +3842,7 @@
             </a:ln>
             <a:extLst>
               <a:ext uri="{91240B29-F687-4f45-9708-019B960494DF}">
-                <a14:hiddenLine xmlns:a14="http://schemas.microsoft.com/office/drawing/2010/main" xmlns="" w="9525">
+                <a14:hiddenLine xmlns="" xmlns:a14="http://schemas.microsoft.com/office/drawing/2010/main" w="9525">
                   <a:solidFill>
                     <a:srgbClr val="000000"/>
                   </a:solidFill>
@@ -3933,7 +3932,7 @@
             </a:ln>
             <a:extLst>
               <a:ext uri="{91240B29-F687-4f45-9708-019B960494DF}">
-                <a14:hiddenLine xmlns:a14="http://schemas.microsoft.com/office/drawing/2010/main" xmlns="" w="9525">
+                <a14:hiddenLine xmlns="" xmlns:a14="http://schemas.microsoft.com/office/drawing/2010/main" w="9525">
                   <a:solidFill>
                     <a:srgbClr val="000000"/>
                   </a:solidFill>
@@ -3995,7 +3994,7 @@
             </a:ln>
             <a:extLst>
               <a:ext uri="{91240B29-F687-4f45-9708-019B960494DF}">
-                <a14:hiddenLine xmlns:a14="http://schemas.microsoft.com/office/drawing/2010/main" xmlns="" w="9525">
+                <a14:hiddenLine xmlns="" xmlns:a14="http://schemas.microsoft.com/office/drawing/2010/main" w="9525">
                   <a:solidFill>
                     <a:srgbClr val="000000"/>
                   </a:solidFill>
@@ -4115,7 +4114,7 @@
             </a:ln>
             <a:extLst>
               <a:ext uri="{91240B29-F687-4f45-9708-019B960494DF}">
-                <a14:hiddenLine xmlns:a14="http://schemas.microsoft.com/office/drawing/2010/main" xmlns="" w="9525">
+                <a14:hiddenLine xmlns="" xmlns:a14="http://schemas.microsoft.com/office/drawing/2010/main" w="9525">
                   <a:solidFill>
                     <a:srgbClr val="000000"/>
                   </a:solidFill>
@@ -4183,7 +4182,7 @@
             </a:ln>
             <a:extLst>
               <a:ext uri="{91240B29-F687-4f45-9708-019B960494DF}">
-                <a14:hiddenLine xmlns:a14="http://schemas.microsoft.com/office/drawing/2010/main" xmlns="" w="9525">
+                <a14:hiddenLine xmlns="" xmlns:a14="http://schemas.microsoft.com/office/drawing/2010/main" w="9525">
                   <a:solidFill>
                     <a:srgbClr val="000000"/>
                   </a:solidFill>
@@ -4273,7 +4272,7 @@
             </a:ln>
             <a:extLst>
               <a:ext uri="{91240B29-F687-4f45-9708-019B960494DF}">
-                <a14:hiddenLine xmlns:a14="http://schemas.microsoft.com/office/drawing/2010/main" xmlns="" w="9525">
+                <a14:hiddenLine xmlns="" xmlns:a14="http://schemas.microsoft.com/office/drawing/2010/main" w="9525">
                   <a:solidFill>
                     <a:srgbClr val="000000"/>
                   </a:solidFill>
@@ -4413,7 +4412,7 @@
           <a:p>
             <a:fld id="{7FDBF50C-4ABB-48C4-BC36-F12119FAB571}" type="datetimeFigureOut">
               <a:rPr lang="it-IT" smtClean="0"/>
-              <a:t>11/06/2021</a:t>
+              <a:t>15/06/2021</a:t>
             </a:fld>
             <a:endParaRPr lang="it-IT"/>
           </a:p>
@@ -4680,7 +4679,7 @@
           <a:p>
             <a:fld id="{7FDBF50C-4ABB-48C4-BC36-F12119FAB571}" type="datetimeFigureOut">
               <a:rPr lang="it-IT" smtClean="0"/>
-              <a:t>11/06/2021</a:t>
+              <a:t>15/06/2021</a:t>
             </a:fld>
             <a:endParaRPr lang="it-IT"/>
           </a:p>
@@ -4876,7 +4875,7 @@
           <a:p>
             <a:fld id="{7FDBF50C-4ABB-48C4-BC36-F12119FAB571}" type="datetimeFigureOut">
               <a:rPr lang="it-IT" smtClean="0"/>
-              <a:t>11/06/2021</a:t>
+              <a:t>15/06/2021</a:t>
             </a:fld>
             <a:endParaRPr lang="it-IT"/>
           </a:p>
@@ -5139,7 +5138,7 @@
           <a:p>
             <a:fld id="{7FDBF50C-4ABB-48C4-BC36-F12119FAB571}" type="datetimeFigureOut">
               <a:rPr lang="it-IT" smtClean="0"/>
-              <a:t>11/06/2021</a:t>
+              <a:t>15/06/2021</a:t>
             </a:fld>
             <a:endParaRPr lang="it-IT"/>
           </a:p>
@@ -5573,7 +5572,7 @@
           <a:p>
             <a:fld id="{7FDBF50C-4ABB-48C4-BC36-F12119FAB571}" type="datetimeFigureOut">
               <a:rPr lang="it-IT" smtClean="0"/>
-              <a:t>11/06/2021</a:t>
+              <a:t>15/06/2021</a:t>
             </a:fld>
             <a:endParaRPr lang="it-IT"/>
           </a:p>
@@ -6119,7 +6118,7 @@
           <a:p>
             <a:fld id="{7FDBF50C-4ABB-48C4-BC36-F12119FAB571}" type="datetimeFigureOut">
               <a:rPr lang="it-IT" smtClean="0"/>
-              <a:t>11/06/2021</a:t>
+              <a:t>15/06/2021</a:t>
             </a:fld>
             <a:endParaRPr lang="it-IT"/>
           </a:p>
@@ -6839,7 +6838,7 @@
           <a:p>
             <a:fld id="{7FDBF50C-4ABB-48C4-BC36-F12119FAB571}" type="datetimeFigureOut">
               <a:rPr lang="it-IT" smtClean="0"/>
-              <a:t>11/06/2021</a:t>
+              <a:t>15/06/2021</a:t>
             </a:fld>
             <a:endParaRPr lang="it-IT"/>
           </a:p>
@@ -7009,7 +7008,7 @@
           <a:p>
             <a:fld id="{7FDBF50C-4ABB-48C4-BC36-F12119FAB571}" type="datetimeFigureOut">
               <a:rPr lang="it-IT" smtClean="0"/>
-              <a:t>11/06/2021</a:t>
+              <a:t>15/06/2021</a:t>
             </a:fld>
             <a:endParaRPr lang="it-IT"/>
           </a:p>
@@ -7189,7 +7188,7 @@
           <a:p>
             <a:fld id="{7FDBF50C-4ABB-48C4-BC36-F12119FAB571}" type="datetimeFigureOut">
               <a:rPr lang="it-IT" smtClean="0"/>
-              <a:t>11/06/2021</a:t>
+              <a:t>15/06/2021</a:t>
             </a:fld>
             <a:endParaRPr lang="it-IT"/>
           </a:p>
@@ -7359,7 +7358,7 @@
           <a:p>
             <a:fld id="{7FDBF50C-4ABB-48C4-BC36-F12119FAB571}" type="datetimeFigureOut">
               <a:rPr lang="it-IT" smtClean="0"/>
-              <a:t>11/06/2021</a:t>
+              <a:t>15/06/2021</a:t>
             </a:fld>
             <a:endParaRPr lang="it-IT"/>
           </a:p>
@@ -7609,7 +7608,7 @@
           <a:p>
             <a:fld id="{7FDBF50C-4ABB-48C4-BC36-F12119FAB571}" type="datetimeFigureOut">
               <a:rPr lang="it-IT" smtClean="0"/>
-              <a:t>11/06/2021</a:t>
+              <a:t>15/06/2021</a:t>
             </a:fld>
             <a:endParaRPr lang="it-IT"/>
           </a:p>
@@ -7841,7 +7840,7 @@
           <a:p>
             <a:fld id="{7FDBF50C-4ABB-48C4-BC36-F12119FAB571}" type="datetimeFigureOut">
               <a:rPr lang="it-IT" smtClean="0"/>
-              <a:t>11/06/2021</a:t>
+              <a:t>15/06/2021</a:t>
             </a:fld>
             <a:endParaRPr lang="it-IT"/>
           </a:p>
@@ -8222,7 +8221,7 @@
           <a:p>
             <a:fld id="{7FDBF50C-4ABB-48C4-BC36-F12119FAB571}" type="datetimeFigureOut">
               <a:rPr lang="it-IT" smtClean="0"/>
-              <a:t>11/06/2021</a:t>
+              <a:t>15/06/2021</a:t>
             </a:fld>
             <a:endParaRPr lang="it-IT"/>
           </a:p>
@@ -8340,7 +8339,7 @@
           <a:p>
             <a:fld id="{7FDBF50C-4ABB-48C4-BC36-F12119FAB571}" type="datetimeFigureOut">
               <a:rPr lang="it-IT" smtClean="0"/>
-              <a:t>11/06/2021</a:t>
+              <a:t>15/06/2021</a:t>
             </a:fld>
             <a:endParaRPr lang="it-IT"/>
           </a:p>
@@ -8435,7 +8434,7 @@
           <a:p>
             <a:fld id="{7FDBF50C-4ABB-48C4-BC36-F12119FAB571}" type="datetimeFigureOut">
               <a:rPr lang="it-IT" smtClean="0"/>
-              <a:t>11/06/2021</a:t>
+              <a:t>15/06/2021</a:t>
             </a:fld>
             <a:endParaRPr lang="it-IT"/>
           </a:p>
@@ -8684,7 +8683,7 @@
           <a:p>
             <a:fld id="{7FDBF50C-4ABB-48C4-BC36-F12119FAB571}" type="datetimeFigureOut">
               <a:rPr lang="it-IT" smtClean="0"/>
-              <a:t>11/06/2021</a:t>
+              <a:t>15/06/2021</a:t>
             </a:fld>
             <a:endParaRPr lang="it-IT"/>
           </a:p>
@@ -8964,7 +8963,7 @@
           <a:p>
             <a:fld id="{7FDBF50C-4ABB-48C4-BC36-F12119FAB571}" type="datetimeFigureOut">
               <a:rPr lang="it-IT" smtClean="0"/>
-              <a:t>11/06/2021</a:t>
+              <a:t>15/06/2021</a:t>
             </a:fld>
             <a:endParaRPr lang="it-IT"/>
           </a:p>
@@ -9080,7 +9079,7 @@
           <a:noFill/>
           <a:extLst>
             <a:ext uri="{909E8E84-426E-40dd-AFC4-6F175D3DCCD1}">
-              <a14:hiddenFill xmlns:a14="http://schemas.microsoft.com/office/drawing/2010/main" xmlns="">
+              <a14:hiddenFill xmlns="" xmlns:a14="http://schemas.microsoft.com/office/drawing/2010/main">
                 <a:solidFill>
                   <a:srgbClr val="FFFFFF"/>
                 </a:solidFill>
@@ -9154,7 +9153,7 @@
               </a:ln>
               <a:extLst>
                 <a:ext uri="{91240B29-F687-4f45-9708-019B960494DF}">
-                  <a14:hiddenLine xmlns:a14="http://schemas.microsoft.com/office/drawing/2010/main" xmlns="" w="9525">
+                  <a14:hiddenLine xmlns="" xmlns:a14="http://schemas.microsoft.com/office/drawing/2010/main" w="9525">
                     <a:solidFill>
                       <a:srgbClr val="000000"/>
                     </a:solidFill>
@@ -9244,7 +9243,7 @@
               </a:ln>
               <a:extLst>
                 <a:ext uri="{91240B29-F687-4f45-9708-019B960494DF}">
-                  <a14:hiddenLine xmlns:a14="http://schemas.microsoft.com/office/drawing/2010/main" xmlns="" w="9525">
+                  <a14:hiddenLine xmlns="" xmlns:a14="http://schemas.microsoft.com/office/drawing/2010/main" w="9525">
                     <a:solidFill>
                       <a:srgbClr val="000000"/>
                     </a:solidFill>
@@ -9334,7 +9333,7 @@
               </a:ln>
               <a:extLst>
                 <a:ext uri="{91240B29-F687-4f45-9708-019B960494DF}">
-                  <a14:hiddenLine xmlns:a14="http://schemas.microsoft.com/office/drawing/2010/main" xmlns="" w="9525">
+                  <a14:hiddenLine xmlns="" xmlns:a14="http://schemas.microsoft.com/office/drawing/2010/main" w="9525">
                     <a:solidFill>
                       <a:srgbClr val="000000"/>
                     </a:solidFill>
@@ -9396,7 +9395,7 @@
               </a:ln>
               <a:extLst>
                 <a:ext uri="{91240B29-F687-4f45-9708-019B960494DF}">
-                  <a14:hiddenLine xmlns:a14="http://schemas.microsoft.com/office/drawing/2010/main" xmlns="" w="9525">
+                  <a14:hiddenLine xmlns="" xmlns:a14="http://schemas.microsoft.com/office/drawing/2010/main" w="9525">
                     <a:solidFill>
                       <a:srgbClr val="000000"/>
                     </a:solidFill>
@@ -9486,7 +9485,7 @@
               </a:ln>
               <a:extLst>
                 <a:ext uri="{91240B29-F687-4f45-9708-019B960494DF}">
-                  <a14:hiddenLine xmlns:a14="http://schemas.microsoft.com/office/drawing/2010/main" xmlns="" w="9525">
+                  <a14:hiddenLine xmlns="" xmlns:a14="http://schemas.microsoft.com/office/drawing/2010/main" w="9525">
                     <a:solidFill>
                       <a:srgbClr val="000000"/>
                     </a:solidFill>
@@ -9548,7 +9547,7 @@
               </a:ln>
               <a:extLst>
                 <a:ext uri="{91240B29-F687-4f45-9708-019B960494DF}">
-                  <a14:hiddenLine xmlns:a14="http://schemas.microsoft.com/office/drawing/2010/main" xmlns="" w="9525">
+                  <a14:hiddenLine xmlns="" xmlns:a14="http://schemas.microsoft.com/office/drawing/2010/main" w="9525">
                     <a:solidFill>
                       <a:srgbClr val="000000"/>
                     </a:solidFill>
@@ -9610,7 +9609,7 @@
               </a:ln>
               <a:extLst>
                 <a:ext uri="{91240B29-F687-4f45-9708-019B960494DF}">
-                  <a14:hiddenLine xmlns:a14="http://schemas.microsoft.com/office/drawing/2010/main" xmlns="" w="9525">
+                  <a14:hiddenLine xmlns="" xmlns:a14="http://schemas.microsoft.com/office/drawing/2010/main" w="9525">
                     <a:solidFill>
                       <a:srgbClr val="000000"/>
                     </a:solidFill>
@@ -9700,7 +9699,7 @@
               </a:ln>
               <a:extLst>
                 <a:ext uri="{91240B29-F687-4f45-9708-019B960494DF}">
-                  <a14:hiddenLine xmlns:a14="http://schemas.microsoft.com/office/drawing/2010/main" xmlns="" w="9525">
+                  <a14:hiddenLine xmlns="" xmlns:a14="http://schemas.microsoft.com/office/drawing/2010/main" w="9525">
                     <a:solidFill>
                       <a:srgbClr val="000000"/>
                     </a:solidFill>
@@ -9790,7 +9789,7 @@
               </a:ln>
               <a:extLst>
                 <a:ext uri="{91240B29-F687-4f45-9708-019B960494DF}">
-                  <a14:hiddenLine xmlns:a14="http://schemas.microsoft.com/office/drawing/2010/main" xmlns="" w="9525">
+                  <a14:hiddenLine xmlns="" xmlns:a14="http://schemas.microsoft.com/office/drawing/2010/main" w="9525">
                     <a:solidFill>
                       <a:srgbClr val="000000"/>
                     </a:solidFill>
@@ -9852,7 +9851,7 @@
               </a:ln>
               <a:extLst>
                 <a:ext uri="{91240B29-F687-4f45-9708-019B960494DF}">
-                  <a14:hiddenLine xmlns:a14="http://schemas.microsoft.com/office/drawing/2010/main" xmlns="" w="9525">
+                  <a14:hiddenLine xmlns="" xmlns:a14="http://schemas.microsoft.com/office/drawing/2010/main" w="9525">
                     <a:solidFill>
                       <a:srgbClr val="000000"/>
                     </a:solidFill>
@@ -9962,7 +9961,7 @@
               </a:ln>
               <a:extLst>
                 <a:ext uri="{91240B29-F687-4f45-9708-019B960494DF}">
-                  <a14:hiddenLine xmlns:a14="http://schemas.microsoft.com/office/drawing/2010/main" xmlns="" w="9525">
+                  <a14:hiddenLine xmlns="" xmlns:a14="http://schemas.microsoft.com/office/drawing/2010/main" w="9525">
                     <a:solidFill>
                       <a:srgbClr val="000000"/>
                     </a:solidFill>
@@ -10046,7 +10045,7 @@
               </a:ln>
               <a:extLst>
                 <a:ext uri="{91240B29-F687-4f45-9708-019B960494DF}">
-                  <a14:hiddenLine xmlns:a14="http://schemas.microsoft.com/office/drawing/2010/main" xmlns="" w="9525">
+                  <a14:hiddenLine xmlns="" xmlns:a14="http://schemas.microsoft.com/office/drawing/2010/main" w="9525">
                     <a:solidFill>
                       <a:srgbClr val="000000"/>
                     </a:solidFill>
@@ -10108,7 +10107,7 @@
               </a:ln>
               <a:extLst>
                 <a:ext uri="{91240B29-F687-4f45-9708-019B960494DF}">
-                  <a14:hiddenLine xmlns:a14="http://schemas.microsoft.com/office/drawing/2010/main" xmlns="" w="9525">
+                  <a14:hiddenLine xmlns="" xmlns:a14="http://schemas.microsoft.com/office/drawing/2010/main" w="9525">
                     <a:solidFill>
                       <a:srgbClr val="000000"/>
                     </a:solidFill>
@@ -10170,7 +10169,7 @@
               </a:ln>
               <a:extLst>
                 <a:ext uri="{91240B29-F687-4f45-9708-019B960494DF}">
-                  <a14:hiddenLine xmlns:a14="http://schemas.microsoft.com/office/drawing/2010/main" xmlns="" w="9525">
+                  <a14:hiddenLine xmlns="" xmlns:a14="http://schemas.microsoft.com/office/drawing/2010/main" w="9525">
                     <a:solidFill>
                       <a:srgbClr val="000000"/>
                     </a:solidFill>
@@ -10260,7 +10259,7 @@
               </a:ln>
               <a:extLst>
                 <a:ext uri="{91240B29-F687-4f45-9708-019B960494DF}">
-                  <a14:hiddenLine xmlns:a14="http://schemas.microsoft.com/office/drawing/2010/main" xmlns="" w="9525">
+                  <a14:hiddenLine xmlns="" xmlns:a14="http://schemas.microsoft.com/office/drawing/2010/main" w="9525">
                     <a:solidFill>
                       <a:srgbClr val="000000"/>
                     </a:solidFill>
@@ -10294,7 +10293,7 @@
               </a:ln>
               <a:extLst>
                 <a:ext uri="{91240B29-F687-4f45-9708-019B960494DF}">
-                  <a14:hiddenLine xmlns:a14="http://schemas.microsoft.com/office/drawing/2010/main" xmlns="" w="9525">
+                  <a14:hiddenLine xmlns="" xmlns:a14="http://schemas.microsoft.com/office/drawing/2010/main" w="9525">
                     <a:solidFill>
                       <a:srgbClr val="000000"/>
                     </a:solidFill>
@@ -10359,7 +10358,7 @@
               </a:ln>
               <a:extLst>
                 <a:ext uri="{91240B29-F687-4f45-9708-019B960494DF}">
-                  <a14:hiddenLine xmlns:a14="http://schemas.microsoft.com/office/drawing/2010/main" xmlns="" w="9525">
+                  <a14:hiddenLine xmlns="" xmlns:a14="http://schemas.microsoft.com/office/drawing/2010/main" w="9525">
                     <a:solidFill>
                       <a:srgbClr val="000000"/>
                     </a:solidFill>
@@ -10449,7 +10448,7 @@
               </a:ln>
               <a:extLst>
                 <a:ext uri="{91240B29-F687-4f45-9708-019B960494DF}">
-                  <a14:hiddenLine xmlns:a14="http://schemas.microsoft.com/office/drawing/2010/main" xmlns="" w="9525">
+                  <a14:hiddenLine xmlns="" xmlns:a14="http://schemas.microsoft.com/office/drawing/2010/main" w="9525">
                     <a:solidFill>
                       <a:srgbClr val="000000"/>
                     </a:solidFill>
@@ -10511,7 +10510,7 @@
               </a:ln>
               <a:extLst>
                 <a:ext uri="{91240B29-F687-4f45-9708-019B960494DF}">
-                  <a14:hiddenLine xmlns:a14="http://schemas.microsoft.com/office/drawing/2010/main" xmlns="" w="9525">
+                  <a14:hiddenLine xmlns="" xmlns:a14="http://schemas.microsoft.com/office/drawing/2010/main" w="9525">
                     <a:solidFill>
                       <a:srgbClr val="000000"/>
                     </a:solidFill>
@@ -10601,7 +10600,7 @@
               </a:ln>
               <a:extLst>
                 <a:ext uri="{91240B29-F687-4f45-9708-019B960494DF}">
-                  <a14:hiddenLine xmlns:a14="http://schemas.microsoft.com/office/drawing/2010/main" xmlns="" w="9525">
+                  <a14:hiddenLine xmlns="" xmlns:a14="http://schemas.microsoft.com/office/drawing/2010/main" w="9525">
                     <a:solidFill>
                       <a:srgbClr val="000000"/>
                     </a:solidFill>
@@ -10666,7 +10665,7 @@
               </a:ln>
               <a:extLst>
                 <a:ext uri="{91240B29-F687-4f45-9708-019B960494DF}">
-                  <a14:hiddenLine xmlns:a14="http://schemas.microsoft.com/office/drawing/2010/main" xmlns="" w="9525">
+                  <a14:hiddenLine xmlns="" xmlns:a14="http://schemas.microsoft.com/office/drawing/2010/main" w="9525">
                     <a:solidFill>
                       <a:srgbClr val="000000"/>
                     </a:solidFill>
@@ -10728,7 +10727,7 @@
               </a:ln>
               <a:extLst>
                 <a:ext uri="{91240B29-F687-4f45-9708-019B960494DF}">
-                  <a14:hiddenLine xmlns:a14="http://schemas.microsoft.com/office/drawing/2010/main" xmlns="" w="9525">
+                  <a14:hiddenLine xmlns="" xmlns:a14="http://schemas.microsoft.com/office/drawing/2010/main" w="9525">
                     <a:solidFill>
                       <a:srgbClr val="000000"/>
                     </a:solidFill>
@@ -10818,7 +10817,7 @@
               </a:ln>
               <a:extLst>
                 <a:ext uri="{91240B29-F687-4f45-9708-019B960494DF}">
-                  <a14:hiddenLine xmlns:a14="http://schemas.microsoft.com/office/drawing/2010/main" xmlns="" w="9525">
+                  <a14:hiddenLine xmlns="" xmlns:a14="http://schemas.microsoft.com/office/drawing/2010/main" w="9525">
                     <a:solidFill>
                       <a:srgbClr val="000000"/>
                     </a:solidFill>
@@ -10908,7 +10907,7 @@
               </a:ln>
               <a:extLst>
                 <a:ext uri="{91240B29-F687-4f45-9708-019B960494DF}">
-                  <a14:hiddenLine xmlns:a14="http://schemas.microsoft.com/office/drawing/2010/main" xmlns="" w="9525">
+                  <a14:hiddenLine xmlns="" xmlns:a14="http://schemas.microsoft.com/office/drawing/2010/main" w="9525">
                     <a:solidFill>
                       <a:srgbClr val="000000"/>
                     </a:solidFill>
@@ -10973,7 +10972,7 @@
               </a:ln>
               <a:extLst>
                 <a:ext uri="{91240B29-F687-4f45-9708-019B960494DF}">
-                  <a14:hiddenLine xmlns:a14="http://schemas.microsoft.com/office/drawing/2010/main" xmlns="" w="9525">
+                  <a14:hiddenLine xmlns="" xmlns:a14="http://schemas.microsoft.com/office/drawing/2010/main" w="9525">
                     <a:solidFill>
                       <a:srgbClr val="000000"/>
                     </a:solidFill>
@@ -11093,7 +11092,7 @@
               </a:ln>
               <a:extLst>
                 <a:ext uri="{91240B29-F687-4f45-9708-019B960494DF}">
-                  <a14:hiddenLine xmlns:a14="http://schemas.microsoft.com/office/drawing/2010/main" xmlns="" w="9525">
+                  <a14:hiddenLine xmlns="" xmlns:a14="http://schemas.microsoft.com/office/drawing/2010/main" w="9525">
                     <a:solidFill>
                       <a:srgbClr val="000000"/>
                     </a:solidFill>
@@ -11191,7 +11190,7 @@
               </a:ln>
               <a:extLst>
                 <a:ext uri="{91240B29-F687-4f45-9708-019B960494DF}">
-                  <a14:hiddenLine xmlns:a14="http://schemas.microsoft.com/office/drawing/2010/main" xmlns="" w="9525">
+                  <a14:hiddenLine xmlns="" xmlns:a14="http://schemas.microsoft.com/office/drawing/2010/main" w="9525">
                     <a:solidFill>
                       <a:srgbClr val="000000"/>
                     </a:solidFill>
@@ -11306,7 +11305,7 @@
               </a:ln>
               <a:extLst>
                 <a:ext uri="{91240B29-F687-4f45-9708-019B960494DF}">
-                  <a14:hiddenLine xmlns:a14="http://schemas.microsoft.com/office/drawing/2010/main" xmlns="" w="9525">
+                  <a14:hiddenLine xmlns="" xmlns:a14="http://schemas.microsoft.com/office/drawing/2010/main" w="9525">
                     <a:solidFill>
                       <a:srgbClr val="000000"/>
                     </a:solidFill>
@@ -11396,7 +11395,7 @@
               </a:ln>
               <a:extLst>
                 <a:ext uri="{91240B29-F687-4f45-9708-019B960494DF}">
-                  <a14:hiddenLine xmlns:a14="http://schemas.microsoft.com/office/drawing/2010/main" xmlns="" w="9525">
+                  <a14:hiddenLine xmlns="" xmlns:a14="http://schemas.microsoft.com/office/drawing/2010/main" w="9525">
                     <a:solidFill>
                       <a:srgbClr val="000000"/>
                     </a:solidFill>
@@ -11461,7 +11460,7 @@
               </a:ln>
               <a:extLst>
                 <a:ext uri="{91240B29-F687-4f45-9708-019B960494DF}">
-                  <a14:hiddenLine xmlns:a14="http://schemas.microsoft.com/office/drawing/2010/main" xmlns="" w="9525">
+                  <a14:hiddenLine xmlns="" xmlns:a14="http://schemas.microsoft.com/office/drawing/2010/main" w="9525">
                     <a:solidFill>
                       <a:srgbClr val="000000"/>
                     </a:solidFill>
@@ -11551,7 +11550,7 @@
               </a:ln>
               <a:extLst>
                 <a:ext uri="{91240B29-F687-4f45-9708-019B960494DF}">
-                  <a14:hiddenLine xmlns:a14="http://schemas.microsoft.com/office/drawing/2010/main" xmlns="" w="9525">
+                  <a14:hiddenLine xmlns="" xmlns:a14="http://schemas.microsoft.com/office/drawing/2010/main" w="9525">
                     <a:solidFill>
                       <a:srgbClr val="000000"/>
                     </a:solidFill>
@@ -11619,7 +11618,7 @@
               </a:ln>
               <a:extLst>
                 <a:ext uri="{91240B29-F687-4f45-9708-019B960494DF}">
-                  <a14:hiddenLine xmlns:a14="http://schemas.microsoft.com/office/drawing/2010/main" xmlns="" w="9525">
+                  <a14:hiddenLine xmlns="" xmlns:a14="http://schemas.microsoft.com/office/drawing/2010/main" w="9525">
                     <a:solidFill>
                       <a:srgbClr val="000000"/>
                     </a:solidFill>
@@ -11709,7 +11708,7 @@
               </a:ln>
               <a:extLst>
                 <a:ext uri="{91240B29-F687-4f45-9708-019B960494DF}">
-                  <a14:hiddenLine xmlns:a14="http://schemas.microsoft.com/office/drawing/2010/main" xmlns="" w="9525">
+                  <a14:hiddenLine xmlns="" xmlns:a14="http://schemas.microsoft.com/office/drawing/2010/main" w="9525">
                     <a:solidFill>
                       <a:srgbClr val="000000"/>
                     </a:solidFill>
@@ -11777,7 +11776,7 @@
               </a:ln>
               <a:extLst>
                 <a:ext uri="{91240B29-F687-4f45-9708-019B960494DF}">
-                  <a14:hiddenLine xmlns:a14="http://schemas.microsoft.com/office/drawing/2010/main" xmlns="" w="9525">
+                  <a14:hiddenLine xmlns="" xmlns:a14="http://schemas.microsoft.com/office/drawing/2010/main" w="9525">
                     <a:solidFill>
                       <a:srgbClr val="000000"/>
                     </a:solidFill>
@@ -11867,7 +11866,7 @@
               </a:ln>
               <a:extLst>
                 <a:ext uri="{91240B29-F687-4f45-9708-019B960494DF}">
-                  <a14:hiddenLine xmlns:a14="http://schemas.microsoft.com/office/drawing/2010/main" xmlns="" w="9525">
+                  <a14:hiddenLine xmlns="" xmlns:a14="http://schemas.microsoft.com/office/drawing/2010/main" w="9525">
                     <a:solidFill>
                       <a:srgbClr val="000000"/>
                     </a:solidFill>
@@ -11901,7 +11900,7 @@
               </a:ln>
               <a:extLst>
                 <a:ext uri="{91240B29-F687-4f45-9708-019B960494DF}">
-                  <a14:hiddenLine xmlns:a14="http://schemas.microsoft.com/office/drawing/2010/main" xmlns="" w="9525">
+                  <a14:hiddenLine xmlns="" xmlns:a14="http://schemas.microsoft.com/office/drawing/2010/main" w="9525">
                     <a:solidFill>
                       <a:srgbClr val="000000"/>
                     </a:solidFill>
@@ -12041,7 +12040,7 @@
           <a:p>
             <a:fld id="{7FDBF50C-4ABB-48C4-BC36-F12119FAB571}" type="datetimeFigureOut">
               <a:rPr lang="it-IT" smtClean="0"/>
-              <a:t>11/06/2021</a:t>
+              <a:t>15/06/2021</a:t>
             </a:fld>
             <a:endParaRPr lang="it-IT"/>
           </a:p>
@@ -12585,178 +12584,6 @@
           </p:cNvPicPr>
           <p:nvPr/>
         </p:nvPicPr>
-        <p:blipFill>
-          <a:blip r:embed="rId2"/>
-          <a:stretch>
-            <a:fillRect/>
-          </a:stretch>
-        </p:blipFill>
-        <p:spPr>
-          <a:xfrm>
-            <a:off x="1141413" y="1457485"/>
-            <a:ext cx="9456512" cy="5145543"/>
-          </a:xfrm>
-          <a:prstGeom prst="rect">
-            <a:avLst/>
-          </a:prstGeom>
-        </p:spPr>
-      </p:pic>
-      <p:sp>
-        <p:nvSpPr>
-          <p:cNvPr id="2" name="Titolo 1">
-            <a:extLst>
-              <a:ext uri="{FF2B5EF4-FFF2-40B4-BE49-F238E27FC236}">
-                <a16:creationId xmlns:a16="http://schemas.microsoft.com/office/drawing/2014/main" id="{235AAC29-1500-47EA-AC53-80AEC1D5A1F5}"/>
-              </a:ext>
-            </a:extLst>
-          </p:cNvPr>
-          <p:cNvSpPr>
-            <a:spLocks noGrp="1"/>
-          </p:cNvSpPr>
-          <p:nvPr>
-            <p:ph type="title"/>
-          </p:nvPr>
-        </p:nvSpPr>
-        <p:spPr>
-          <a:xfrm>
-            <a:off x="1367744" y="151001"/>
-            <a:ext cx="9456512" cy="805343"/>
-          </a:xfrm>
-        </p:spPr>
-        <p:txBody>
-          <a:bodyPr/>
-          <a:lstStyle/>
-          <a:p>
-            <a:r>
-              <a:rPr lang="it-IT" dirty="0"/>
-              <a:t>Soglia di pompaggio</a:t>
-            </a:r>
-          </a:p>
-        </p:txBody>
-      </p:sp>
-      <p:sp>
-        <p:nvSpPr>
-          <p:cNvPr id="4" name="CasellaDiTesto 3">
-            <a:extLst>
-              <a:ext uri="{FF2B5EF4-FFF2-40B4-BE49-F238E27FC236}">
-                <a16:creationId xmlns:a16="http://schemas.microsoft.com/office/drawing/2014/main" id="{DDC35683-D0E1-4379-9E1F-97650295748D}"/>
-              </a:ext>
-            </a:extLst>
-          </p:cNvPr>
-          <p:cNvSpPr txBox="1"/>
-          <p:nvPr/>
-        </p:nvSpPr>
-        <p:spPr>
-          <a:xfrm>
-            <a:off x="1031846" y="813732"/>
-            <a:ext cx="10184235" cy="646331"/>
-          </a:xfrm>
-          <a:prstGeom prst="rect">
-            <a:avLst/>
-          </a:prstGeom>
-          <a:noFill/>
-        </p:spPr>
-        <p:txBody>
-          <a:bodyPr wrap="square" rtlCol="0">
-            <a:spAutoFit/>
-          </a:bodyPr>
-          <a:lstStyle/>
-          <a:p>
-            <a:r>
-              <a:rPr lang="it-IT" dirty="0"/>
-              <a:t>Come ci si aspetta dal modello, è possibile trovare un valore di soglia per il pompaggio, oltre il quale la popolazione di fotoni aumenta ben oltre la popolazione riconducibile ad emissione spontanea.</a:t>
-            </a:r>
-          </a:p>
-        </p:txBody>
-      </p:sp>
-      <p:sp>
-        <p:nvSpPr>
-          <p:cNvPr id="6" name="CasellaDiTesto 5">
-            <a:extLst>
-              <a:ext uri="{FF2B5EF4-FFF2-40B4-BE49-F238E27FC236}">
-                <a16:creationId xmlns:a16="http://schemas.microsoft.com/office/drawing/2014/main" id="{BB45ED82-D19E-46C7-B791-804C4978159B}"/>
-              </a:ext>
-            </a:extLst>
-          </p:cNvPr>
-          <p:cNvSpPr txBox="1"/>
-          <p:nvPr/>
-        </p:nvSpPr>
-        <p:spPr>
-          <a:xfrm>
-            <a:off x="7159837" y="1822264"/>
-            <a:ext cx="3438088" cy="584775"/>
-          </a:xfrm>
-          <a:prstGeom prst="rect">
-            <a:avLst/>
-          </a:prstGeom>
-          <a:noFill/>
-        </p:spPr>
-        <p:txBody>
-          <a:bodyPr wrap="square" rtlCol="0">
-            <a:spAutoFit/>
-          </a:bodyPr>
-          <a:lstStyle/>
-          <a:p>
-            <a:r>
-              <a:rPr lang="it-IT" sz="1600" dirty="0">
-                <a:solidFill>
-                  <a:schemeClr val="bg1">
-                    <a:lumMod val="95000"/>
-                    <a:lumOff val="5000"/>
-                  </a:schemeClr>
-                </a:solidFill>
-                <a:latin typeface="Tw Cen MT (Corpo)"/>
-                <a:cs typeface="Calibri" panose="020F0502020204030204" pitchFamily="34" charset="0"/>
-              </a:rPr>
-              <a:t>Aumentando il tempo di vita della cavità, la soglia si abbassa</a:t>
-            </a:r>
-          </a:p>
-        </p:txBody>
-      </p:sp>
-    </p:spTree>
-    <p:extLst>
-      <p:ext uri="{BB962C8B-B14F-4D97-AF65-F5344CB8AC3E}">
-        <p14:creationId xmlns:p14="http://schemas.microsoft.com/office/powerpoint/2010/main" val="2462472474"/>
-      </p:ext>
-    </p:extLst>
-  </p:cSld>
-  <p:clrMapOvr>
-    <a:masterClrMapping/>
-  </p:clrMapOvr>
-</p:sld>
-</file>
-
-<file path=ppt/slides/slide11.xml><?xml version="1.0" encoding="utf-8"?>
-<p:sld xmlns:a="http://schemas.openxmlformats.org/drawingml/2006/main" xmlns:r="http://schemas.openxmlformats.org/officeDocument/2006/relationships" xmlns:p="http://schemas.openxmlformats.org/presentationml/2006/main">
-  <p:cSld>
-    <p:spTree>
-      <p:nvGrpSpPr>
-        <p:cNvPr id="1" name=""/>
-        <p:cNvGrpSpPr/>
-        <p:nvPr/>
-      </p:nvGrpSpPr>
-      <p:grpSpPr>
-        <a:xfrm>
-          <a:off x="0" y="0"/>
-          <a:ext cx="0" cy="0"/>
-          <a:chOff x="0" y="0"/>
-          <a:chExt cx="0" cy="0"/>
-        </a:xfrm>
-      </p:grpSpPr>
-      <p:pic>
-        <p:nvPicPr>
-          <p:cNvPr id="10" name="Immagine 9">
-            <a:extLst>
-              <a:ext uri="{FF2B5EF4-FFF2-40B4-BE49-F238E27FC236}">
-                <a16:creationId xmlns:a16="http://schemas.microsoft.com/office/drawing/2014/main" id="{8E61818A-3793-4BD5-AACD-7CE3758C054E}"/>
-              </a:ext>
-            </a:extLst>
-          </p:cNvPr>
-          <p:cNvPicPr>
-            <a:picLocks noChangeAspect="1"/>
-          </p:cNvPicPr>
-          <p:nvPr/>
-        </p:nvPicPr>
         <p:blipFill rotWithShape="1">
           <a:blip r:embed="rId2">
             <a:extLst>
@@ -12825,8 +12652,8 @@
         </p:nvSpPr>
         <p:spPr>
           <a:xfrm>
-            <a:off x="1312103" y="1260915"/>
-            <a:ext cx="3269228" cy="2308324"/>
+            <a:off x="892920" y="1260915"/>
+            <a:ext cx="3794250" cy="4801314"/>
           </a:xfrm>
           <a:prstGeom prst="rect">
             <a:avLst/>
@@ -12845,6 +12672,21 @@
                 <a:cs typeface="Calibri" panose="020F0502020204030204" pitchFamily="34" charset="0"/>
               </a:rPr>
               <a:t>La soglia minima di pumping aumenta approssimativamente linearmente con la probabilità di generazione di rumore.</a:t>
+            </a:r>
+          </a:p>
+          <a:p>
+            <a:endParaRPr lang="it-IT" dirty="0">
+              <a:latin typeface="Tw Cen MT (Corpo)"/>
+              <a:cs typeface="Calibri" panose="020F0502020204030204" pitchFamily="34" charset="0"/>
+            </a:endParaRPr>
+          </a:p>
+          <a:p>
+            <a:r>
+              <a:rPr lang="it-IT" dirty="0">
+                <a:latin typeface="Tw Cen MT (Corpo)"/>
+                <a:cs typeface="Calibri" panose="020F0502020204030204" pitchFamily="34" charset="0"/>
+              </a:rPr>
+              <a:t>Il grafico mostra un andamento atteso in quanto aumentando il tasso di emissione spontanea, aumentiamo di conseguenza la densità di fotoni nel materiale attivo, il che ci porta a dover compensare con un pompaggio maggiore per mantenere costante l’inversione di popolazione.</a:t>
             </a:r>
           </a:p>
           <a:p>
@@ -12877,7 +12719,7 @@
 </p:sld>
 </file>
 
-<file path=ppt/slides/slide12.xml><?xml version="1.0" encoding="utf-8"?>
+<file path=ppt/slides/slide11.xml><?xml version="1.0" encoding="utf-8"?>
 <p:sld xmlns:a="http://schemas.openxmlformats.org/drawingml/2006/main" xmlns:r="http://schemas.openxmlformats.org/officeDocument/2006/relationships" xmlns:p="http://schemas.openxmlformats.org/presentationml/2006/main">
   <p:cSld>
     <p:spTree>
@@ -13056,7 +12898,7 @@
 </p:sld>
 </file>
 
-<file path=ppt/slides/slide13.xml><?xml version="1.0" encoding="utf-8"?>
+<file path=ppt/slides/slide12.xml><?xml version="1.0" encoding="utf-8"?>
 <p:sld xmlns:a="http://schemas.openxmlformats.org/drawingml/2006/main" xmlns:r="http://schemas.openxmlformats.org/officeDocument/2006/relationships" xmlns:p="http://schemas.openxmlformats.org/presentationml/2006/main">
   <p:cSld>
     <p:spTree>
@@ -13091,7 +12933,7 @@
         </p:nvSpPr>
         <p:spPr>
           <a:xfrm>
-            <a:off x="1470172" y="172106"/>
+            <a:off x="1391795" y="15189"/>
             <a:ext cx="9905998" cy="836543"/>
           </a:xfrm>
         </p:spPr>
@@ -13121,63 +12963,171 @@
           <p:nvPr/>
         </p:nvPicPr>
         <p:blipFill>
-          <a:blip r:embed="rId2"/>
-          <a:stretch>
-            <a:fillRect/>
-          </a:stretch>
+          <a:blip r:embed="rId2">
+            <a:extLst>
+              <a:ext uri="{28A0092B-C50C-407E-A947-70E740481C1C}">
+                <a14:useLocalDpi xmlns:a14="http://schemas.microsoft.com/office/drawing/2010/main" val="0"/>
+              </a:ext>
+            </a:extLst>
+          </a:blip>
+          <a:srcRect/>
+          <a:stretch/>
         </p:blipFill>
         <p:spPr>
           <a:xfrm>
-            <a:off x="1143001" y="1017598"/>
-            <a:ext cx="10017967" cy="5592308"/>
+            <a:off x="626419" y="809898"/>
+            <a:ext cx="10816644" cy="5880234"/>
           </a:xfrm>
           <a:prstGeom prst="rect">
             <a:avLst/>
           </a:prstGeom>
         </p:spPr>
       </p:pic>
-      <p:sp>
-        <p:nvSpPr>
-          <p:cNvPr id="4" name="CasellaDiTesto 6">
-            <a:extLst>
-              <a:ext uri="{FF2B5EF4-FFF2-40B4-BE49-F238E27FC236}">
-                <a16:creationId xmlns:a16="http://schemas.microsoft.com/office/drawing/2014/main" id="{9177FD20-2EEF-4195-A114-48A87715620F}"/>
-              </a:ext>
-            </a:extLst>
-          </p:cNvPr>
-          <p:cNvSpPr txBox="1"/>
-          <p:nvPr/>
-        </p:nvSpPr>
-        <p:spPr>
-          <a:xfrm>
-            <a:off x="1755046" y="1376828"/>
-            <a:ext cx="3630683" cy="1477328"/>
-          </a:xfrm>
-          <a:prstGeom prst="rect">
-            <a:avLst/>
-          </a:prstGeom>
-          <a:noFill/>
-        </p:spPr>
-        <p:txBody>
-          <a:bodyPr wrap="square" rtlCol="0">
-            <a:spAutoFit/>
-          </a:bodyPr>
-          <a:lstStyle/>
-          <a:p>
-            <a:r>
-              <a:rPr lang="it-IT" dirty="0">
-                <a:solidFill>
-                  <a:schemeClr val="bg1">
-                    <a:lumMod val="95000"/>
-                    <a:lumOff val="5000"/>
-                  </a:schemeClr>
-                </a:solidFill>
-              </a:rPr>
-              <a:t>Rappresentazione della caratteristica luce-corrente del laser attraverso una curva che riporta il numero medio di fotoni emessi in funzione della probabilità di pompaggio</a:t>
-            </a:r>
-          </a:p>
-        </p:txBody>
-      </p:sp>
+      <mc:AlternateContent xmlns:mc="http://schemas.openxmlformats.org/markup-compatibility/2006">
+        <mc:Choice xmlns:a14="http://schemas.microsoft.com/office/drawing/2010/main" Requires="a14">
+          <p:sp>
+            <p:nvSpPr>
+              <p:cNvPr id="4" name="CasellaDiTesto 6">
+                <a:extLst>
+                  <a:ext uri="{FF2B5EF4-FFF2-40B4-BE49-F238E27FC236}">
+                    <a16:creationId xmlns:a16="http://schemas.microsoft.com/office/drawing/2014/main" id="{9177FD20-2EEF-4195-A114-48A87715620F}"/>
+                  </a:ext>
+                </a:extLst>
+              </p:cNvPr>
+              <p:cNvSpPr txBox="1"/>
+              <p:nvPr/>
+            </p:nvSpPr>
+            <p:spPr>
+              <a:xfrm>
+                <a:off x="3654787" y="1008649"/>
+                <a:ext cx="3630683" cy="1323439"/>
+              </a:xfrm>
+              <a:prstGeom prst="rect">
+                <a:avLst/>
+              </a:prstGeom>
+              <a:noFill/>
+            </p:spPr>
+            <p:txBody>
+              <a:bodyPr wrap="square" rtlCol="0">
+                <a:spAutoFit/>
+              </a:bodyPr>
+              <a:lstStyle/>
+              <a:p>
+                <a:r>
+                  <a:rPr lang="it-IT" sz="1600" dirty="0">
+                    <a:solidFill>
+                      <a:schemeClr val="bg1">
+                        <a:lumMod val="95000"/>
+                        <a:lumOff val="5000"/>
+                      </a:schemeClr>
+                    </a:solidFill>
+                  </a:rPr>
+                  <a:t>Rappresentazione della caratteristica luce-corrente del laser attraverso una curva che riporta il numero medio di fotoni emessi in funzione della probabilità di pompaggio, per 3 diversi valori di </a:t>
+                </a:r>
+                <a14:m>
+                  <m:oMath xmlns:m="http://schemas.openxmlformats.org/officeDocument/2006/math">
+                    <m:sSub>
+                      <m:sSubPr>
+                        <m:ctrlPr>
+                          <a:rPr lang="it-IT" sz="1600" b="0" i="1" smtClean="0">
+                            <a:solidFill>
+                              <a:schemeClr val="bg1">
+                                <a:lumMod val="95000"/>
+                                <a:lumOff val="5000"/>
+                              </a:schemeClr>
+                            </a:solidFill>
+                            <a:latin typeface="Cambria Math" panose="02040503050406030204" pitchFamily="18" charset="0"/>
+                          </a:rPr>
+                        </m:ctrlPr>
+                      </m:sSubPr>
+                      <m:e>
+                        <m:r>
+                          <a:rPr lang="it-IT" sz="1600" b="0" i="1" smtClean="0">
+                            <a:solidFill>
+                              <a:schemeClr val="bg1">
+                                <a:lumMod val="95000"/>
+                                <a:lumOff val="5000"/>
+                              </a:schemeClr>
+                            </a:solidFill>
+                            <a:latin typeface="Cambria Math" panose="02040503050406030204" pitchFamily="18" charset="0"/>
+                          </a:rPr>
+                          <m:t>𝜏</m:t>
+                        </m:r>
+                      </m:e>
+                      <m:sub>
+                        <m:r>
+                          <a:rPr lang="it-IT" sz="1600" b="0" i="1" smtClean="0">
+                            <a:solidFill>
+                              <a:schemeClr val="bg1">
+                                <a:lumMod val="95000"/>
+                                <a:lumOff val="5000"/>
+                              </a:schemeClr>
+                            </a:solidFill>
+                            <a:latin typeface="Cambria Math" panose="02040503050406030204" pitchFamily="18" charset="0"/>
+                          </a:rPr>
+                          <m:t>𝑎</m:t>
+                        </m:r>
+                      </m:sub>
+                    </m:sSub>
+                  </m:oMath>
+                </a14:m>
+                <a:endParaRPr lang="it-IT" sz="1600" dirty="0">
+                  <a:solidFill>
+                    <a:schemeClr val="bg1">
+                      <a:lumMod val="95000"/>
+                      <a:lumOff val="5000"/>
+                    </a:schemeClr>
+                  </a:solidFill>
+                </a:endParaRPr>
+              </a:p>
+            </p:txBody>
+          </p:sp>
+        </mc:Choice>
+        <mc:Fallback>
+          <p:sp>
+            <p:nvSpPr>
+              <p:cNvPr id="4" name="CasellaDiTesto 6">
+                <a:extLst>
+                  <a:ext uri="{FF2B5EF4-FFF2-40B4-BE49-F238E27FC236}">
+                    <a16:creationId xmlns:a16="http://schemas.microsoft.com/office/drawing/2014/main" id="{9177FD20-2EEF-4195-A114-48A87715620F}"/>
+                  </a:ext>
+                </a:extLst>
+              </p:cNvPr>
+              <p:cNvSpPr txBox="1">
+                <a:spLocks noRot="1" noChangeAspect="1" noMove="1" noResize="1" noEditPoints="1" noAdjustHandles="1" noChangeArrowheads="1" noChangeShapeType="1" noTextEdit="1"/>
+              </p:cNvSpPr>
+              <p:nvPr/>
+            </p:nvSpPr>
+            <p:spPr>
+              <a:xfrm>
+                <a:off x="3654787" y="1008649"/>
+                <a:ext cx="3630683" cy="1323439"/>
+              </a:xfrm>
+              <a:prstGeom prst="rect">
+                <a:avLst/>
+              </a:prstGeom>
+              <a:blipFill>
+                <a:blip r:embed="rId3"/>
+                <a:stretch>
+                  <a:fillRect l="-1008" t="-1376" r="-1008" b="-5046"/>
+                </a:stretch>
+              </a:blipFill>
+            </p:spPr>
+            <p:txBody>
+              <a:bodyPr/>
+              <a:lstStyle/>
+              <a:p>
+                <a:r>
+                  <a:rPr lang="en-GB">
+                    <a:noFill/>
+                  </a:rPr>
+                  <a:t> </a:t>
+                </a:r>
+              </a:p>
+            </p:txBody>
+          </p:sp>
+        </mc:Fallback>
+      </mc:AlternateContent>
       <p:sp>
         <p:nvSpPr>
           <p:cNvPr id="3" name="TextBox 2">
@@ -13192,7 +13142,7 @@
         </p:nvSpPr>
         <p:spPr>
           <a:xfrm>
-            <a:off x="9571839" y="2115492"/>
+            <a:off x="9911473" y="1962756"/>
             <a:ext cx="1275670" cy="369332"/>
           </a:xfrm>
           <a:prstGeom prst="rect">
@@ -13236,7 +13186,7 @@
         </p:nvSpPr>
         <p:spPr>
           <a:xfrm>
-            <a:off x="1755046" y="5556377"/>
+            <a:off x="1223823" y="5678770"/>
             <a:ext cx="2082621" cy="369332"/>
           </a:xfrm>
           <a:prstGeom prst="rect">
@@ -13275,7 +13225,7 @@
         </p:nvCxnSpPr>
         <p:spPr>
           <a:xfrm>
-            <a:off x="4647501" y="3120705"/>
+            <a:off x="4647501" y="3286168"/>
             <a:ext cx="0" cy="3061981"/>
           </a:xfrm>
           <a:prstGeom prst="line">
@@ -13284,8 +13234,8 @@
           <a:ln w="19050">
             <a:solidFill>
               <a:schemeClr val="bg2">
-                <a:lumMod val="20000"/>
-                <a:lumOff val="80000"/>
+                <a:lumMod val="40000"/>
+                <a:lumOff val="60000"/>
               </a:schemeClr>
             </a:solidFill>
             <a:prstDash val="dash"/>
@@ -13320,7 +13270,7 @@
         </p:nvSpPr>
         <p:spPr>
           <a:xfrm>
-            <a:off x="4768093" y="4651695"/>
+            <a:off x="4647501" y="4599443"/>
             <a:ext cx="1045478" cy="646331"/>
           </a:xfrm>
           <a:prstGeom prst="rect">
@@ -13358,7 +13308,7 @@
 </p:sld>
 </file>
 
-<file path=ppt/slides/slide14.xml><?xml version="1.0" encoding="utf-8"?>
+<file path=ppt/slides/slide13.xml><?xml version="1.0" encoding="utf-8"?>
 <p:sld xmlns:a="http://schemas.openxmlformats.org/drawingml/2006/main" xmlns:r="http://schemas.openxmlformats.org/officeDocument/2006/relationships" xmlns:p="http://schemas.openxmlformats.org/presentationml/2006/main">
   <p:cSld>
     <p:spTree>
@@ -13807,7 +13757,7 @@
 </p:sld>
 </file>
 
-<file path=ppt/slides/slide15.xml><?xml version="1.0" encoding="utf-8"?>
+<file path=ppt/slides/slide14.xml><?xml version="1.0" encoding="utf-8"?>
 <p:sld xmlns:a="http://schemas.openxmlformats.org/drawingml/2006/main" xmlns:r="http://schemas.openxmlformats.org/officeDocument/2006/relationships" xmlns:p="http://schemas.openxmlformats.org/presentationml/2006/main">
   <p:cSld>
     <p:spTree>
@@ -13872,7 +13822,7 @@
         </p:nvSpPr>
         <p:spPr>
           <a:xfrm>
-            <a:off x="1442907" y="451485"/>
+            <a:off x="1695456" y="451485"/>
             <a:ext cx="5067648" cy="713064"/>
           </a:xfrm>
         </p:spPr>
@@ -13908,8 +13858,8 @@
         </p:nvSpPr>
         <p:spPr>
           <a:xfrm>
-            <a:off x="1442907" y="1055649"/>
-            <a:ext cx="9905998" cy="646331"/>
+            <a:off x="1695455" y="1055649"/>
+            <a:ext cx="7779471" cy="646331"/>
           </a:xfrm>
           <a:prstGeom prst="rect">
             <a:avLst/>
@@ -13998,275 +13948,6 @@
                 </a:solidFill>
               </a:rPr>
               <a:t> risulta piuttosto approssimativa: unisce effetti di emissione spontanea e agitazione termica in un’unica probabilità di rumore.</a:t>
-            </a:r>
-          </a:p>
-        </p:txBody>
-      </p:sp>
-      <p:sp>
-        <p:nvSpPr>
-          <p:cNvPr id="6" name="CasellaDiTesto 5">
-            <a:extLst>
-              <a:ext uri="{FF2B5EF4-FFF2-40B4-BE49-F238E27FC236}">
-                <a16:creationId xmlns:a16="http://schemas.microsoft.com/office/drawing/2014/main" id="{5BE9BAA0-562F-4069-ACD3-08D468860F6B}"/>
-              </a:ext>
-            </a:extLst>
-          </p:cNvPr>
-          <p:cNvSpPr txBox="1"/>
-          <p:nvPr/>
-        </p:nvSpPr>
-        <p:spPr>
-          <a:xfrm>
-            <a:off x="8052733" y="3926325"/>
-            <a:ext cx="3820485" cy="2123658"/>
-          </a:xfrm>
-          <a:prstGeom prst="rect">
-            <a:avLst/>
-          </a:prstGeom>
-          <a:noFill/>
-        </p:spPr>
-        <p:txBody>
-          <a:bodyPr wrap="square" rtlCol="0">
-            <a:spAutoFit/>
-          </a:bodyPr>
-          <a:lstStyle/>
-          <a:p>
-            <a:r>
-              <a:rPr lang="it-IT" sz="1200" dirty="0">
-                <a:solidFill>
-                  <a:schemeClr val="bg1">
-                    <a:lumMod val="95000"/>
-                    <a:lumOff val="5000"/>
-                  </a:schemeClr>
-                </a:solidFill>
-                <a:latin typeface="Consolas" panose="020B0609020204030204" pitchFamily="49" charset="0"/>
-                <a:cs typeface="Miriam Mono CLM" panose="02000503000000000000" pitchFamily="2" charset="-79"/>
-              </a:rPr>
-              <a:t>TIME_STEPS = 1000;</a:t>
-            </a:r>
-          </a:p>
-          <a:p>
-            <a:r>
-              <a:rPr lang="it-IT" sz="1200" dirty="0">
-                <a:solidFill>
-                  <a:schemeClr val="bg1">
-                    <a:lumMod val="95000"/>
-                    <a:lumOff val="5000"/>
-                  </a:schemeClr>
-                </a:solidFill>
-                <a:latin typeface="Consolas" panose="020B0609020204030204" pitchFamily="49" charset="0"/>
-                <a:cs typeface="Miriam Mono CLM" panose="02000503000000000000" pitchFamily="2" charset="-79"/>
-              </a:rPr>
-              <a:t>LATTICE_WIDTH = 150;</a:t>
-            </a:r>
-          </a:p>
-          <a:p>
-            <a:r>
-              <a:rPr lang="it-IT" sz="1200" dirty="0">
-                <a:solidFill>
-                  <a:schemeClr val="bg1">
-                    <a:lumMod val="95000"/>
-                    <a:lumOff val="5000"/>
-                  </a:schemeClr>
-                </a:solidFill>
-                <a:latin typeface="Consolas" panose="020B0609020204030204" pitchFamily="49" charset="0"/>
-                <a:cs typeface="Miriam Mono CLM" panose="02000503000000000000" pitchFamily="2" charset="-79"/>
-              </a:rPr>
-              <a:t>LATTICE_HEIGHT = 150;</a:t>
-            </a:r>
-          </a:p>
-          <a:p>
-            <a:r>
-              <a:rPr lang="it-IT" sz="1200" dirty="0">
-                <a:solidFill>
-                  <a:schemeClr val="bg1">
-                    <a:lumMod val="95000"/>
-                    <a:lumOff val="5000"/>
-                  </a:schemeClr>
-                </a:solidFill>
-                <a:latin typeface="Consolas" panose="020B0609020204030204" pitchFamily="49" charset="0"/>
-                <a:cs typeface="Miriam Mono CLM" panose="02000503000000000000" pitchFamily="2" charset="-79"/>
-              </a:rPr>
-              <a:t>PHOTON_SATURATION = 25;</a:t>
-            </a:r>
-          </a:p>
-          <a:p>
-            <a:endParaRPr lang="it-IT" sz="1200" dirty="0">
-              <a:solidFill>
-                <a:schemeClr val="bg1">
-                  <a:lumMod val="95000"/>
-                  <a:lumOff val="5000"/>
-                </a:schemeClr>
-              </a:solidFill>
-              <a:latin typeface="Consolas" panose="020B0609020204030204" pitchFamily="49" charset="0"/>
-              <a:cs typeface="Miriam Mono CLM" panose="02000503000000000000" pitchFamily="2" charset="-79"/>
-            </a:endParaRPr>
-          </a:p>
-          <a:p>
-            <a:r>
-              <a:rPr lang="it-IT" sz="1200" dirty="0" err="1">
-                <a:solidFill>
-                  <a:schemeClr val="bg1">
-                    <a:lumMod val="95000"/>
-                    <a:lumOff val="5000"/>
-                  </a:schemeClr>
-                </a:solidFill>
-                <a:latin typeface="Consolas" panose="020B0609020204030204" pitchFamily="49" charset="0"/>
-                <a:cs typeface="Miriam Mono CLM" panose="02000503000000000000" pitchFamily="2" charset="-79"/>
-              </a:rPr>
-              <a:t>electronLifeTime</a:t>
-            </a:r>
-            <a:r>
-              <a:rPr lang="it-IT" sz="1200" dirty="0">
-                <a:solidFill>
-                  <a:schemeClr val="bg1">
-                    <a:lumMod val="95000"/>
-                    <a:lumOff val="5000"/>
-                  </a:schemeClr>
-                </a:solidFill>
-                <a:latin typeface="Consolas" panose="020B0609020204030204" pitchFamily="49" charset="0"/>
-                <a:cs typeface="Miriam Mono CLM" panose="02000503000000000000" pitchFamily="2" charset="-79"/>
-              </a:rPr>
-              <a:t> = 30;</a:t>
-            </a:r>
-          </a:p>
-          <a:p>
-            <a:r>
-              <a:rPr lang="it-IT" sz="1200" dirty="0" err="1">
-                <a:solidFill>
-                  <a:schemeClr val="bg1">
-                    <a:lumMod val="95000"/>
-                    <a:lumOff val="5000"/>
-                  </a:schemeClr>
-                </a:solidFill>
-                <a:latin typeface="Consolas" panose="020B0609020204030204" pitchFamily="49" charset="0"/>
-                <a:cs typeface="Miriam Mono CLM" panose="02000503000000000000" pitchFamily="2" charset="-79"/>
-              </a:rPr>
-              <a:t>photonLifeTime</a:t>
-            </a:r>
-            <a:r>
-              <a:rPr lang="it-IT" sz="1200" dirty="0">
-                <a:solidFill>
-                  <a:schemeClr val="bg1">
-                    <a:lumMod val="95000"/>
-                    <a:lumOff val="5000"/>
-                  </a:schemeClr>
-                </a:solidFill>
-                <a:latin typeface="Consolas" panose="020B0609020204030204" pitchFamily="49" charset="0"/>
-                <a:cs typeface="Miriam Mono CLM" panose="02000503000000000000" pitchFamily="2" charset="-79"/>
-              </a:rPr>
-              <a:t> = 10;</a:t>
-            </a:r>
-          </a:p>
-          <a:p>
-            <a:r>
-              <a:rPr lang="it-IT" sz="1200" dirty="0" err="1">
-                <a:solidFill>
-                  <a:schemeClr val="bg1">
-                    <a:lumMod val="95000"/>
-                    <a:lumOff val="5000"/>
-                  </a:schemeClr>
-                </a:solidFill>
-                <a:latin typeface="Consolas" panose="020B0609020204030204" pitchFamily="49" charset="0"/>
-                <a:cs typeface="Miriam Mono CLM" panose="02000503000000000000" pitchFamily="2" charset="-79"/>
-              </a:rPr>
-              <a:t>pumpingProbability</a:t>
-            </a:r>
-            <a:r>
-              <a:rPr lang="it-IT" sz="1200" dirty="0">
-                <a:solidFill>
-                  <a:schemeClr val="bg1">
-                    <a:lumMod val="95000"/>
-                    <a:lumOff val="5000"/>
-                  </a:schemeClr>
-                </a:solidFill>
-                <a:latin typeface="Consolas" panose="020B0609020204030204" pitchFamily="49" charset="0"/>
-                <a:cs typeface="Miriam Mono CLM" panose="02000503000000000000" pitchFamily="2" charset="-79"/>
-              </a:rPr>
-              <a:t> = 0.192;</a:t>
-            </a:r>
-          </a:p>
-          <a:p>
-            <a:r>
-              <a:rPr lang="it-IT" sz="1200" dirty="0" err="1">
-                <a:solidFill>
-                  <a:schemeClr val="bg1">
-                    <a:lumMod val="95000"/>
-                    <a:lumOff val="5000"/>
-                  </a:schemeClr>
-                </a:solidFill>
-                <a:latin typeface="Consolas" panose="020B0609020204030204" pitchFamily="49" charset="0"/>
-                <a:cs typeface="Miriam Mono CLM" panose="02000503000000000000" pitchFamily="2" charset="-79"/>
-              </a:rPr>
-              <a:t>stimulatedEmissionThreshold</a:t>
-            </a:r>
-            <a:r>
-              <a:rPr lang="it-IT" sz="1200" dirty="0">
-                <a:solidFill>
-                  <a:schemeClr val="bg1">
-                    <a:lumMod val="95000"/>
-                    <a:lumOff val="5000"/>
-                  </a:schemeClr>
-                </a:solidFill>
-                <a:latin typeface="Consolas" panose="020B0609020204030204" pitchFamily="49" charset="0"/>
-                <a:cs typeface="Miriam Mono CLM" panose="02000503000000000000" pitchFamily="2" charset="-79"/>
-              </a:rPr>
-              <a:t> = 1;</a:t>
-            </a:r>
-          </a:p>
-          <a:p>
-            <a:r>
-              <a:rPr lang="it-IT" sz="1200" dirty="0" err="1">
-                <a:solidFill>
-                  <a:schemeClr val="bg1">
-                    <a:lumMod val="95000"/>
-                    <a:lumOff val="5000"/>
-                  </a:schemeClr>
-                </a:solidFill>
-                <a:latin typeface="Consolas" panose="020B0609020204030204" pitchFamily="49" charset="0"/>
-                <a:cs typeface="Miriam Mono CLM" panose="02000503000000000000" pitchFamily="2" charset="-79"/>
-              </a:rPr>
-              <a:t>thermalExcitingProbability</a:t>
-            </a:r>
-            <a:r>
-              <a:rPr lang="it-IT" sz="1200" dirty="0">
-                <a:solidFill>
-                  <a:schemeClr val="bg1">
-                    <a:lumMod val="95000"/>
-                    <a:lumOff val="5000"/>
-                  </a:schemeClr>
-                </a:solidFill>
-                <a:latin typeface="Consolas" panose="020B0609020204030204" pitchFamily="49" charset="0"/>
-                <a:cs typeface="Miriam Mono CLM" panose="02000503000000000000" pitchFamily="2" charset="-79"/>
-              </a:rPr>
-              <a:t> = 0.001;</a:t>
-            </a:r>
-          </a:p>
-          <a:p>
-            <a:r>
-              <a:rPr lang="it-IT" sz="1200" dirty="0" err="1">
-                <a:solidFill>
-                  <a:schemeClr val="bg1">
-                    <a:lumMod val="95000"/>
-                    <a:lumOff val="5000"/>
-                  </a:schemeClr>
-                </a:solidFill>
-                <a:latin typeface="Consolas" panose="020B0609020204030204" pitchFamily="49" charset="0"/>
-                <a:cs typeface="Miriam Mono CLM" panose="02000503000000000000" pitchFamily="2" charset="-79"/>
-              </a:rPr>
-              <a:t>spontaneousEmissionProbability</a:t>
-            </a:r>
-            <a:r>
-              <a:rPr lang="it-IT" sz="1200" dirty="0">
-                <a:solidFill>
-                  <a:schemeClr val="bg1">
-                    <a:lumMod val="95000"/>
-                    <a:lumOff val="5000"/>
-                  </a:schemeClr>
-                </a:solidFill>
-                <a:latin typeface="Consolas" panose="020B0609020204030204" pitchFamily="49" charset="0"/>
-                <a:cs typeface="Miriam Mono CLM" panose="02000503000000000000" pitchFamily="2" charset="-79"/>
-              </a:rPr>
-              <a:t> = 0.02;</a:t>
             </a:r>
           </a:p>
         </p:txBody>
@@ -14314,6 +13995,383 @@
           </a:p>
         </p:txBody>
       </p:sp>
+      <p:sp>
+        <p:nvSpPr>
+          <p:cNvPr id="8" name="TextBox 7">
+            <a:extLst>
+              <a:ext uri="{FF2B5EF4-FFF2-40B4-BE49-F238E27FC236}">
+                <a16:creationId xmlns:a16="http://schemas.microsoft.com/office/drawing/2014/main" id="{EDCB5495-7B23-46B6-BB54-2F6C1AFF2724}"/>
+              </a:ext>
+            </a:extLst>
+          </p:cNvPr>
+          <p:cNvSpPr txBox="1"/>
+          <p:nvPr/>
+        </p:nvSpPr>
+        <p:spPr>
+          <a:xfrm>
+            <a:off x="5861968" y="6401144"/>
+            <a:ext cx="648587" cy="215444"/>
+          </a:xfrm>
+          <a:prstGeom prst="rect">
+            <a:avLst/>
+          </a:prstGeom>
+          <a:solidFill>
+            <a:srgbClr val="F0F0F0"/>
+          </a:solidFill>
+        </p:spPr>
+        <p:txBody>
+          <a:bodyPr wrap="square" rtlCol="0">
+            <a:spAutoFit/>
+          </a:bodyPr>
+          <a:lstStyle/>
+          <a:p>
+            <a:r>
+              <a:rPr lang="it-IT" sz="800" dirty="0">
+                <a:solidFill>
+                  <a:schemeClr val="bg1">
+                    <a:lumMod val="75000"/>
+                    <a:lumOff val="25000"/>
+                  </a:schemeClr>
+                </a:solidFill>
+                <a:latin typeface="Arial" panose="020B0604020202020204" pitchFamily="34" charset="0"/>
+                <a:cs typeface="Arial" panose="020B0604020202020204" pitchFamily="34" charset="0"/>
+              </a:rPr>
+              <a:t>Time [ps]</a:t>
+            </a:r>
+            <a:endParaRPr lang="en-GB" sz="800" dirty="0">
+              <a:solidFill>
+                <a:schemeClr val="bg1">
+                  <a:lumMod val="75000"/>
+                  <a:lumOff val="25000"/>
+                </a:schemeClr>
+              </a:solidFill>
+              <a:latin typeface="Arial" panose="020B0604020202020204" pitchFamily="34" charset="0"/>
+              <a:cs typeface="Arial" panose="020B0604020202020204" pitchFamily="34" charset="0"/>
+            </a:endParaRPr>
+          </a:p>
+        </p:txBody>
+      </p:sp>
+      <mc:AlternateContent xmlns:mc="http://schemas.openxmlformats.org/markup-compatibility/2006">
+        <mc:Choice xmlns:a14="http://schemas.microsoft.com/office/drawing/2010/main" Requires="a14">
+          <p:sp>
+            <p:nvSpPr>
+              <p:cNvPr id="9" name="CasellaDiTesto 2">
+                <a:extLst>
+                  <a:ext uri="{FF2B5EF4-FFF2-40B4-BE49-F238E27FC236}">
+                    <a16:creationId xmlns:a16="http://schemas.microsoft.com/office/drawing/2014/main" id="{6660DA49-9DA9-494B-AB73-B92C9895C783}"/>
+                  </a:ext>
+                </a:extLst>
+              </p:cNvPr>
+              <p:cNvSpPr txBox="1"/>
+              <p:nvPr/>
+            </p:nvSpPr>
+            <p:spPr>
+              <a:xfrm>
+                <a:off x="7950926" y="4576006"/>
+                <a:ext cx="3607827" cy="1384995"/>
+              </a:xfrm>
+              <a:prstGeom prst="rect">
+                <a:avLst/>
+              </a:prstGeom>
+              <a:noFill/>
+            </p:spPr>
+            <p:txBody>
+              <a:bodyPr wrap="square" rtlCol="0">
+                <a:spAutoFit/>
+              </a:bodyPr>
+              <a:lstStyle/>
+              <a:p>
+                <a:r>
+                  <a:rPr lang="it-IT" sz="1200" dirty="0">
+                    <a:solidFill>
+                      <a:schemeClr val="bg1">
+                        <a:lumMod val="95000"/>
+                        <a:lumOff val="5000"/>
+                      </a:schemeClr>
+                    </a:solidFill>
+                    <a:latin typeface="Consolas" panose="020B0609020204030204" pitchFamily="49" charset="0"/>
+                    <a:cs typeface="Cascadia Code" pitchFamily="1" charset="0"/>
+                  </a:rPr>
+                  <a:t>Total duration = 1000;</a:t>
+                </a:r>
+              </a:p>
+              <a:p>
+                <a:r>
+                  <a:rPr lang="it-IT" sz="1200" dirty="0">
+                    <a:solidFill>
+                      <a:schemeClr val="bg1">
+                        <a:lumMod val="95000"/>
+                        <a:lumOff val="5000"/>
+                      </a:schemeClr>
+                    </a:solidFill>
+                    <a:latin typeface="Consolas" panose="020B0609020204030204" pitchFamily="49" charset="0"/>
+                    <a:cs typeface="Cascadia Code" pitchFamily="1" charset="0"/>
+                  </a:rPr>
+                  <a:t>Lattice = 150x150;</a:t>
+                </a:r>
+              </a:p>
+              <a:p>
+                <a14:m>
+                  <m:oMath xmlns:m="http://schemas.openxmlformats.org/officeDocument/2006/math">
+                    <m:sSub>
+                      <m:sSubPr>
+                        <m:ctrlPr>
+                          <a:rPr lang="it-IT" sz="1200" b="0" i="1" dirty="0" smtClean="0">
+                            <a:solidFill>
+                              <a:schemeClr val="bg1">
+                                <a:lumMod val="95000"/>
+                                <a:lumOff val="5000"/>
+                              </a:schemeClr>
+                            </a:solidFill>
+                            <a:latin typeface="Cambria Math" panose="02040503050406030204" pitchFamily="18" charset="0"/>
+                            <a:cs typeface="Cascadia Code" pitchFamily="1" charset="0"/>
+                          </a:rPr>
+                        </m:ctrlPr>
+                      </m:sSubPr>
+                      <m:e>
+                        <m:r>
+                          <a:rPr lang="it-IT" sz="1200" b="0" i="1" dirty="0" smtClean="0">
+                            <a:solidFill>
+                              <a:schemeClr val="bg1">
+                                <a:lumMod val="95000"/>
+                                <a:lumOff val="5000"/>
+                              </a:schemeClr>
+                            </a:solidFill>
+                            <a:latin typeface="Cambria Math" panose="02040503050406030204" pitchFamily="18" charset="0"/>
+                            <a:cs typeface="Cascadia Code" pitchFamily="1" charset="0"/>
+                          </a:rPr>
+                          <m:t>𝜏</m:t>
+                        </m:r>
+                      </m:e>
+                      <m:sub>
+                        <m:r>
+                          <a:rPr lang="it-IT" sz="1200" b="0" i="1" dirty="0" smtClean="0">
+                            <a:solidFill>
+                              <a:schemeClr val="bg1">
+                                <a:lumMod val="95000"/>
+                                <a:lumOff val="5000"/>
+                              </a:schemeClr>
+                            </a:solidFill>
+                            <a:latin typeface="Cambria Math" panose="02040503050406030204" pitchFamily="18" charset="0"/>
+                            <a:cs typeface="Cascadia Code" pitchFamily="1" charset="0"/>
+                          </a:rPr>
+                          <m:t>𝑎</m:t>
+                        </m:r>
+                      </m:sub>
+                    </m:sSub>
+                    <m:r>
+                      <a:rPr lang="it-IT" sz="1200" i="1" dirty="0">
+                        <a:solidFill>
+                          <a:schemeClr val="bg1">
+                            <a:lumMod val="95000"/>
+                            <a:lumOff val="5000"/>
+                          </a:schemeClr>
+                        </a:solidFill>
+                        <a:latin typeface="Cambria Math" panose="02040503050406030204" pitchFamily="18" charset="0"/>
+                        <a:cs typeface="Cascadia Code" pitchFamily="1" charset="0"/>
+                      </a:rPr>
+                      <m:t>=</m:t>
+                    </m:r>
+                    <m:r>
+                      <a:rPr lang="it-IT" sz="1200" b="0" i="1" dirty="0" smtClean="0">
+                        <a:solidFill>
+                          <a:schemeClr val="bg1">
+                            <a:lumMod val="95000"/>
+                            <a:lumOff val="5000"/>
+                          </a:schemeClr>
+                        </a:solidFill>
+                        <a:latin typeface="Cambria Math" panose="02040503050406030204" pitchFamily="18" charset="0"/>
+                        <a:cs typeface="Cascadia Code" pitchFamily="1" charset="0"/>
+                      </a:rPr>
+                      <m:t>30</m:t>
+                    </m:r>
+                  </m:oMath>
+                </a14:m>
+                <a:r>
+                  <a:rPr lang="it-IT" sz="1200" dirty="0">
+                    <a:solidFill>
+                      <a:schemeClr val="bg1">
+                        <a:lumMod val="95000"/>
+                        <a:lumOff val="5000"/>
+                      </a:schemeClr>
+                    </a:solidFill>
+                    <a:latin typeface="Consolas" panose="020B0609020204030204" pitchFamily="49" charset="0"/>
+                    <a:cs typeface="Cascadia Code" pitchFamily="1" charset="0"/>
+                  </a:rPr>
+                  <a:t>;</a:t>
+                </a:r>
+              </a:p>
+              <a:p>
+                <a14:m>
+                  <m:oMath xmlns:m="http://schemas.openxmlformats.org/officeDocument/2006/math">
+                    <m:sSub>
+                      <m:sSubPr>
+                        <m:ctrlPr>
+                          <a:rPr lang="it-IT" sz="1200" b="0" i="1" dirty="0" smtClean="0">
+                            <a:solidFill>
+                              <a:schemeClr val="bg1">
+                                <a:lumMod val="95000"/>
+                                <a:lumOff val="5000"/>
+                              </a:schemeClr>
+                            </a:solidFill>
+                            <a:latin typeface="Cambria Math" panose="02040503050406030204" pitchFamily="18" charset="0"/>
+                            <a:cs typeface="Cascadia Code" pitchFamily="1" charset="0"/>
+                          </a:rPr>
+                        </m:ctrlPr>
+                      </m:sSubPr>
+                      <m:e>
+                        <m:r>
+                          <a:rPr lang="it-IT" sz="1200" b="0" i="1" dirty="0" smtClean="0">
+                            <a:solidFill>
+                              <a:schemeClr val="bg1">
+                                <a:lumMod val="95000"/>
+                                <a:lumOff val="5000"/>
+                              </a:schemeClr>
+                            </a:solidFill>
+                            <a:latin typeface="Cambria Math" panose="02040503050406030204" pitchFamily="18" charset="0"/>
+                            <a:cs typeface="Cascadia Code" pitchFamily="1" charset="0"/>
+                          </a:rPr>
+                          <m:t>𝜏</m:t>
+                        </m:r>
+                      </m:e>
+                      <m:sub>
+                        <m:r>
+                          <a:rPr lang="it-IT" sz="1200" b="0" i="1" dirty="0" smtClean="0">
+                            <a:solidFill>
+                              <a:schemeClr val="bg1">
+                                <a:lumMod val="95000"/>
+                                <a:lumOff val="5000"/>
+                              </a:schemeClr>
+                            </a:solidFill>
+                            <a:latin typeface="Cambria Math" panose="02040503050406030204" pitchFamily="18" charset="0"/>
+                            <a:cs typeface="Cascadia Code" pitchFamily="1" charset="0"/>
+                          </a:rPr>
+                          <m:t>𝑐</m:t>
+                        </m:r>
+                      </m:sub>
+                    </m:sSub>
+                    <m:r>
+                      <a:rPr lang="it-IT" sz="1200" b="0" i="1" dirty="0" smtClean="0">
+                        <a:solidFill>
+                          <a:schemeClr val="bg1">
+                            <a:lumMod val="95000"/>
+                            <a:lumOff val="5000"/>
+                          </a:schemeClr>
+                        </a:solidFill>
+                        <a:latin typeface="Cambria Math" panose="02040503050406030204" pitchFamily="18" charset="0"/>
+                        <a:cs typeface="Cascadia Code" pitchFamily="1" charset="0"/>
+                      </a:rPr>
+                      <m:t>=10</m:t>
+                    </m:r>
+                  </m:oMath>
+                </a14:m>
+                <a:r>
+                  <a:rPr lang="it-IT" sz="1200" dirty="0">
+                    <a:solidFill>
+                      <a:schemeClr val="bg1">
+                        <a:lumMod val="95000"/>
+                        <a:lumOff val="5000"/>
+                      </a:schemeClr>
+                    </a:solidFill>
+                    <a:latin typeface="Consolas" panose="020B0609020204030204" pitchFamily="49" charset="0"/>
+                    <a:cs typeface="Cascadia Code" pitchFamily="1" charset="0"/>
+                  </a:rPr>
+                  <a:t>;</a:t>
+                </a:r>
+              </a:p>
+              <a:p>
+                <a:r>
+                  <a:rPr lang="it-IT" sz="1200" dirty="0">
+                    <a:solidFill>
+                      <a:schemeClr val="bg1">
+                        <a:lumMod val="95000"/>
+                        <a:lumOff val="5000"/>
+                      </a:schemeClr>
+                    </a:solidFill>
+                    <a:latin typeface="Consolas" panose="020B0609020204030204" pitchFamily="49" charset="0"/>
+                    <a:cs typeface="Cascadia Code" pitchFamily="1" charset="0"/>
+                  </a:rPr>
+                  <a:t>Pumping probability = 0.02;</a:t>
+                </a:r>
+              </a:p>
+              <a:p>
+                <a:r>
+                  <a:rPr lang="it-IT" sz="1200" dirty="0">
+                    <a:solidFill>
+                      <a:schemeClr val="bg1">
+                        <a:lumMod val="95000"/>
+                        <a:lumOff val="5000"/>
+                      </a:schemeClr>
+                    </a:solidFill>
+                    <a:latin typeface="Consolas" panose="020B0609020204030204" pitchFamily="49" charset="0"/>
+                    <a:cs typeface="Cascadia Code" pitchFamily="1" charset="0"/>
+                  </a:rPr>
+                  <a:t>Thermal Excitation probability = 0.001;</a:t>
+                </a:r>
+              </a:p>
+              <a:p>
+                <a:r>
+                  <a:rPr lang="it-IT" sz="1200" dirty="0">
+                    <a:solidFill>
+                      <a:schemeClr val="bg1">
+                        <a:lumMod val="95000"/>
+                        <a:lumOff val="5000"/>
+                      </a:schemeClr>
+                    </a:solidFill>
+                    <a:latin typeface="Consolas" panose="020B0609020204030204" pitchFamily="49" charset="0"/>
+                    <a:cs typeface="Cascadia Code" pitchFamily="1" charset="0"/>
+                  </a:rPr>
+                  <a:t>Spontaneous Emission probability = 0.02</a:t>
+                </a:r>
+              </a:p>
+            </p:txBody>
+          </p:sp>
+        </mc:Choice>
+        <mc:Fallback>
+          <p:sp>
+            <p:nvSpPr>
+              <p:cNvPr id="9" name="CasellaDiTesto 2">
+                <a:extLst>
+                  <a:ext uri="{FF2B5EF4-FFF2-40B4-BE49-F238E27FC236}">
+                    <a16:creationId xmlns:a16="http://schemas.microsoft.com/office/drawing/2014/main" id="{6660DA49-9DA9-494B-AB73-B92C9895C783}"/>
+                  </a:ext>
+                </a:extLst>
+              </p:cNvPr>
+              <p:cNvSpPr txBox="1">
+                <a:spLocks noRot="1" noChangeAspect="1" noMove="1" noResize="1" noEditPoints="1" noAdjustHandles="1" noChangeArrowheads="1" noChangeShapeType="1" noTextEdit="1"/>
+              </p:cNvSpPr>
+              <p:nvPr/>
+            </p:nvSpPr>
+            <p:spPr>
+              <a:xfrm>
+                <a:off x="7950926" y="4576006"/>
+                <a:ext cx="3607827" cy="1384995"/>
+              </a:xfrm>
+              <a:prstGeom prst="rect">
+                <a:avLst/>
+              </a:prstGeom>
+              <a:blipFill>
+                <a:blip r:embed="rId3"/>
+                <a:stretch>
+                  <a:fillRect t="-441" b="-2643"/>
+                </a:stretch>
+              </a:blipFill>
+            </p:spPr>
+            <p:txBody>
+              <a:bodyPr/>
+              <a:lstStyle/>
+              <a:p>
+                <a:r>
+                  <a:rPr lang="en-GB">
+                    <a:noFill/>
+                  </a:rPr>
+                  <a:t> </a:t>
+                </a:r>
+              </a:p>
+            </p:txBody>
+          </p:sp>
+        </mc:Fallback>
+      </mc:AlternateContent>
     </p:spTree>
     <p:extLst>
       <p:ext uri="{BB962C8B-B14F-4D97-AF65-F5344CB8AC3E}">
@@ -14327,7 +14385,7 @@
 </p:sld>
 </file>
 
-<file path=ppt/slides/slide16.xml><?xml version="1.0" encoding="utf-8"?>
+<file path=ppt/slides/slide15.xml><?xml version="1.0" encoding="utf-8"?>
 <p:sld xmlns:a="http://schemas.openxmlformats.org/drawingml/2006/main" xmlns:r="http://schemas.openxmlformats.org/officeDocument/2006/relationships" xmlns:p="http://schemas.openxmlformats.org/presentationml/2006/main">
   <p:cSld>
     <p:spTree>
@@ -14377,8 +14435,8 @@
           </a:p>
         </p:txBody>
       </p:sp>
-      <mc:AlternateContent xmlns:mc="http://schemas.openxmlformats.org/markup-compatibility/2006" xmlns:a14="http://schemas.microsoft.com/office/drawing/2010/main">
-        <mc:Choice Requires="a14">
+      <mc:AlternateContent xmlns:mc="http://schemas.openxmlformats.org/markup-compatibility/2006">
+        <mc:Choice xmlns:a14="http://schemas.microsoft.com/office/drawing/2010/main" Requires="a14">
           <p:sp>
             <p:nvSpPr>
               <p:cNvPr id="6" name="CasellaDiTesto 5">
@@ -14393,7 +14451,7 @@
             </p:nvSpPr>
             <p:spPr>
               <a:xfrm>
-                <a:off x="1258859" y="865463"/>
+                <a:off x="1258859" y="1066799"/>
                 <a:ext cx="9905998" cy="3978397"/>
               </a:xfrm>
               <a:prstGeom prst="rect">
@@ -15017,7 +15075,7 @@
             </p:txBody>
           </p:sp>
         </mc:Choice>
-        <mc:Fallback xmlns="">
+        <mc:Fallback>
           <p:sp>
             <p:nvSpPr>
               <p:cNvPr id="6" name="CasellaDiTesto 5">
@@ -15034,7 +15092,7 @@
             </p:nvSpPr>
             <p:spPr>
               <a:xfrm>
-                <a:off x="1258859" y="865463"/>
+                <a:off x="1258859" y="1066799"/>
                 <a:ext cx="9905998" cy="3978397"/>
               </a:xfrm>
               <a:prstGeom prst="rect">
@@ -15043,7 +15101,7 @@
               <a:blipFill>
                 <a:blip r:embed="rId2"/>
                 <a:stretch>
-                  <a:fillRect l="-554" t="-919" b="-2297"/>
+                  <a:fillRect l="-554" t="-766" b="-2297"/>
                 </a:stretch>
               </a:blipFill>
             </p:spPr>
@@ -15052,7 +15110,7 @@
               <a:lstStyle/>
               <a:p>
                 <a:r>
-                  <a:rPr lang="it-IT">
+                  <a:rPr lang="en-GB">
                     <a:noFill/>
                   </a:rPr>
                   <a:t> </a:t>
@@ -15075,7 +15133,7 @@
 </p:sld>
 </file>
 
-<file path=ppt/slides/slide17.xml><?xml version="1.0" encoding="utf-8"?>
+<file path=ppt/slides/slide16.xml><?xml version="1.0" encoding="utf-8"?>
 <p:sld xmlns:a="http://schemas.openxmlformats.org/drawingml/2006/main" xmlns:r="http://schemas.openxmlformats.org/officeDocument/2006/relationships" xmlns:p="http://schemas.openxmlformats.org/presentationml/2006/main">
   <p:cSld>
     <p:spTree>
@@ -15140,7 +15198,7 @@
         </p:nvSpPr>
         <p:spPr>
           <a:xfrm>
-            <a:off x="1258859" y="126794"/>
+            <a:off x="1258859" y="0"/>
             <a:ext cx="9905998" cy="968398"/>
           </a:xfrm>
         </p:spPr>
@@ -15152,6 +15210,62 @@
               <a:rPr lang="it-IT" dirty="0"/>
               <a:t>Dal modello alla realtà</a:t>
             </a:r>
+          </a:p>
+        </p:txBody>
+      </p:sp>
+      <p:sp>
+        <p:nvSpPr>
+          <p:cNvPr id="2" name="TextBox 1">
+            <a:extLst>
+              <a:ext uri="{FF2B5EF4-FFF2-40B4-BE49-F238E27FC236}">
+                <a16:creationId xmlns:a16="http://schemas.microsoft.com/office/drawing/2014/main" id="{88FCF206-21E7-48F3-AAB9-06B8710CD1F5}"/>
+              </a:ext>
+            </a:extLst>
+          </p:cNvPr>
+          <p:cNvSpPr txBox="1"/>
+          <p:nvPr/>
+        </p:nvSpPr>
+        <p:spPr>
+          <a:xfrm>
+            <a:off x="5847693" y="6258535"/>
+            <a:ext cx="728330" cy="230832"/>
+          </a:xfrm>
+          <a:prstGeom prst="rect">
+            <a:avLst/>
+          </a:prstGeom>
+          <a:solidFill>
+            <a:srgbClr val="F0F0F0"/>
+          </a:solidFill>
+        </p:spPr>
+        <p:txBody>
+          <a:bodyPr wrap="square" rtlCol="0">
+            <a:spAutoFit/>
+          </a:bodyPr>
+          <a:lstStyle/>
+          <a:p>
+            <a:r>
+              <a:rPr lang="it-IT" sz="900" dirty="0">
+                <a:solidFill>
+                  <a:schemeClr val="bg1">
+                    <a:lumMod val="75000"/>
+                    <a:lumOff val="25000"/>
+                  </a:schemeClr>
+                </a:solidFill>
+                <a:latin typeface="Arial" panose="020B0604020202020204" pitchFamily="34" charset="0"/>
+                <a:cs typeface="Arial" panose="020B0604020202020204" pitchFamily="34" charset="0"/>
+              </a:rPr>
+              <a:t>Time [ps]</a:t>
+            </a:r>
+            <a:endParaRPr lang="en-GB" sz="900" dirty="0">
+              <a:solidFill>
+                <a:schemeClr val="bg1">
+                  <a:lumMod val="75000"/>
+                  <a:lumOff val="25000"/>
+                </a:schemeClr>
+              </a:solidFill>
+              <a:latin typeface="Arial" panose="020B0604020202020204" pitchFamily="34" charset="0"/>
+              <a:cs typeface="Arial" panose="020B0604020202020204" pitchFamily="34" charset="0"/>
+            </a:endParaRPr>
           </a:p>
         </p:txBody>
       </p:sp>
@@ -15168,7 +15282,7 @@
 </p:sld>
 </file>
 
-<file path=ppt/slides/slide18.xml><?xml version="1.0" encoding="utf-8"?>
+<file path=ppt/slides/slide17.xml><?xml version="1.0" encoding="utf-8"?>
 <p:sld xmlns:a="http://schemas.openxmlformats.org/drawingml/2006/main" xmlns:r="http://schemas.openxmlformats.org/officeDocument/2006/relationships" xmlns:p="http://schemas.openxmlformats.org/presentationml/2006/main">
   <p:cSld>
     <p:spTree>
@@ -15401,7 +15515,7 @@
         </p:nvSpPr>
         <p:spPr>
           <a:xfrm>
-            <a:off x="4806892" y="1578543"/>
+            <a:off x="5007189" y="1578543"/>
             <a:ext cx="6240519" cy="2288782"/>
           </a:xfrm>
         </p:spPr>
@@ -16156,151 +16270,211 @@
           </a:p>
         </p:txBody>
       </p:sp>
-      <p:sp>
-        <p:nvSpPr>
-          <p:cNvPr id="3" name="Segnaposto contenuto 2">
-            <a:extLst>
-              <a:ext uri="{FF2B5EF4-FFF2-40B4-BE49-F238E27FC236}">
-                <a16:creationId xmlns:a16="http://schemas.microsoft.com/office/drawing/2014/main" id="{9A5E78EF-E87E-4B5D-9E3E-7D81874E1C0E}"/>
-              </a:ext>
-            </a:extLst>
-          </p:cNvPr>
-          <p:cNvSpPr>
-            <a:spLocks noGrp="1"/>
-          </p:cNvSpPr>
-          <p:nvPr>
-            <p:ph idx="1"/>
-          </p:nvPr>
-        </p:nvSpPr>
-        <p:spPr>
-          <a:xfrm>
-            <a:off x="906011" y="1132515"/>
-            <a:ext cx="10695963" cy="5444454"/>
-          </a:xfrm>
-        </p:spPr>
-        <p:txBody>
-          <a:bodyPr>
-            <a:normAutofit/>
-          </a:bodyPr>
-          <a:lstStyle/>
-          <a:p>
-            <a:r>
-              <a:rPr lang="it-IT" sz="2000" dirty="0"/>
-              <a:t>Per ogni istante di tempo calcoliamo la popolazione, il numero di fotoni e il rumore prodotto, dopo aver aggiornato lo stato del reticolo usando un insieme di regole:</a:t>
-            </a:r>
-          </a:p>
-          <a:p>
-            <a:pPr>
-              <a:spcBef>
-                <a:spcPts val="600"/>
-              </a:spcBef>
-            </a:pPr>
-            <a:r>
-              <a:rPr lang="it-IT" dirty="0" err="1"/>
-              <a:t>Stimulated</a:t>
-            </a:r>
-            <a:r>
-              <a:rPr lang="it-IT" dirty="0"/>
-              <a:t> </a:t>
-            </a:r>
-            <a:r>
-              <a:rPr lang="it-IT" dirty="0" err="1"/>
-              <a:t>Emission</a:t>
-            </a:r>
-            <a:r>
-              <a:rPr lang="it-IT" dirty="0"/>
-              <a:t> Rule</a:t>
-            </a:r>
-          </a:p>
-          <a:p>
-            <a:pPr marL="457200" lvl="1" indent="0">
-              <a:spcBef>
-                <a:spcPts val="600"/>
-              </a:spcBef>
-              <a:buNone/>
-            </a:pPr>
-            <a:r>
-              <a:rPr lang="it-IT" dirty="0"/>
-              <a:t>Valutiamo il numero di fotoni adiacenti scorrendo le celle dello stato precedente. Sopra la relativa soglia, se l’elettrone della cella è in stato eccitato, si ha emissione stimolata: viene aggiunto un fotone alla cella (inizializzando il tempo di vita).</a:t>
-            </a:r>
-          </a:p>
-          <a:p>
-            <a:pPr>
-              <a:spcBef>
-                <a:spcPts val="600"/>
-              </a:spcBef>
-            </a:pPr>
-            <a:r>
-              <a:rPr lang="it-IT" dirty="0" err="1"/>
-              <a:t>Photon</a:t>
-            </a:r>
-            <a:r>
-              <a:rPr lang="it-IT" dirty="0"/>
-              <a:t> </a:t>
-            </a:r>
-            <a:r>
-              <a:rPr lang="it-IT" dirty="0" err="1"/>
-              <a:t>decay</a:t>
-            </a:r>
-            <a:r>
-              <a:rPr lang="it-IT" dirty="0"/>
-              <a:t> rule</a:t>
-            </a:r>
-          </a:p>
-          <a:p>
-            <a:pPr marL="457200" lvl="1" indent="0">
-              <a:spcBef>
-                <a:spcPts val="600"/>
-              </a:spcBef>
-              <a:buNone/>
-            </a:pPr>
-            <a:r>
-              <a:rPr lang="it-IT" dirty="0"/>
-              <a:t>Allo scadere del tempo di vita del fotone, questo viene rimosso.</a:t>
-            </a:r>
-          </a:p>
-          <a:p>
-            <a:pPr>
-              <a:spcBef>
-                <a:spcPts val="600"/>
-              </a:spcBef>
-            </a:pPr>
-            <a:r>
-              <a:rPr lang="it-IT" dirty="0"/>
-              <a:t>Electron </a:t>
-            </a:r>
-            <a:r>
-              <a:rPr lang="it-IT" dirty="0" err="1"/>
-              <a:t>decay</a:t>
-            </a:r>
-            <a:r>
-              <a:rPr lang="it-IT" dirty="0"/>
-              <a:t> rule</a:t>
-            </a:r>
-          </a:p>
-          <a:p>
-            <a:pPr marL="457200" lvl="1" indent="0">
-              <a:spcBef>
-                <a:spcPts val="600"/>
-              </a:spcBef>
-              <a:buNone/>
-            </a:pPr>
-            <a:r>
-              <a:rPr lang="it-IT" dirty="0"/>
-              <a:t>Allo scadere del tempo di vita dell’elettrone, si assiste ad un decadimento non radiativo.</a:t>
-            </a:r>
-          </a:p>
-          <a:p>
-            <a:pPr marL="0" indent="0">
-              <a:spcBef>
-                <a:spcPts val="600"/>
-              </a:spcBef>
-              <a:buNone/>
-            </a:pPr>
-            <a:endParaRPr lang="it-IT" sz="2000" dirty="0"/>
-          </a:p>
-        </p:txBody>
-      </p:sp>
+      <mc:AlternateContent xmlns:mc="http://schemas.openxmlformats.org/markup-compatibility/2006">
+        <mc:Choice xmlns:a14="http://schemas.microsoft.com/office/drawing/2010/main" Requires="a14">
+          <p:sp>
+            <p:nvSpPr>
+              <p:cNvPr id="3" name="Segnaposto contenuto 2">
+                <a:extLst>
+                  <a:ext uri="{FF2B5EF4-FFF2-40B4-BE49-F238E27FC236}">
+                    <a16:creationId xmlns:a16="http://schemas.microsoft.com/office/drawing/2014/main" id="{9A5E78EF-E87E-4B5D-9E3E-7D81874E1C0E}"/>
+                  </a:ext>
+                </a:extLst>
+              </p:cNvPr>
+              <p:cNvSpPr>
+                <a:spLocks noGrp="1"/>
+              </p:cNvSpPr>
+              <p:nvPr>
+                <p:ph idx="1"/>
+              </p:nvPr>
+            </p:nvSpPr>
+            <p:spPr>
+              <a:xfrm>
+                <a:off x="906011" y="1132515"/>
+                <a:ext cx="10695963" cy="5444454"/>
+              </a:xfrm>
+            </p:spPr>
+            <p:txBody>
+              <a:bodyPr>
+                <a:normAutofit/>
+              </a:bodyPr>
+              <a:lstStyle/>
+              <a:p>
+                <a:r>
+                  <a:rPr lang="it-IT" sz="2000" dirty="0"/>
+                  <a:t>Per ogni istante di tempo calcoliamo la popolazione, il numero di fotoni e il rumore prodotto, dopo aver aggiornato lo stato del reticolo usando un insieme di regole:</a:t>
+                </a:r>
+              </a:p>
+              <a:p>
+                <a:pPr>
+                  <a:spcBef>
+                    <a:spcPts val="600"/>
+                  </a:spcBef>
+                </a:pPr>
+                <a:r>
+                  <a:rPr lang="it-IT" dirty="0" err="1"/>
+                  <a:t>Stimulated</a:t>
+                </a:r>
+                <a:r>
+                  <a:rPr lang="it-IT" dirty="0"/>
+                  <a:t> </a:t>
+                </a:r>
+                <a:r>
+                  <a:rPr lang="it-IT" dirty="0" err="1"/>
+                  <a:t>Emission</a:t>
+                </a:r>
+                <a:r>
+                  <a:rPr lang="it-IT" dirty="0"/>
+                  <a:t> Rule</a:t>
+                </a:r>
+              </a:p>
+              <a:p>
+                <a:pPr marL="457200" lvl="1" indent="0">
+                  <a:spcBef>
+                    <a:spcPts val="600"/>
+                  </a:spcBef>
+                  <a:buNone/>
+                </a:pPr>
+                <a:r>
+                  <a:rPr lang="it-IT" dirty="0"/>
+                  <a:t>Valutiamo il numero di fotoni adiacenti scorrendo le celle dello stato precedente. Sopra la relativa soglia, se l’elettrone della cella è in stato eccitato, si ha emissione stimolata: viene aggiunto un fotone alla cella (inizializzandolo al valore del tempo di vita della cavità </a:t>
+                </a:r>
+                <a14:m>
+                  <m:oMath xmlns:m="http://schemas.openxmlformats.org/officeDocument/2006/math">
+                    <m:sSub>
+                      <m:sSubPr>
+                        <m:ctrlPr>
+                          <a:rPr lang="it-IT" b="0" i="1" smtClean="0">
+                            <a:latin typeface="Cambria Math" panose="02040503050406030204" pitchFamily="18" charset="0"/>
+                          </a:rPr>
+                        </m:ctrlPr>
+                      </m:sSubPr>
+                      <m:e>
+                        <m:r>
+                          <a:rPr lang="it-IT" b="0" i="1" smtClean="0">
+                            <a:latin typeface="Cambria Math" panose="02040503050406030204" pitchFamily="18" charset="0"/>
+                          </a:rPr>
+                          <m:t>𝜏</m:t>
+                        </m:r>
+                      </m:e>
+                      <m:sub>
+                        <m:r>
+                          <a:rPr lang="it-IT" b="0" i="1" smtClean="0">
+                            <a:latin typeface="Cambria Math" panose="02040503050406030204" pitchFamily="18" charset="0"/>
+                          </a:rPr>
+                          <m:t>𝑐</m:t>
+                        </m:r>
+                      </m:sub>
+                    </m:sSub>
+                  </m:oMath>
+                </a14:m>
+                <a:r>
+                  <a:rPr lang="it-IT" dirty="0"/>
+                  <a:t>).</a:t>
+                </a:r>
+              </a:p>
+              <a:p>
+                <a:pPr>
+                  <a:spcBef>
+                    <a:spcPts val="600"/>
+                  </a:spcBef>
+                </a:pPr>
+                <a:r>
+                  <a:rPr lang="it-IT" dirty="0"/>
+                  <a:t>Photon Decay rule</a:t>
+                </a:r>
+              </a:p>
+              <a:p>
+                <a:pPr marL="457200" lvl="1" indent="0">
+                  <a:spcBef>
+                    <a:spcPts val="600"/>
+                  </a:spcBef>
+                  <a:buNone/>
+                </a:pPr>
+                <a:r>
+                  <a:rPr lang="it-IT" dirty="0"/>
+                  <a:t>Allo scadere del tempo di vita del fotone, questo viene rimosso.</a:t>
+                </a:r>
+              </a:p>
+              <a:p>
+                <a:pPr>
+                  <a:spcBef>
+                    <a:spcPts val="600"/>
+                  </a:spcBef>
+                </a:pPr>
+                <a:r>
+                  <a:rPr lang="it-IT" dirty="0"/>
+                  <a:t>Electron Decay rule</a:t>
+                </a:r>
+              </a:p>
+              <a:p>
+                <a:pPr marL="457200" lvl="1" indent="0">
+                  <a:spcBef>
+                    <a:spcPts val="600"/>
+                  </a:spcBef>
+                  <a:buNone/>
+                </a:pPr>
+                <a:r>
+                  <a:rPr lang="it-IT" dirty="0"/>
+                  <a:t>Allo scadere del tempo di vita dell’elettrone, si assiste ad un decadimento non radiativo.</a:t>
+                </a:r>
+              </a:p>
+              <a:p>
+                <a:pPr marL="0" indent="0">
+                  <a:spcBef>
+                    <a:spcPts val="600"/>
+                  </a:spcBef>
+                  <a:buNone/>
+                </a:pPr>
+                <a:endParaRPr lang="it-IT" sz="2000" dirty="0"/>
+              </a:p>
+            </p:txBody>
+          </p:sp>
+        </mc:Choice>
+        <mc:Fallback>
+          <p:sp>
+            <p:nvSpPr>
+              <p:cNvPr id="3" name="Segnaposto contenuto 2">
+                <a:extLst>
+                  <a:ext uri="{FF2B5EF4-FFF2-40B4-BE49-F238E27FC236}">
+                    <a16:creationId xmlns:a16="http://schemas.microsoft.com/office/drawing/2014/main" id="{9A5E78EF-E87E-4B5D-9E3E-7D81874E1C0E}"/>
+                  </a:ext>
+                </a:extLst>
+              </p:cNvPr>
+              <p:cNvSpPr>
+                <a:spLocks noGrp="1" noRot="1" noChangeAspect="1" noMove="1" noResize="1" noEditPoints="1" noAdjustHandles="1" noChangeArrowheads="1" noChangeShapeType="1" noTextEdit="1"/>
+              </p:cNvSpPr>
+              <p:nvPr>
+                <p:ph idx="1"/>
+              </p:nvPr>
+            </p:nvSpPr>
+            <p:spPr>
+              <a:xfrm>
+                <a:off x="906011" y="1132515"/>
+                <a:ext cx="10695963" cy="5444454"/>
+              </a:xfrm>
+              <a:blipFill>
+                <a:blip r:embed="rId2"/>
+                <a:stretch>
+                  <a:fillRect l="-1197" t="-1120" r="-57"/>
+                </a:stretch>
+              </a:blipFill>
+            </p:spPr>
+            <p:txBody>
+              <a:bodyPr/>
+              <a:lstStyle/>
+              <a:p>
+                <a:r>
+                  <a:rPr lang="en-GB">
+                    <a:noFill/>
+                  </a:rPr>
+                  <a:t> </a:t>
+                </a:r>
+              </a:p>
+            </p:txBody>
+          </p:sp>
+        </mc:Fallback>
+      </mc:AlternateContent>
     </p:spTree>
     <p:extLst>
       <p:ext uri="{BB962C8B-B14F-4D97-AF65-F5344CB8AC3E}">
@@ -16364,134 +16538,190 @@
           </a:p>
         </p:txBody>
       </p:sp>
-      <p:sp>
-        <p:nvSpPr>
-          <p:cNvPr id="3" name="Segnaposto contenuto 2">
-            <a:extLst>
-              <a:ext uri="{FF2B5EF4-FFF2-40B4-BE49-F238E27FC236}">
-                <a16:creationId xmlns:a16="http://schemas.microsoft.com/office/drawing/2014/main" id="{9A5E78EF-E87E-4B5D-9E3E-7D81874E1C0E}"/>
-              </a:ext>
-            </a:extLst>
-          </p:cNvPr>
-          <p:cNvSpPr>
-            <a:spLocks noGrp="1"/>
-          </p:cNvSpPr>
-          <p:nvPr>
-            <p:ph idx="1"/>
-          </p:nvPr>
-        </p:nvSpPr>
-        <p:spPr>
-          <a:xfrm>
-            <a:off x="917196" y="1124126"/>
-            <a:ext cx="10490942" cy="4974670"/>
-          </a:xfrm>
-        </p:spPr>
-        <p:txBody>
-          <a:bodyPr>
-            <a:normAutofit/>
-          </a:bodyPr>
-          <a:lstStyle/>
-          <a:p>
-            <a:pPr>
-              <a:spcBef>
-                <a:spcPts val="600"/>
-              </a:spcBef>
-            </a:pPr>
-            <a:r>
-              <a:rPr lang="it-IT" dirty="0" err="1"/>
-              <a:t>Pumping</a:t>
-            </a:r>
-            <a:r>
-              <a:rPr lang="it-IT" dirty="0"/>
-              <a:t> Rule</a:t>
-            </a:r>
-          </a:p>
-          <a:p>
-            <a:pPr marL="457200" lvl="1" indent="0">
-              <a:spcBef>
-                <a:spcPts val="600"/>
-              </a:spcBef>
-              <a:buNone/>
-            </a:pPr>
-            <a:r>
-              <a:rPr lang="it-IT" dirty="0"/>
-              <a:t>Se un elettrone occupa lo stato fondamentale, ha una probabilità </a:t>
-            </a:r>
-            <a:r>
-              <a:rPr lang="el-GR" dirty="0"/>
-              <a:t>λ</a:t>
-            </a:r>
-            <a:r>
-              <a:rPr lang="it-IT" dirty="0"/>
-              <a:t> di essere promosso al livello energetico superiore. (Viene inizializzato il suo tempo di vita)</a:t>
-            </a:r>
-          </a:p>
-          <a:p>
-            <a:pPr>
-              <a:spcBef>
-                <a:spcPts val="600"/>
-              </a:spcBef>
-            </a:pPr>
-            <a:r>
-              <a:rPr lang="it-IT" dirty="0" err="1"/>
-              <a:t>Noise</a:t>
-            </a:r>
-            <a:r>
-              <a:rPr lang="it-IT" dirty="0"/>
-              <a:t> </a:t>
-            </a:r>
-            <a:r>
-              <a:rPr lang="it-IT" dirty="0" err="1"/>
-              <a:t>photon</a:t>
-            </a:r>
-            <a:r>
-              <a:rPr lang="it-IT" dirty="0"/>
-              <a:t> </a:t>
-            </a:r>
-            <a:r>
-              <a:rPr lang="it-IT" dirty="0" err="1"/>
-              <a:t>creation</a:t>
-            </a:r>
-            <a:r>
-              <a:rPr lang="it-IT" dirty="0"/>
-              <a:t> Rule</a:t>
-            </a:r>
-          </a:p>
-          <a:p>
-            <a:pPr marL="457200" lvl="1" indent="0">
-              <a:spcBef>
-                <a:spcPts val="600"/>
-              </a:spcBef>
-              <a:buNone/>
-            </a:pPr>
-            <a:r>
-              <a:rPr lang="it-IT" dirty="0"/>
-              <a:t>Il modello originario introduce fotoni in posizioni casuali per simulare allo stesso tempo emissione spontanea e contributo termico al rumore.</a:t>
-            </a:r>
-          </a:p>
-          <a:p>
-            <a:pPr marL="457200" lvl="1" indent="0">
-              <a:spcBef>
-                <a:spcPts val="600"/>
-              </a:spcBef>
-              <a:buNone/>
-            </a:pPr>
-            <a:r>
-              <a:rPr lang="it-IT" dirty="0"/>
-              <a:t>[Il modello perfezionato modifica questa regola, tenendo conto dei due effetti separatamente]</a:t>
-            </a:r>
-          </a:p>
-          <a:p>
-            <a:pPr marL="0" indent="0">
-              <a:spcBef>
-                <a:spcPts val="600"/>
-              </a:spcBef>
-              <a:buNone/>
-            </a:pPr>
-            <a:endParaRPr lang="it-IT" sz="2000" dirty="0"/>
-          </a:p>
-        </p:txBody>
-      </p:sp>
+      <mc:AlternateContent xmlns:mc="http://schemas.openxmlformats.org/markup-compatibility/2006">
+        <mc:Choice xmlns:a14="http://schemas.microsoft.com/office/drawing/2010/main" Requires="a14">
+          <p:sp>
+            <p:nvSpPr>
+              <p:cNvPr id="3" name="Segnaposto contenuto 2">
+                <a:extLst>
+                  <a:ext uri="{FF2B5EF4-FFF2-40B4-BE49-F238E27FC236}">
+                    <a16:creationId xmlns:a16="http://schemas.microsoft.com/office/drawing/2014/main" id="{9A5E78EF-E87E-4B5D-9E3E-7D81874E1C0E}"/>
+                  </a:ext>
+                </a:extLst>
+              </p:cNvPr>
+              <p:cNvSpPr>
+                <a:spLocks noGrp="1"/>
+              </p:cNvSpPr>
+              <p:nvPr>
+                <p:ph idx="1"/>
+              </p:nvPr>
+            </p:nvSpPr>
+            <p:spPr>
+              <a:xfrm>
+                <a:off x="917196" y="1124126"/>
+                <a:ext cx="10490942" cy="4974670"/>
+              </a:xfrm>
+            </p:spPr>
+            <p:txBody>
+              <a:bodyPr>
+                <a:normAutofit/>
+              </a:bodyPr>
+              <a:lstStyle/>
+              <a:p>
+                <a:pPr>
+                  <a:spcBef>
+                    <a:spcPts val="600"/>
+                  </a:spcBef>
+                </a:pPr>
+                <a:r>
+                  <a:rPr lang="it-IT" dirty="0"/>
+                  <a:t>Pumping Rule</a:t>
+                </a:r>
+              </a:p>
+              <a:p>
+                <a:pPr marL="457200" lvl="1" indent="0">
+                  <a:spcBef>
+                    <a:spcPts val="600"/>
+                  </a:spcBef>
+                  <a:buNone/>
+                </a:pPr>
+                <a:r>
+                  <a:rPr lang="it-IT" dirty="0"/>
+                  <a:t>Se un elettrone occupa lo stato fondamentale, ha una probabilità </a:t>
+                </a:r>
+                <a:r>
+                  <a:rPr lang="el-GR" dirty="0"/>
+                  <a:t>λ</a:t>
+                </a:r>
+                <a:r>
+                  <a:rPr lang="it-IT" dirty="0"/>
+                  <a:t> di essere promosso al livello energetico superiore. L’elettrone viene inizializzato col tempo di vita dei portatori </a:t>
+                </a:r>
+                <a14:m>
+                  <m:oMath xmlns:m="http://schemas.openxmlformats.org/officeDocument/2006/math">
+                    <m:sSub>
+                      <m:sSubPr>
+                        <m:ctrlPr>
+                          <a:rPr lang="it-IT" b="0" i="1" smtClean="0">
+                            <a:latin typeface="Cambria Math" panose="02040503050406030204" pitchFamily="18" charset="0"/>
+                          </a:rPr>
+                        </m:ctrlPr>
+                      </m:sSubPr>
+                      <m:e>
+                        <m:r>
+                          <a:rPr lang="it-IT" b="0" i="1" smtClean="0">
+                            <a:latin typeface="Cambria Math" panose="02040503050406030204" pitchFamily="18" charset="0"/>
+                          </a:rPr>
+                          <m:t>𝜏</m:t>
+                        </m:r>
+                      </m:e>
+                      <m:sub>
+                        <m:r>
+                          <a:rPr lang="it-IT" b="0" i="1" smtClean="0">
+                            <a:latin typeface="Cambria Math" panose="02040503050406030204" pitchFamily="18" charset="0"/>
+                          </a:rPr>
+                          <m:t>𝑎</m:t>
+                        </m:r>
+                      </m:sub>
+                    </m:sSub>
+                  </m:oMath>
+                </a14:m>
+                <a:r>
+                  <a:rPr lang="it-IT" dirty="0"/>
+                  <a:t>.</a:t>
+                </a:r>
+              </a:p>
+              <a:p>
+                <a:pPr>
+                  <a:spcBef>
+                    <a:spcPts val="600"/>
+                  </a:spcBef>
+                </a:pPr>
+                <a:r>
+                  <a:rPr lang="it-IT" dirty="0"/>
+                  <a:t>Noise Photons Creation Rule</a:t>
+                </a:r>
+              </a:p>
+              <a:p>
+                <a:pPr marL="457200" lvl="1" indent="0">
+                  <a:spcBef>
+                    <a:spcPts val="600"/>
+                  </a:spcBef>
+                  <a:buNone/>
+                </a:pPr>
+                <a:r>
+                  <a:rPr lang="it-IT" dirty="0"/>
+                  <a:t>Il modello originario introduce fotoni in posizioni casuali per simulare allo stesso tempo emissione spontanea e contributo termico al rumore.</a:t>
+                </a:r>
+              </a:p>
+              <a:p>
+                <a:pPr marL="457200" lvl="1" indent="0">
+                  <a:spcBef>
+                    <a:spcPts val="600"/>
+                  </a:spcBef>
+                  <a:buNone/>
+                </a:pPr>
+                <a:r>
+                  <a:rPr lang="it-IT" dirty="0"/>
+                  <a:t>[Il modello perfezionato modifica questa regola, tenendo conto dei due effetti separatamente]</a:t>
+                </a:r>
+              </a:p>
+              <a:p>
+                <a:pPr marL="0" indent="0">
+                  <a:spcBef>
+                    <a:spcPts val="600"/>
+                  </a:spcBef>
+                  <a:buNone/>
+                </a:pPr>
+                <a:endParaRPr lang="it-IT" sz="2000" dirty="0"/>
+              </a:p>
+            </p:txBody>
+          </p:sp>
+        </mc:Choice>
+        <mc:Fallback>
+          <p:sp>
+            <p:nvSpPr>
+              <p:cNvPr id="3" name="Segnaposto contenuto 2">
+                <a:extLst>
+                  <a:ext uri="{FF2B5EF4-FFF2-40B4-BE49-F238E27FC236}">
+                    <a16:creationId xmlns:a16="http://schemas.microsoft.com/office/drawing/2014/main" id="{9A5E78EF-E87E-4B5D-9E3E-7D81874E1C0E}"/>
+                  </a:ext>
+                </a:extLst>
+              </p:cNvPr>
+              <p:cNvSpPr>
+                <a:spLocks noGrp="1" noRot="1" noChangeAspect="1" noMove="1" noResize="1" noEditPoints="1" noAdjustHandles="1" noChangeArrowheads="1" noChangeShapeType="1" noTextEdit="1"/>
+              </p:cNvSpPr>
+              <p:nvPr>
+                <p:ph idx="1"/>
+              </p:nvPr>
+            </p:nvSpPr>
+            <p:spPr>
+              <a:xfrm>
+                <a:off x="917196" y="1124126"/>
+                <a:ext cx="10490942" cy="4974670"/>
+              </a:xfrm>
+              <a:blipFill>
+                <a:blip r:embed="rId2"/>
+                <a:stretch>
+                  <a:fillRect l="-1162" t="-1593"/>
+                </a:stretch>
+              </a:blipFill>
+            </p:spPr>
+            <p:txBody>
+              <a:bodyPr/>
+              <a:lstStyle/>
+              <a:p>
+                <a:r>
+                  <a:rPr lang="en-GB">
+                    <a:noFill/>
+                  </a:rPr>
+                  <a:t> </a:t>
+                </a:r>
+              </a:p>
+            </p:txBody>
+          </p:sp>
+        </mc:Fallback>
+      </mc:AlternateContent>
     </p:spTree>
     <p:extLst>
       <p:ext uri="{BB962C8B-B14F-4D97-AF65-F5344CB8AC3E}">
@@ -16877,247 +17107,299 @@
           </p:sp>
         </mc:Fallback>
       </mc:AlternateContent>
-      <p:sp>
-        <p:nvSpPr>
-          <p:cNvPr id="3" name="CasellaDiTesto 2">
-            <a:extLst>
-              <a:ext uri="{FF2B5EF4-FFF2-40B4-BE49-F238E27FC236}">
-                <a16:creationId xmlns:a16="http://schemas.microsoft.com/office/drawing/2014/main" id="{D101E619-2BF7-4516-AE62-D7C0F1CB8E25}"/>
-              </a:ext>
-            </a:extLst>
-          </p:cNvPr>
-          <p:cNvSpPr txBox="1"/>
-          <p:nvPr/>
-        </p:nvSpPr>
-        <p:spPr>
-          <a:xfrm>
-            <a:off x="7121744" y="3064985"/>
-            <a:ext cx="3144982" cy="1938992"/>
-          </a:xfrm>
-          <a:prstGeom prst="rect">
-            <a:avLst/>
-          </a:prstGeom>
-          <a:noFill/>
-        </p:spPr>
-        <p:txBody>
-          <a:bodyPr wrap="square" rtlCol="0">
-            <a:spAutoFit/>
-          </a:bodyPr>
-          <a:lstStyle/>
-          <a:p>
-            <a:r>
-              <a:rPr lang="it-IT" sz="1200" dirty="0">
-                <a:solidFill>
-                  <a:schemeClr val="bg1">
-                    <a:lumMod val="95000"/>
-                    <a:lumOff val="5000"/>
-                  </a:schemeClr>
-                </a:solidFill>
-                <a:latin typeface="Consolas" panose="020B0609020204030204" pitchFamily="49" charset="0"/>
-                <a:cs typeface="Cascadia Code" pitchFamily="1" charset="0"/>
-              </a:rPr>
-              <a:t>TIME_STEPS = 200;</a:t>
-            </a:r>
-          </a:p>
-          <a:p>
-            <a:r>
-              <a:rPr lang="it-IT" sz="1200" dirty="0">
-                <a:solidFill>
-                  <a:schemeClr val="bg1">
-                    <a:lumMod val="95000"/>
-                    <a:lumOff val="5000"/>
-                  </a:schemeClr>
-                </a:solidFill>
-                <a:latin typeface="Consolas" panose="020B0609020204030204" pitchFamily="49" charset="0"/>
-                <a:cs typeface="Cascadia Code" pitchFamily="1" charset="0"/>
-              </a:rPr>
-              <a:t>LATTICE_WIDTH = 200;</a:t>
-            </a:r>
-          </a:p>
-          <a:p>
-            <a:r>
-              <a:rPr lang="it-IT" sz="1200" dirty="0">
-                <a:solidFill>
-                  <a:schemeClr val="bg1">
-                    <a:lumMod val="95000"/>
-                    <a:lumOff val="5000"/>
-                  </a:schemeClr>
-                </a:solidFill>
-                <a:latin typeface="Consolas" panose="020B0609020204030204" pitchFamily="49" charset="0"/>
-                <a:cs typeface="Cascadia Code" pitchFamily="1" charset="0"/>
-              </a:rPr>
-              <a:t>LATTICE_HEIGHT = 200;</a:t>
-            </a:r>
-          </a:p>
-          <a:p>
-            <a:r>
-              <a:rPr lang="it-IT" sz="1200" dirty="0">
-                <a:solidFill>
-                  <a:schemeClr val="bg1">
-                    <a:lumMod val="95000"/>
-                    <a:lumOff val="5000"/>
-                  </a:schemeClr>
-                </a:solidFill>
-                <a:latin typeface="Consolas" panose="020B0609020204030204" pitchFamily="49" charset="0"/>
-                <a:cs typeface="Cascadia Code" pitchFamily="1" charset="0"/>
-              </a:rPr>
-              <a:t>PHOTON_SATURATION = 25;</a:t>
-            </a:r>
-          </a:p>
-          <a:p>
-            <a:endParaRPr lang="it-IT" sz="1200" dirty="0">
-              <a:solidFill>
-                <a:schemeClr val="bg1">
-                  <a:lumMod val="95000"/>
-                  <a:lumOff val="5000"/>
-                </a:schemeClr>
-              </a:solidFill>
-              <a:latin typeface="Consolas" panose="020B0609020204030204" pitchFamily="49" charset="0"/>
-              <a:cs typeface="Cascadia Code" pitchFamily="1" charset="0"/>
-            </a:endParaRPr>
-          </a:p>
-          <a:p>
-            <a:r>
-              <a:rPr lang="it-IT" sz="1200" dirty="0" err="1">
-                <a:solidFill>
-                  <a:schemeClr val="bg1">
-                    <a:lumMod val="95000"/>
-                    <a:lumOff val="5000"/>
-                  </a:schemeClr>
-                </a:solidFill>
-                <a:latin typeface="Consolas" panose="020B0609020204030204" pitchFamily="49" charset="0"/>
-                <a:cs typeface="Cascadia Code" pitchFamily="1" charset="0"/>
-              </a:rPr>
-              <a:t>electronLifeTime</a:t>
-            </a:r>
-            <a:r>
-              <a:rPr lang="it-IT" sz="1200" dirty="0">
-                <a:solidFill>
-                  <a:schemeClr val="bg1">
-                    <a:lumMod val="95000"/>
-                    <a:lumOff val="5000"/>
-                  </a:schemeClr>
-                </a:solidFill>
-                <a:latin typeface="Consolas" panose="020B0609020204030204" pitchFamily="49" charset="0"/>
-                <a:cs typeface="Cascadia Code" pitchFamily="1" charset="0"/>
-              </a:rPr>
-              <a:t> = 30;</a:t>
-            </a:r>
-          </a:p>
-          <a:p>
-            <a:r>
-              <a:rPr lang="it-IT" sz="1200" dirty="0" err="1">
-                <a:solidFill>
-                  <a:schemeClr val="bg1">
-                    <a:lumMod val="95000"/>
-                    <a:lumOff val="5000"/>
-                  </a:schemeClr>
-                </a:solidFill>
-                <a:latin typeface="Consolas" panose="020B0609020204030204" pitchFamily="49" charset="0"/>
-                <a:cs typeface="Cascadia Code" pitchFamily="1" charset="0"/>
-              </a:rPr>
-              <a:t>photonLifeTime</a:t>
-            </a:r>
-            <a:r>
-              <a:rPr lang="it-IT" sz="1200" dirty="0">
-                <a:solidFill>
-                  <a:schemeClr val="bg1">
-                    <a:lumMod val="95000"/>
-                    <a:lumOff val="5000"/>
-                  </a:schemeClr>
-                </a:solidFill>
-                <a:latin typeface="Consolas" panose="020B0609020204030204" pitchFamily="49" charset="0"/>
-                <a:cs typeface="Cascadia Code" pitchFamily="1" charset="0"/>
-              </a:rPr>
-              <a:t> = 10;</a:t>
-            </a:r>
-          </a:p>
-          <a:p>
-            <a:r>
-              <a:rPr lang="it-IT" sz="1200" dirty="0" err="1">
-                <a:solidFill>
-                  <a:schemeClr val="bg1">
-                    <a:lumMod val="95000"/>
-                    <a:lumOff val="5000"/>
-                  </a:schemeClr>
-                </a:solidFill>
-                <a:latin typeface="Consolas" panose="020B0609020204030204" pitchFamily="49" charset="0"/>
-                <a:cs typeface="Cascadia Code" pitchFamily="1" charset="0"/>
-              </a:rPr>
-              <a:t>pumpingProbability</a:t>
-            </a:r>
-            <a:r>
-              <a:rPr lang="it-IT" sz="1200" dirty="0">
-                <a:solidFill>
-                  <a:schemeClr val="bg1">
-                    <a:lumMod val="95000"/>
-                    <a:lumOff val="5000"/>
-                  </a:schemeClr>
-                </a:solidFill>
-                <a:latin typeface="Consolas" panose="020B0609020204030204" pitchFamily="49" charset="0"/>
-                <a:cs typeface="Cascadia Code" pitchFamily="1" charset="0"/>
-              </a:rPr>
-              <a:t> = 0.192;</a:t>
-            </a:r>
-          </a:p>
-          <a:p>
-            <a:r>
-              <a:rPr lang="it-IT" sz="1200" dirty="0" err="1">
-                <a:solidFill>
-                  <a:schemeClr val="bg1">
-                    <a:lumMod val="95000"/>
-                    <a:lumOff val="5000"/>
-                  </a:schemeClr>
-                </a:solidFill>
-                <a:latin typeface="Consolas" panose="020B0609020204030204" pitchFamily="49" charset="0"/>
-                <a:cs typeface="Cascadia Code" pitchFamily="1" charset="0"/>
-              </a:rPr>
-              <a:t>noiseProbability</a:t>
-            </a:r>
-            <a:r>
-              <a:rPr lang="it-IT" sz="1200" dirty="0">
-                <a:solidFill>
-                  <a:schemeClr val="bg1">
-                    <a:lumMod val="95000"/>
-                    <a:lumOff val="5000"/>
-                  </a:schemeClr>
-                </a:solidFill>
-                <a:latin typeface="Consolas" panose="020B0609020204030204" pitchFamily="49" charset="0"/>
-                <a:cs typeface="Cascadia Code" pitchFamily="1" charset="0"/>
-              </a:rPr>
-              <a:t> = 0.009;</a:t>
-            </a:r>
-          </a:p>
-          <a:p>
-            <a:r>
-              <a:rPr lang="it-IT" sz="1200" dirty="0" err="1">
-                <a:solidFill>
-                  <a:schemeClr val="bg1">
-                    <a:lumMod val="95000"/>
-                    <a:lumOff val="5000"/>
-                  </a:schemeClr>
-                </a:solidFill>
-                <a:latin typeface="Consolas" panose="020B0609020204030204" pitchFamily="49" charset="0"/>
-                <a:cs typeface="Cascadia Code" pitchFamily="1" charset="0"/>
-              </a:rPr>
-              <a:t>stimulatedEmissionThreshold</a:t>
-            </a:r>
-            <a:r>
-              <a:rPr lang="it-IT" sz="1200" dirty="0">
-                <a:solidFill>
-                  <a:schemeClr val="bg1">
-                    <a:lumMod val="95000"/>
-                    <a:lumOff val="5000"/>
-                  </a:schemeClr>
-                </a:solidFill>
-                <a:latin typeface="Consolas" panose="020B0609020204030204" pitchFamily="49" charset="0"/>
-                <a:cs typeface="Cascadia Code" pitchFamily="1" charset="0"/>
-              </a:rPr>
-              <a:t> = 1;</a:t>
-            </a:r>
-          </a:p>
-        </p:txBody>
-      </p:sp>
+      <mc:AlternateContent xmlns:mc="http://schemas.openxmlformats.org/markup-compatibility/2006">
+        <mc:Choice xmlns:a14="http://schemas.microsoft.com/office/drawing/2010/main" Requires="a14">
+          <p:sp>
+            <p:nvSpPr>
+              <p:cNvPr id="6" name="CasellaDiTesto 2">
+                <a:extLst>
+                  <a:ext uri="{FF2B5EF4-FFF2-40B4-BE49-F238E27FC236}">
+                    <a16:creationId xmlns:a16="http://schemas.microsoft.com/office/drawing/2014/main" id="{F2FF2E9D-27B2-49CF-98E4-F759328707FE}"/>
+                  </a:ext>
+                </a:extLst>
+              </p:cNvPr>
+              <p:cNvSpPr txBox="1"/>
+              <p:nvPr/>
+            </p:nvSpPr>
+            <p:spPr>
+              <a:xfrm>
+                <a:off x="8173823" y="3178314"/>
+                <a:ext cx="2751439" cy="1200329"/>
+              </a:xfrm>
+              <a:prstGeom prst="rect">
+                <a:avLst/>
+              </a:prstGeom>
+              <a:noFill/>
+            </p:spPr>
+            <p:txBody>
+              <a:bodyPr wrap="square" rtlCol="0">
+                <a:spAutoFit/>
+              </a:bodyPr>
+              <a:lstStyle/>
+              <a:p>
+                <a:r>
+                  <a:rPr lang="it-IT" sz="1200" dirty="0">
+                    <a:solidFill>
+                      <a:schemeClr val="bg1">
+                        <a:lumMod val="95000"/>
+                        <a:lumOff val="5000"/>
+                      </a:schemeClr>
+                    </a:solidFill>
+                    <a:latin typeface="Consolas" panose="020B0609020204030204" pitchFamily="49" charset="0"/>
+                    <a:cs typeface="Cascadia Code" pitchFamily="1" charset="0"/>
+                  </a:rPr>
+                  <a:t>Total duration = 200;</a:t>
+                </a:r>
+              </a:p>
+              <a:p>
+                <a:r>
+                  <a:rPr lang="it-IT" sz="1200" dirty="0">
+                    <a:solidFill>
+                      <a:schemeClr val="bg1">
+                        <a:lumMod val="95000"/>
+                        <a:lumOff val="5000"/>
+                      </a:schemeClr>
+                    </a:solidFill>
+                    <a:latin typeface="Consolas" panose="020B0609020204030204" pitchFamily="49" charset="0"/>
+                    <a:cs typeface="Cascadia Code" pitchFamily="1" charset="0"/>
+                  </a:rPr>
+                  <a:t>Lattice = 200x200;</a:t>
+                </a:r>
+              </a:p>
+              <a:p>
+                <a14:m>
+                  <m:oMath xmlns:m="http://schemas.openxmlformats.org/officeDocument/2006/math">
+                    <m:sSub>
+                      <m:sSubPr>
+                        <m:ctrlPr>
+                          <a:rPr lang="it-IT" sz="1200" b="0" i="1" dirty="0" smtClean="0">
+                            <a:solidFill>
+                              <a:schemeClr val="bg1">
+                                <a:lumMod val="95000"/>
+                                <a:lumOff val="5000"/>
+                              </a:schemeClr>
+                            </a:solidFill>
+                            <a:latin typeface="Cambria Math" panose="02040503050406030204" pitchFamily="18" charset="0"/>
+                            <a:cs typeface="Cascadia Code" pitchFamily="1" charset="0"/>
+                          </a:rPr>
+                        </m:ctrlPr>
+                      </m:sSubPr>
+                      <m:e>
+                        <m:r>
+                          <a:rPr lang="it-IT" sz="1200" b="0" i="1" dirty="0" smtClean="0">
+                            <a:solidFill>
+                              <a:schemeClr val="bg1">
+                                <a:lumMod val="95000"/>
+                                <a:lumOff val="5000"/>
+                              </a:schemeClr>
+                            </a:solidFill>
+                            <a:latin typeface="Cambria Math" panose="02040503050406030204" pitchFamily="18" charset="0"/>
+                            <a:cs typeface="Cascadia Code" pitchFamily="1" charset="0"/>
+                          </a:rPr>
+                          <m:t>𝜏</m:t>
+                        </m:r>
+                      </m:e>
+                      <m:sub>
+                        <m:r>
+                          <a:rPr lang="it-IT" sz="1200" b="0" i="1" dirty="0" smtClean="0">
+                            <a:solidFill>
+                              <a:schemeClr val="bg1">
+                                <a:lumMod val="95000"/>
+                                <a:lumOff val="5000"/>
+                              </a:schemeClr>
+                            </a:solidFill>
+                            <a:latin typeface="Cambria Math" panose="02040503050406030204" pitchFamily="18" charset="0"/>
+                            <a:cs typeface="Cascadia Code" pitchFamily="1" charset="0"/>
+                          </a:rPr>
+                          <m:t>𝑎</m:t>
+                        </m:r>
+                      </m:sub>
+                    </m:sSub>
+                    <m:r>
+                      <a:rPr lang="it-IT" sz="1200" i="1" dirty="0">
+                        <a:solidFill>
+                          <a:schemeClr val="bg1">
+                            <a:lumMod val="95000"/>
+                            <a:lumOff val="5000"/>
+                          </a:schemeClr>
+                        </a:solidFill>
+                        <a:latin typeface="Cambria Math" panose="02040503050406030204" pitchFamily="18" charset="0"/>
+                        <a:cs typeface="Cascadia Code" pitchFamily="1" charset="0"/>
+                      </a:rPr>
+                      <m:t>= 30</m:t>
+                    </m:r>
+                  </m:oMath>
+                </a14:m>
+                <a:r>
+                  <a:rPr lang="it-IT" sz="1200" dirty="0">
+                    <a:solidFill>
+                      <a:schemeClr val="bg1">
+                        <a:lumMod val="95000"/>
+                        <a:lumOff val="5000"/>
+                      </a:schemeClr>
+                    </a:solidFill>
+                    <a:latin typeface="Consolas" panose="020B0609020204030204" pitchFamily="49" charset="0"/>
+                    <a:cs typeface="Cascadia Code" pitchFamily="1" charset="0"/>
+                  </a:rPr>
+                  <a:t>;</a:t>
+                </a:r>
+              </a:p>
+              <a:p>
+                <a14:m>
+                  <m:oMath xmlns:m="http://schemas.openxmlformats.org/officeDocument/2006/math">
+                    <m:sSub>
+                      <m:sSubPr>
+                        <m:ctrlPr>
+                          <a:rPr lang="it-IT" sz="1200" b="0" i="1" dirty="0" smtClean="0">
+                            <a:solidFill>
+                              <a:schemeClr val="bg1">
+                                <a:lumMod val="95000"/>
+                                <a:lumOff val="5000"/>
+                              </a:schemeClr>
+                            </a:solidFill>
+                            <a:latin typeface="Cambria Math" panose="02040503050406030204" pitchFamily="18" charset="0"/>
+                            <a:cs typeface="Cascadia Code" pitchFamily="1" charset="0"/>
+                          </a:rPr>
+                        </m:ctrlPr>
+                      </m:sSubPr>
+                      <m:e>
+                        <m:r>
+                          <a:rPr lang="it-IT" sz="1200" b="0" i="1" dirty="0" smtClean="0">
+                            <a:solidFill>
+                              <a:schemeClr val="bg1">
+                                <a:lumMod val="95000"/>
+                                <a:lumOff val="5000"/>
+                              </a:schemeClr>
+                            </a:solidFill>
+                            <a:latin typeface="Cambria Math" panose="02040503050406030204" pitchFamily="18" charset="0"/>
+                            <a:cs typeface="Cascadia Code" pitchFamily="1" charset="0"/>
+                          </a:rPr>
+                          <m:t>𝜏</m:t>
+                        </m:r>
+                      </m:e>
+                      <m:sub>
+                        <m:r>
+                          <a:rPr lang="it-IT" sz="1200" b="0" i="1" dirty="0" smtClean="0">
+                            <a:solidFill>
+                              <a:schemeClr val="bg1">
+                                <a:lumMod val="95000"/>
+                                <a:lumOff val="5000"/>
+                              </a:schemeClr>
+                            </a:solidFill>
+                            <a:latin typeface="Cambria Math" panose="02040503050406030204" pitchFamily="18" charset="0"/>
+                            <a:cs typeface="Cascadia Code" pitchFamily="1" charset="0"/>
+                          </a:rPr>
+                          <m:t>𝑐</m:t>
+                        </m:r>
+                      </m:sub>
+                    </m:sSub>
+                    <m:r>
+                      <a:rPr lang="it-IT" sz="1200" b="0" i="1" dirty="0" smtClean="0">
+                        <a:solidFill>
+                          <a:schemeClr val="bg1">
+                            <a:lumMod val="95000"/>
+                            <a:lumOff val="5000"/>
+                          </a:schemeClr>
+                        </a:solidFill>
+                        <a:latin typeface="Cambria Math" panose="02040503050406030204" pitchFamily="18" charset="0"/>
+                        <a:cs typeface="Cascadia Code" pitchFamily="1" charset="0"/>
+                      </a:rPr>
+                      <m:t>=10</m:t>
+                    </m:r>
+                  </m:oMath>
+                </a14:m>
+                <a:r>
+                  <a:rPr lang="it-IT" sz="1200" dirty="0">
+                    <a:solidFill>
+                      <a:schemeClr val="bg1">
+                        <a:lumMod val="95000"/>
+                        <a:lumOff val="5000"/>
+                      </a:schemeClr>
+                    </a:solidFill>
+                    <a:latin typeface="Consolas" panose="020B0609020204030204" pitchFamily="49" charset="0"/>
+                    <a:cs typeface="Cascadia Code" pitchFamily="1" charset="0"/>
+                  </a:rPr>
+                  <a:t>;</a:t>
+                </a:r>
+              </a:p>
+              <a:p>
+                <a:r>
+                  <a:rPr lang="it-IT" sz="1200" dirty="0">
+                    <a:solidFill>
+                      <a:schemeClr val="bg1">
+                        <a:lumMod val="95000"/>
+                        <a:lumOff val="5000"/>
+                      </a:schemeClr>
+                    </a:solidFill>
+                    <a:latin typeface="Consolas" panose="020B0609020204030204" pitchFamily="49" charset="0"/>
+                    <a:cs typeface="Cascadia Code" pitchFamily="1" charset="0"/>
+                  </a:rPr>
+                  <a:t>Pumping probability = 0.192;</a:t>
+                </a:r>
+              </a:p>
+              <a:p>
+                <a:r>
+                  <a:rPr lang="it-IT" sz="1200" dirty="0">
+                    <a:solidFill>
+                      <a:schemeClr val="bg1">
+                        <a:lumMod val="95000"/>
+                        <a:lumOff val="5000"/>
+                      </a:schemeClr>
+                    </a:solidFill>
+                    <a:latin typeface="Consolas" panose="020B0609020204030204" pitchFamily="49" charset="0"/>
+                    <a:cs typeface="Cascadia Code" pitchFamily="1" charset="0"/>
+                  </a:rPr>
+                  <a:t>Noise probability = 0.009;</a:t>
+                </a:r>
+              </a:p>
+            </p:txBody>
+          </p:sp>
+        </mc:Choice>
+        <mc:Fallback>
+          <p:sp>
+            <p:nvSpPr>
+              <p:cNvPr id="6" name="CasellaDiTesto 2">
+                <a:extLst>
+                  <a:ext uri="{FF2B5EF4-FFF2-40B4-BE49-F238E27FC236}">
+                    <a16:creationId xmlns:a16="http://schemas.microsoft.com/office/drawing/2014/main" id="{F2FF2E9D-27B2-49CF-98E4-F759328707FE}"/>
+                  </a:ext>
+                </a:extLst>
+              </p:cNvPr>
+              <p:cNvSpPr txBox="1">
+                <a:spLocks noRot="1" noChangeAspect="1" noMove="1" noResize="1" noEditPoints="1" noAdjustHandles="1" noChangeArrowheads="1" noChangeShapeType="1" noTextEdit="1"/>
+              </p:cNvSpPr>
+              <p:nvPr/>
+            </p:nvSpPr>
+            <p:spPr>
+              <a:xfrm>
+                <a:off x="8173823" y="3178314"/>
+                <a:ext cx="2751439" cy="1200329"/>
+              </a:xfrm>
+              <a:prstGeom prst="rect">
+                <a:avLst/>
+              </a:prstGeom>
+              <a:blipFill>
+                <a:blip r:embed="rId4"/>
+                <a:stretch>
+                  <a:fillRect l="-222" b="-3046"/>
+                </a:stretch>
+              </a:blipFill>
+            </p:spPr>
+            <p:txBody>
+              <a:bodyPr/>
+              <a:lstStyle/>
+              <a:p>
+                <a:r>
+                  <a:rPr lang="en-GB">
+                    <a:noFill/>
+                  </a:rPr>
+                  <a:t> </a:t>
+                </a:r>
+              </a:p>
+            </p:txBody>
+          </p:sp>
+        </mc:Fallback>
+      </mc:AlternateContent>
     </p:spTree>
     <p:extLst>
       <p:ext uri="{BB962C8B-B14F-4D97-AF65-F5344CB8AC3E}">
@@ -17454,260 +17736,6 @@
           </p:sp>
         </mc:Fallback>
       </mc:AlternateContent>
-      <p:sp>
-        <p:nvSpPr>
-          <p:cNvPr id="10" name="CasellaDiTesto 9">
-            <a:extLst>
-              <a:ext uri="{FF2B5EF4-FFF2-40B4-BE49-F238E27FC236}">
-                <a16:creationId xmlns:a16="http://schemas.microsoft.com/office/drawing/2014/main" id="{712C0EDD-33B5-42E0-A240-3B12C508C03C}"/>
-              </a:ext>
-            </a:extLst>
-          </p:cNvPr>
-          <p:cNvSpPr txBox="1"/>
-          <p:nvPr/>
-        </p:nvSpPr>
-        <p:spPr>
-          <a:xfrm>
-            <a:off x="1271632" y="428116"/>
-            <a:ext cx="3144982" cy="1938992"/>
-          </a:xfrm>
-          <a:prstGeom prst="rect">
-            <a:avLst/>
-          </a:prstGeom>
-          <a:noFill/>
-        </p:spPr>
-        <p:txBody>
-          <a:bodyPr wrap="square" rtlCol="0">
-            <a:spAutoFit/>
-          </a:bodyPr>
-          <a:lstStyle/>
-          <a:p>
-            <a:r>
-              <a:rPr lang="it-IT" sz="1200" dirty="0">
-                <a:solidFill>
-                  <a:schemeClr val="bg1">
-                    <a:lumMod val="95000"/>
-                    <a:lumOff val="5000"/>
-                  </a:schemeClr>
-                </a:solidFill>
-                <a:latin typeface="Consolas" panose="020B0609020204030204" pitchFamily="49" charset="0"/>
-                <a:cs typeface="Cascadia Code" pitchFamily="1" charset="0"/>
-              </a:rPr>
-              <a:t>TIME_STEPS = 1000;</a:t>
-            </a:r>
-          </a:p>
-          <a:p>
-            <a:r>
-              <a:rPr lang="it-IT" sz="1200" dirty="0">
-                <a:solidFill>
-                  <a:schemeClr val="bg1">
-                    <a:lumMod val="95000"/>
-                    <a:lumOff val="5000"/>
-                  </a:schemeClr>
-                </a:solidFill>
-                <a:latin typeface="Consolas" panose="020B0609020204030204" pitchFamily="49" charset="0"/>
-                <a:cs typeface="Cascadia Code" pitchFamily="1" charset="0"/>
-              </a:rPr>
-              <a:t>LATTICE_WIDTH = 150;</a:t>
-            </a:r>
-          </a:p>
-          <a:p>
-            <a:r>
-              <a:rPr lang="it-IT" sz="1200" dirty="0">
-                <a:solidFill>
-                  <a:schemeClr val="bg1">
-                    <a:lumMod val="95000"/>
-                    <a:lumOff val="5000"/>
-                  </a:schemeClr>
-                </a:solidFill>
-                <a:latin typeface="Consolas" panose="020B0609020204030204" pitchFamily="49" charset="0"/>
-                <a:cs typeface="Cascadia Code" pitchFamily="1" charset="0"/>
-              </a:rPr>
-              <a:t>LATTICE_HEIGHT = 150;</a:t>
-            </a:r>
-          </a:p>
-          <a:p>
-            <a:r>
-              <a:rPr lang="it-IT" sz="1200" dirty="0">
-                <a:solidFill>
-                  <a:schemeClr val="bg1">
-                    <a:lumMod val="95000"/>
-                    <a:lumOff val="5000"/>
-                  </a:schemeClr>
-                </a:solidFill>
-                <a:latin typeface="Consolas" panose="020B0609020204030204" pitchFamily="49" charset="0"/>
-                <a:cs typeface="Cascadia Code" pitchFamily="1" charset="0"/>
-              </a:rPr>
-              <a:t>PHOTON_SATURATION = 25;</a:t>
-            </a:r>
-          </a:p>
-          <a:p>
-            <a:endParaRPr lang="it-IT" sz="1200" dirty="0">
-              <a:solidFill>
-                <a:schemeClr val="bg1">
-                  <a:lumMod val="95000"/>
-                  <a:lumOff val="5000"/>
-                </a:schemeClr>
-              </a:solidFill>
-              <a:latin typeface="Consolas" panose="020B0609020204030204" pitchFamily="49" charset="0"/>
-              <a:cs typeface="Cascadia Code" pitchFamily="1" charset="0"/>
-            </a:endParaRPr>
-          </a:p>
-          <a:p>
-            <a:r>
-              <a:rPr lang="it-IT" sz="1200" dirty="0" err="1">
-                <a:solidFill>
-                  <a:schemeClr val="bg1">
-                    <a:lumMod val="95000"/>
-                    <a:lumOff val="5000"/>
-                  </a:schemeClr>
-                </a:solidFill>
-                <a:latin typeface="Consolas" panose="020B0609020204030204" pitchFamily="49" charset="0"/>
-                <a:cs typeface="Cascadia Code" pitchFamily="1" charset="0"/>
-              </a:rPr>
-              <a:t>electronLifeTime</a:t>
-            </a:r>
-            <a:r>
-              <a:rPr lang="it-IT" sz="1200" dirty="0">
-                <a:solidFill>
-                  <a:schemeClr val="bg1">
-                    <a:lumMod val="95000"/>
-                    <a:lumOff val="5000"/>
-                  </a:schemeClr>
-                </a:solidFill>
-                <a:latin typeface="Consolas" panose="020B0609020204030204" pitchFamily="49" charset="0"/>
-                <a:cs typeface="Cascadia Code" pitchFamily="1" charset="0"/>
-              </a:rPr>
-              <a:t> = 180;</a:t>
-            </a:r>
-          </a:p>
-          <a:p>
-            <a:r>
-              <a:rPr lang="it-IT" sz="1200" dirty="0" err="1">
-                <a:solidFill>
-                  <a:schemeClr val="bg1">
-                    <a:lumMod val="95000"/>
-                    <a:lumOff val="5000"/>
-                  </a:schemeClr>
-                </a:solidFill>
-                <a:latin typeface="Consolas" panose="020B0609020204030204" pitchFamily="49" charset="0"/>
-                <a:cs typeface="Cascadia Code" pitchFamily="1" charset="0"/>
-              </a:rPr>
-              <a:t>photonLifeTime</a:t>
-            </a:r>
-            <a:r>
-              <a:rPr lang="it-IT" sz="1200" dirty="0">
-                <a:solidFill>
-                  <a:schemeClr val="bg1">
-                    <a:lumMod val="95000"/>
-                    <a:lumOff val="5000"/>
-                  </a:schemeClr>
-                </a:solidFill>
-                <a:latin typeface="Consolas" panose="020B0609020204030204" pitchFamily="49" charset="0"/>
-                <a:cs typeface="Cascadia Code" pitchFamily="1" charset="0"/>
-              </a:rPr>
-              <a:t> = 10;</a:t>
-            </a:r>
-          </a:p>
-          <a:p>
-            <a:r>
-              <a:rPr lang="it-IT" sz="1200" dirty="0" err="1">
-                <a:solidFill>
-                  <a:schemeClr val="bg1">
-                    <a:lumMod val="95000"/>
-                    <a:lumOff val="5000"/>
-                  </a:schemeClr>
-                </a:solidFill>
-                <a:latin typeface="Consolas" panose="020B0609020204030204" pitchFamily="49" charset="0"/>
-                <a:cs typeface="Cascadia Code" pitchFamily="1" charset="0"/>
-              </a:rPr>
-              <a:t>pumpingProbability</a:t>
-            </a:r>
-            <a:r>
-              <a:rPr lang="it-IT" sz="1200" dirty="0">
-                <a:solidFill>
-                  <a:schemeClr val="bg1">
-                    <a:lumMod val="95000"/>
-                    <a:lumOff val="5000"/>
-                  </a:schemeClr>
-                </a:solidFill>
-                <a:latin typeface="Consolas" panose="020B0609020204030204" pitchFamily="49" charset="0"/>
-                <a:cs typeface="Cascadia Code" pitchFamily="1" charset="0"/>
-              </a:rPr>
-              <a:t> = 0.0125;</a:t>
-            </a:r>
-          </a:p>
-          <a:p>
-            <a:r>
-              <a:rPr lang="it-IT" sz="1200" dirty="0" err="1">
-                <a:solidFill>
-                  <a:schemeClr val="bg1">
-                    <a:lumMod val="95000"/>
-                    <a:lumOff val="5000"/>
-                  </a:schemeClr>
-                </a:solidFill>
-                <a:latin typeface="Consolas" panose="020B0609020204030204" pitchFamily="49" charset="0"/>
-                <a:cs typeface="Cascadia Code" pitchFamily="1" charset="0"/>
-              </a:rPr>
-              <a:t>noiseProbability</a:t>
-            </a:r>
-            <a:r>
-              <a:rPr lang="it-IT" sz="1200" dirty="0">
-                <a:solidFill>
-                  <a:schemeClr val="bg1">
-                    <a:lumMod val="95000"/>
-                    <a:lumOff val="5000"/>
-                  </a:schemeClr>
-                </a:solidFill>
-                <a:latin typeface="Consolas" panose="020B0609020204030204" pitchFamily="49" charset="0"/>
-                <a:cs typeface="Cascadia Code" pitchFamily="1" charset="0"/>
-              </a:rPr>
-              <a:t> = 0.0001;</a:t>
-            </a:r>
-          </a:p>
-          <a:p>
-            <a:r>
-              <a:rPr lang="it-IT" sz="1200" dirty="0" err="1">
-                <a:solidFill>
-                  <a:schemeClr val="bg1">
-                    <a:lumMod val="95000"/>
-                    <a:lumOff val="5000"/>
-                  </a:schemeClr>
-                </a:solidFill>
-                <a:latin typeface="Consolas" panose="020B0609020204030204" pitchFamily="49" charset="0"/>
-                <a:cs typeface="Cascadia Code" pitchFamily="1" charset="0"/>
-              </a:rPr>
-              <a:t>stimulatedEmissionThreshold</a:t>
-            </a:r>
-            <a:r>
-              <a:rPr lang="it-IT" sz="1200" dirty="0">
-                <a:solidFill>
-                  <a:schemeClr val="bg1">
-                    <a:lumMod val="95000"/>
-                    <a:lumOff val="5000"/>
-                  </a:schemeClr>
-                </a:solidFill>
-                <a:latin typeface="Consolas" panose="020B0609020204030204" pitchFamily="49" charset="0"/>
-                <a:cs typeface="Cascadia Code" pitchFamily="1" charset="0"/>
-              </a:rPr>
-              <a:t> = 1</a:t>
-            </a:r>
-            <a:r>
-              <a:rPr lang="it-IT" sz="1200" dirty="0">
-                <a:solidFill>
-                  <a:schemeClr val="bg1">
-                    <a:lumMod val="95000"/>
-                    <a:lumOff val="5000"/>
-                  </a:schemeClr>
-                </a:solidFill>
-                <a:latin typeface="Consolas" panose="020B0609020204030204" pitchFamily="49" charset="0"/>
-                <a:cs typeface="Miriam Mono CLM" panose="02000503000000000000" pitchFamily="2" charset="-79"/>
-              </a:rPr>
-              <a:t>;</a:t>
-            </a:r>
-          </a:p>
-        </p:txBody>
-      </p:sp>
       <mc:AlternateContent xmlns:mc="http://schemas.openxmlformats.org/markup-compatibility/2006" xmlns:a14="http://schemas.microsoft.com/office/drawing/2010/main">
         <mc:Choice Requires="a14">
           <p:sp>
@@ -17911,6 +17939,936 @@
           </p:sp>
         </mc:Fallback>
       </mc:AlternateContent>
+      <mc:AlternateContent xmlns:mc="http://schemas.openxmlformats.org/markup-compatibility/2006">
+        <mc:Choice xmlns:a14="http://schemas.microsoft.com/office/drawing/2010/main" Requires="a14">
+          <p:sp>
+            <p:nvSpPr>
+              <p:cNvPr id="4" name="TextBox 3">
+                <a:extLst>
+                  <a:ext uri="{FF2B5EF4-FFF2-40B4-BE49-F238E27FC236}">
+                    <a16:creationId xmlns:a16="http://schemas.microsoft.com/office/drawing/2014/main" id="{E3D43C41-8620-44E3-8C5E-CD0F8E420C02}"/>
+                  </a:ext>
+                </a:extLst>
+              </p:cNvPr>
+              <p:cNvSpPr txBox="1"/>
+              <p:nvPr/>
+            </p:nvSpPr>
+            <p:spPr>
+              <a:xfrm>
+                <a:off x="7998934" y="5028797"/>
+                <a:ext cx="3775329" cy="1187697"/>
+              </a:xfrm>
+              <a:prstGeom prst="rect">
+                <a:avLst/>
+              </a:prstGeom>
+              <a:noFill/>
+            </p:spPr>
+            <p:txBody>
+              <a:bodyPr wrap="none" rtlCol="0">
+                <a:spAutoFit/>
+              </a:bodyPr>
+              <a:lstStyle/>
+              <a:p>
+                <a:pPr algn="ctr"/>
+                <a:r>
+                  <a:rPr lang="it-IT" b="0" dirty="0">
+                    <a:solidFill>
+                      <a:schemeClr val="bg1">
+                        <a:lumMod val="85000"/>
+                        <a:lumOff val="15000"/>
+                      </a:schemeClr>
+                    </a:solidFill>
+                  </a:rPr>
+                  <a:t>Pulsazione delle oscillazioni: </a:t>
+                </a:r>
+              </a:p>
+              <a:p>
+                <a14:m>
+                  <m:oMathPara xmlns:m="http://schemas.openxmlformats.org/officeDocument/2006/math">
+                    <m:oMathParaPr>
+                      <m:jc m:val="centerGroup"/>
+                    </m:oMathParaPr>
+                    <m:oMath xmlns:m="http://schemas.openxmlformats.org/officeDocument/2006/math">
+                      <m:sSub>
+                        <m:sSubPr>
+                          <m:ctrlPr>
+                            <a:rPr lang="it-IT" b="0" i="1" smtClean="0">
+                              <a:solidFill>
+                                <a:schemeClr val="bg1">
+                                  <a:lumMod val="85000"/>
+                                  <a:lumOff val="15000"/>
+                                </a:schemeClr>
+                              </a:solidFill>
+                              <a:latin typeface="Cambria Math" panose="02040503050406030204" pitchFamily="18" charset="0"/>
+                            </a:rPr>
+                          </m:ctrlPr>
+                        </m:sSubPr>
+                        <m:e>
+                          <m:r>
+                            <a:rPr lang="it-IT" b="0" i="1" smtClean="0">
+                              <a:solidFill>
+                                <a:schemeClr val="bg1">
+                                  <a:lumMod val="85000"/>
+                                  <a:lumOff val="15000"/>
+                                </a:schemeClr>
+                              </a:solidFill>
+                              <a:latin typeface="Cambria Math" panose="02040503050406030204" pitchFamily="18" charset="0"/>
+                            </a:rPr>
+                            <m:t>𝜔</m:t>
+                          </m:r>
+                        </m:e>
+                        <m:sub>
+                          <m:r>
+                            <a:rPr lang="it-IT" b="0" i="1" smtClean="0">
+                              <a:solidFill>
+                                <a:schemeClr val="bg1">
+                                  <a:lumMod val="85000"/>
+                                  <a:lumOff val="15000"/>
+                                </a:schemeClr>
+                              </a:solidFill>
+                              <a:latin typeface="Cambria Math" panose="02040503050406030204" pitchFamily="18" charset="0"/>
+                            </a:rPr>
+                            <m:t>𝑠𝑝</m:t>
+                          </m:r>
+                        </m:sub>
+                      </m:sSub>
+                      <m:r>
+                        <a:rPr lang="it-IT" b="0" i="1" smtClean="0">
+                          <a:solidFill>
+                            <a:schemeClr val="bg1">
+                              <a:lumMod val="85000"/>
+                              <a:lumOff val="15000"/>
+                            </a:schemeClr>
+                          </a:solidFill>
+                          <a:latin typeface="Cambria Math" panose="02040503050406030204" pitchFamily="18" charset="0"/>
+                        </a:rPr>
+                        <m:t>=</m:t>
+                      </m:r>
+                      <m:rad>
+                        <m:radPr>
+                          <m:degHide m:val="on"/>
+                          <m:ctrlPr>
+                            <a:rPr lang="it-IT" b="0" i="1" smtClean="0">
+                              <a:solidFill>
+                                <a:schemeClr val="bg1">
+                                  <a:lumMod val="85000"/>
+                                  <a:lumOff val="15000"/>
+                                </a:schemeClr>
+                              </a:solidFill>
+                              <a:latin typeface="Cambria Math" panose="02040503050406030204" pitchFamily="18" charset="0"/>
+                            </a:rPr>
+                          </m:ctrlPr>
+                        </m:radPr>
+                        <m:deg/>
+                        <m:e>
+                          <m:sSup>
+                            <m:sSupPr>
+                              <m:ctrlPr>
+                                <a:rPr lang="it-IT" i="1">
+                                  <a:solidFill>
+                                    <a:schemeClr val="bg1">
+                                      <a:lumMod val="85000"/>
+                                      <a:lumOff val="15000"/>
+                                    </a:schemeClr>
+                                  </a:solidFill>
+                                  <a:latin typeface="Cambria Math" panose="02040503050406030204" pitchFamily="18" charset="0"/>
+                                </a:rPr>
+                              </m:ctrlPr>
+                            </m:sSupPr>
+                            <m:e>
+                              <m:d>
+                                <m:dPr>
+                                  <m:ctrlPr>
+                                    <a:rPr lang="it-IT" i="1">
+                                      <a:solidFill>
+                                        <a:schemeClr val="bg1">
+                                          <a:lumMod val="85000"/>
+                                          <a:lumOff val="15000"/>
+                                        </a:schemeClr>
+                                      </a:solidFill>
+                                      <a:latin typeface="Cambria Math" panose="02040503050406030204" pitchFamily="18" charset="0"/>
+                                    </a:rPr>
+                                  </m:ctrlPr>
+                                </m:dPr>
+                                <m:e>
+                                  <m:f>
+                                    <m:fPr>
+                                      <m:ctrlPr>
+                                        <a:rPr lang="it-IT" i="1">
+                                          <a:solidFill>
+                                            <a:schemeClr val="bg1">
+                                              <a:lumMod val="85000"/>
+                                              <a:lumOff val="15000"/>
+                                            </a:schemeClr>
+                                          </a:solidFill>
+                                          <a:latin typeface="Cambria Math" panose="02040503050406030204" pitchFamily="18" charset="0"/>
+                                        </a:rPr>
+                                      </m:ctrlPr>
+                                    </m:fPr>
+                                    <m:num>
+                                      <m:r>
+                                        <a:rPr lang="it-IT" i="1">
+                                          <a:solidFill>
+                                            <a:schemeClr val="bg1">
+                                              <a:lumMod val="85000"/>
+                                              <a:lumOff val="15000"/>
+                                            </a:schemeClr>
+                                          </a:solidFill>
+                                          <a:latin typeface="Cambria Math" panose="02040503050406030204" pitchFamily="18" charset="0"/>
+                                        </a:rPr>
+                                        <m:t>1</m:t>
+                                      </m:r>
+                                    </m:num>
+                                    <m:den>
+                                      <m:r>
+                                        <a:rPr lang="it-IT" i="1">
+                                          <a:solidFill>
+                                            <a:schemeClr val="bg1">
+                                              <a:lumMod val="85000"/>
+                                              <a:lumOff val="15000"/>
+                                            </a:schemeClr>
+                                          </a:solidFill>
+                                          <a:latin typeface="Cambria Math" panose="02040503050406030204" pitchFamily="18" charset="0"/>
+                                        </a:rPr>
+                                        <m:t>2 </m:t>
+                                      </m:r>
+                                      <m:sSub>
+                                        <m:sSubPr>
+                                          <m:ctrlPr>
+                                            <a:rPr lang="it-IT" i="1">
+                                              <a:solidFill>
+                                                <a:schemeClr val="bg1">
+                                                  <a:lumMod val="85000"/>
+                                                  <a:lumOff val="15000"/>
+                                                </a:schemeClr>
+                                              </a:solidFill>
+                                              <a:latin typeface="Cambria Math" panose="02040503050406030204" pitchFamily="18" charset="0"/>
+                                            </a:rPr>
+                                          </m:ctrlPr>
+                                        </m:sSubPr>
+                                        <m:e>
+                                          <m:r>
+                                            <a:rPr lang="it-IT" i="1">
+                                              <a:solidFill>
+                                                <a:schemeClr val="bg1">
+                                                  <a:lumMod val="85000"/>
+                                                  <a:lumOff val="15000"/>
+                                                </a:schemeClr>
+                                              </a:solidFill>
+                                              <a:latin typeface="Cambria Math" panose="02040503050406030204" pitchFamily="18" charset="0"/>
+                                            </a:rPr>
+                                            <m:t>𝜏</m:t>
+                                          </m:r>
+                                        </m:e>
+                                        <m:sub>
+                                          <m:r>
+                                            <a:rPr lang="it-IT" i="1">
+                                              <a:solidFill>
+                                                <a:schemeClr val="bg1">
+                                                  <a:lumMod val="85000"/>
+                                                  <a:lumOff val="15000"/>
+                                                </a:schemeClr>
+                                              </a:solidFill>
+                                              <a:latin typeface="Cambria Math" panose="02040503050406030204" pitchFamily="18" charset="0"/>
+                                            </a:rPr>
+                                            <m:t>𝑎</m:t>
+                                          </m:r>
+                                        </m:sub>
+                                      </m:sSub>
+                                    </m:den>
+                                  </m:f>
+                                  <m:f>
+                                    <m:fPr>
+                                      <m:ctrlPr>
+                                        <a:rPr lang="it-IT" i="1">
+                                          <a:solidFill>
+                                            <a:schemeClr val="bg1">
+                                              <a:lumMod val="85000"/>
+                                              <a:lumOff val="15000"/>
+                                            </a:schemeClr>
+                                          </a:solidFill>
+                                          <a:latin typeface="Cambria Math" panose="02040503050406030204" pitchFamily="18" charset="0"/>
+                                        </a:rPr>
+                                      </m:ctrlPr>
+                                    </m:fPr>
+                                    <m:num>
+                                      <m:r>
+                                        <a:rPr lang="it-IT" i="1">
+                                          <a:solidFill>
+                                            <a:schemeClr val="bg1">
+                                              <a:lumMod val="85000"/>
+                                              <a:lumOff val="15000"/>
+                                            </a:schemeClr>
+                                          </a:solidFill>
+                                          <a:latin typeface="Cambria Math" panose="02040503050406030204" pitchFamily="18" charset="0"/>
+                                        </a:rPr>
+                                        <m:t>𝑅</m:t>
+                                      </m:r>
+                                    </m:num>
+                                    <m:den>
+                                      <m:sSub>
+                                        <m:sSubPr>
+                                          <m:ctrlPr>
+                                            <a:rPr lang="it-IT" i="1">
+                                              <a:solidFill>
+                                                <a:schemeClr val="bg1">
+                                                  <a:lumMod val="85000"/>
+                                                  <a:lumOff val="15000"/>
+                                                </a:schemeClr>
+                                              </a:solidFill>
+                                              <a:latin typeface="Cambria Math" panose="02040503050406030204" pitchFamily="18" charset="0"/>
+                                            </a:rPr>
+                                          </m:ctrlPr>
+                                        </m:sSubPr>
+                                        <m:e>
+                                          <m:r>
+                                            <a:rPr lang="it-IT" i="1">
+                                              <a:solidFill>
+                                                <a:schemeClr val="bg1">
+                                                  <a:lumMod val="85000"/>
+                                                  <a:lumOff val="15000"/>
+                                                </a:schemeClr>
+                                              </a:solidFill>
+                                              <a:latin typeface="Cambria Math" panose="02040503050406030204" pitchFamily="18" charset="0"/>
+                                            </a:rPr>
+                                            <m:t>𝑅</m:t>
+                                          </m:r>
+                                        </m:e>
+                                        <m:sub>
+                                          <m:r>
+                                            <a:rPr lang="it-IT" i="1">
+                                              <a:solidFill>
+                                                <a:schemeClr val="bg1">
+                                                  <a:lumMod val="85000"/>
+                                                  <a:lumOff val="15000"/>
+                                                </a:schemeClr>
+                                              </a:solidFill>
+                                              <a:latin typeface="Cambria Math" panose="02040503050406030204" pitchFamily="18" charset="0"/>
+                                            </a:rPr>
+                                            <m:t>𝑡</m:t>
+                                          </m:r>
+                                        </m:sub>
+                                      </m:sSub>
+                                    </m:den>
+                                  </m:f>
+                                </m:e>
+                              </m:d>
+                            </m:e>
+                            <m:sup>
+                              <m:r>
+                                <a:rPr lang="it-IT" i="1">
+                                  <a:solidFill>
+                                    <a:schemeClr val="bg1">
+                                      <a:lumMod val="85000"/>
+                                      <a:lumOff val="15000"/>
+                                    </a:schemeClr>
+                                  </a:solidFill>
+                                  <a:latin typeface="Cambria Math" panose="02040503050406030204" pitchFamily="18" charset="0"/>
+                                </a:rPr>
+                                <m:t>2</m:t>
+                              </m:r>
+                            </m:sup>
+                          </m:sSup>
+                          <m:r>
+                            <a:rPr lang="it-IT" b="0" i="1" smtClean="0">
+                              <a:solidFill>
+                                <a:schemeClr val="bg1">
+                                  <a:lumMod val="85000"/>
+                                  <a:lumOff val="15000"/>
+                                </a:schemeClr>
+                              </a:solidFill>
+                              <a:latin typeface="Cambria Math" panose="02040503050406030204" pitchFamily="18" charset="0"/>
+                            </a:rPr>
+                            <m:t>−</m:t>
+                          </m:r>
+                          <m:f>
+                            <m:fPr>
+                              <m:ctrlPr>
+                                <a:rPr lang="it-IT" b="0" i="1" smtClean="0">
+                                  <a:solidFill>
+                                    <a:schemeClr val="bg1">
+                                      <a:lumMod val="85000"/>
+                                      <a:lumOff val="15000"/>
+                                    </a:schemeClr>
+                                  </a:solidFill>
+                                  <a:latin typeface="Cambria Math" panose="02040503050406030204" pitchFamily="18" charset="0"/>
+                                </a:rPr>
+                              </m:ctrlPr>
+                            </m:fPr>
+                            <m:num>
+                              <m:r>
+                                <a:rPr lang="it-IT" b="0" i="1" smtClean="0">
+                                  <a:solidFill>
+                                    <a:schemeClr val="bg1">
+                                      <a:lumMod val="85000"/>
+                                      <a:lumOff val="15000"/>
+                                    </a:schemeClr>
+                                  </a:solidFill>
+                                  <a:latin typeface="Cambria Math" panose="02040503050406030204" pitchFamily="18" charset="0"/>
+                                </a:rPr>
+                                <m:t>1</m:t>
+                              </m:r>
+                            </m:num>
+                            <m:den>
+                              <m:sSub>
+                                <m:sSubPr>
+                                  <m:ctrlPr>
+                                    <a:rPr lang="it-IT" b="0" i="1" smtClean="0">
+                                      <a:solidFill>
+                                        <a:schemeClr val="bg1">
+                                          <a:lumMod val="85000"/>
+                                          <a:lumOff val="15000"/>
+                                        </a:schemeClr>
+                                      </a:solidFill>
+                                      <a:latin typeface="Cambria Math" panose="02040503050406030204" pitchFamily="18" charset="0"/>
+                                    </a:rPr>
+                                  </m:ctrlPr>
+                                </m:sSubPr>
+                                <m:e>
+                                  <m:r>
+                                    <a:rPr lang="it-IT" b="0" i="1" smtClean="0">
+                                      <a:solidFill>
+                                        <a:schemeClr val="bg1">
+                                          <a:lumMod val="85000"/>
+                                          <a:lumOff val="15000"/>
+                                        </a:schemeClr>
+                                      </a:solidFill>
+                                      <a:latin typeface="Cambria Math" panose="02040503050406030204" pitchFamily="18" charset="0"/>
+                                    </a:rPr>
+                                    <m:t>𝜏</m:t>
+                                  </m:r>
+                                </m:e>
+                                <m:sub>
+                                  <m:r>
+                                    <a:rPr lang="it-IT" b="0" i="1" smtClean="0">
+                                      <a:solidFill>
+                                        <a:schemeClr val="bg1">
+                                          <a:lumMod val="85000"/>
+                                          <a:lumOff val="15000"/>
+                                        </a:schemeClr>
+                                      </a:solidFill>
+                                      <a:latin typeface="Cambria Math" panose="02040503050406030204" pitchFamily="18" charset="0"/>
+                                    </a:rPr>
+                                    <m:t>𝑎</m:t>
+                                  </m:r>
+                                </m:sub>
+                              </m:sSub>
+                              <m:sSub>
+                                <m:sSubPr>
+                                  <m:ctrlPr>
+                                    <a:rPr lang="it-IT" b="0" i="1" smtClean="0">
+                                      <a:solidFill>
+                                        <a:schemeClr val="bg1">
+                                          <a:lumMod val="85000"/>
+                                          <a:lumOff val="15000"/>
+                                        </a:schemeClr>
+                                      </a:solidFill>
+                                      <a:latin typeface="Cambria Math" panose="02040503050406030204" pitchFamily="18" charset="0"/>
+                                    </a:rPr>
+                                  </m:ctrlPr>
+                                </m:sSubPr>
+                                <m:e>
+                                  <m:r>
+                                    <a:rPr lang="it-IT" b="0" i="1" smtClean="0">
+                                      <a:solidFill>
+                                        <a:schemeClr val="bg1">
+                                          <a:lumMod val="85000"/>
+                                          <a:lumOff val="15000"/>
+                                        </a:schemeClr>
+                                      </a:solidFill>
+                                      <a:latin typeface="Cambria Math" panose="02040503050406030204" pitchFamily="18" charset="0"/>
+                                    </a:rPr>
+                                    <m:t>𝜏</m:t>
+                                  </m:r>
+                                </m:e>
+                                <m:sub>
+                                  <m:r>
+                                    <a:rPr lang="it-IT" b="0" i="1" smtClean="0">
+                                      <a:solidFill>
+                                        <a:schemeClr val="bg1">
+                                          <a:lumMod val="85000"/>
+                                          <a:lumOff val="15000"/>
+                                        </a:schemeClr>
+                                      </a:solidFill>
+                                      <a:latin typeface="Cambria Math" panose="02040503050406030204" pitchFamily="18" charset="0"/>
+                                    </a:rPr>
+                                    <m:t>𝑐</m:t>
+                                  </m:r>
+                                </m:sub>
+                              </m:sSub>
+                            </m:den>
+                          </m:f>
+                          <m:d>
+                            <m:dPr>
+                              <m:ctrlPr>
+                                <a:rPr lang="it-IT" b="0" i="1" smtClean="0">
+                                  <a:solidFill>
+                                    <a:schemeClr val="bg1">
+                                      <a:lumMod val="85000"/>
+                                      <a:lumOff val="15000"/>
+                                    </a:schemeClr>
+                                  </a:solidFill>
+                                  <a:latin typeface="Cambria Math" panose="02040503050406030204" pitchFamily="18" charset="0"/>
+                                </a:rPr>
+                              </m:ctrlPr>
+                            </m:dPr>
+                            <m:e>
+                              <m:f>
+                                <m:fPr>
+                                  <m:ctrlPr>
+                                    <a:rPr lang="it-IT" b="0" i="1" smtClean="0">
+                                      <a:solidFill>
+                                        <a:schemeClr val="bg1">
+                                          <a:lumMod val="85000"/>
+                                          <a:lumOff val="15000"/>
+                                        </a:schemeClr>
+                                      </a:solidFill>
+                                      <a:latin typeface="Cambria Math" panose="02040503050406030204" pitchFamily="18" charset="0"/>
+                                    </a:rPr>
+                                  </m:ctrlPr>
+                                </m:fPr>
+                                <m:num>
+                                  <m:r>
+                                    <a:rPr lang="it-IT" b="0" i="1" smtClean="0">
+                                      <a:solidFill>
+                                        <a:schemeClr val="bg1">
+                                          <a:lumMod val="85000"/>
+                                          <a:lumOff val="15000"/>
+                                        </a:schemeClr>
+                                      </a:solidFill>
+                                      <a:latin typeface="Cambria Math" panose="02040503050406030204" pitchFamily="18" charset="0"/>
+                                    </a:rPr>
+                                    <m:t>𝑅</m:t>
+                                  </m:r>
+                                </m:num>
+                                <m:den>
+                                  <m:sSub>
+                                    <m:sSubPr>
+                                      <m:ctrlPr>
+                                        <a:rPr lang="it-IT" b="0" i="1" smtClean="0">
+                                          <a:solidFill>
+                                            <a:schemeClr val="bg1">
+                                              <a:lumMod val="85000"/>
+                                              <a:lumOff val="15000"/>
+                                            </a:schemeClr>
+                                          </a:solidFill>
+                                          <a:latin typeface="Cambria Math" panose="02040503050406030204" pitchFamily="18" charset="0"/>
+                                        </a:rPr>
+                                      </m:ctrlPr>
+                                    </m:sSubPr>
+                                    <m:e>
+                                      <m:r>
+                                        <a:rPr lang="it-IT" b="0" i="1" smtClean="0">
+                                          <a:solidFill>
+                                            <a:schemeClr val="bg1">
+                                              <a:lumMod val="85000"/>
+                                              <a:lumOff val="15000"/>
+                                            </a:schemeClr>
+                                          </a:solidFill>
+                                          <a:latin typeface="Cambria Math" panose="02040503050406030204" pitchFamily="18" charset="0"/>
+                                        </a:rPr>
+                                        <m:t>𝑅</m:t>
+                                      </m:r>
+                                    </m:e>
+                                    <m:sub>
+                                      <m:r>
+                                        <a:rPr lang="it-IT" b="0" i="1" smtClean="0">
+                                          <a:solidFill>
+                                            <a:schemeClr val="bg1">
+                                              <a:lumMod val="85000"/>
+                                              <a:lumOff val="15000"/>
+                                            </a:schemeClr>
+                                          </a:solidFill>
+                                          <a:latin typeface="Cambria Math" panose="02040503050406030204" pitchFamily="18" charset="0"/>
+                                        </a:rPr>
+                                        <m:t>𝑡</m:t>
+                                      </m:r>
+                                    </m:sub>
+                                  </m:sSub>
+                                </m:den>
+                              </m:f>
+                              <m:r>
+                                <a:rPr lang="it-IT" b="0" i="1" smtClean="0">
+                                  <a:solidFill>
+                                    <a:schemeClr val="bg1">
+                                      <a:lumMod val="85000"/>
+                                      <a:lumOff val="15000"/>
+                                    </a:schemeClr>
+                                  </a:solidFill>
+                                  <a:latin typeface="Cambria Math" panose="02040503050406030204" pitchFamily="18" charset="0"/>
+                                </a:rPr>
+                                <m:t>−1</m:t>
+                              </m:r>
+                            </m:e>
+                          </m:d>
+                        </m:e>
+                      </m:rad>
+                    </m:oMath>
+                  </m:oMathPara>
+                </a14:m>
+                <a:endParaRPr lang="en-GB" dirty="0">
+                  <a:solidFill>
+                    <a:schemeClr val="bg1">
+                      <a:lumMod val="85000"/>
+                      <a:lumOff val="15000"/>
+                    </a:schemeClr>
+                  </a:solidFill>
+                </a:endParaRPr>
+              </a:p>
+            </p:txBody>
+          </p:sp>
+        </mc:Choice>
+        <mc:Fallback>
+          <p:sp>
+            <p:nvSpPr>
+              <p:cNvPr id="4" name="TextBox 3">
+                <a:extLst>
+                  <a:ext uri="{FF2B5EF4-FFF2-40B4-BE49-F238E27FC236}">
+                    <a16:creationId xmlns:a16="http://schemas.microsoft.com/office/drawing/2014/main" id="{E3D43C41-8620-44E3-8C5E-CD0F8E420C02}"/>
+                  </a:ext>
+                </a:extLst>
+              </p:cNvPr>
+              <p:cNvSpPr txBox="1">
+                <a:spLocks noRot="1" noChangeAspect="1" noMove="1" noResize="1" noEditPoints="1" noAdjustHandles="1" noChangeArrowheads="1" noChangeShapeType="1" noTextEdit="1"/>
+              </p:cNvSpPr>
+              <p:nvPr/>
+            </p:nvSpPr>
+            <p:spPr>
+              <a:xfrm>
+                <a:off x="7998934" y="5028797"/>
+                <a:ext cx="3775329" cy="1187697"/>
+              </a:xfrm>
+              <a:prstGeom prst="rect">
+                <a:avLst/>
+              </a:prstGeom>
+              <a:blipFill>
+                <a:blip r:embed="rId5"/>
+                <a:stretch>
+                  <a:fillRect t="-3077"/>
+                </a:stretch>
+              </a:blipFill>
+            </p:spPr>
+            <p:txBody>
+              <a:bodyPr/>
+              <a:lstStyle/>
+              <a:p>
+                <a:r>
+                  <a:rPr lang="en-GB">
+                    <a:noFill/>
+                  </a:rPr>
+                  <a:t> </a:t>
+                </a:r>
+              </a:p>
+            </p:txBody>
+          </p:sp>
+        </mc:Fallback>
+      </mc:AlternateContent>
+      <mc:AlternateContent xmlns:mc="http://schemas.openxmlformats.org/markup-compatibility/2006">
+        <mc:Choice xmlns:a14="http://schemas.microsoft.com/office/drawing/2010/main" Requires="a14">
+          <p:sp>
+            <p:nvSpPr>
+              <p:cNvPr id="9" name="CasellaDiTesto 2">
+                <a:extLst>
+                  <a:ext uri="{FF2B5EF4-FFF2-40B4-BE49-F238E27FC236}">
+                    <a16:creationId xmlns:a16="http://schemas.microsoft.com/office/drawing/2014/main" id="{E5513EDC-74A4-42CE-B695-3B8363EF8A84}"/>
+                  </a:ext>
+                </a:extLst>
+              </p:cNvPr>
+              <p:cNvSpPr txBox="1"/>
+              <p:nvPr/>
+            </p:nvSpPr>
+            <p:spPr>
+              <a:xfrm>
+                <a:off x="1274400" y="428116"/>
+                <a:ext cx="2751439" cy="1200329"/>
+              </a:xfrm>
+              <a:prstGeom prst="rect">
+                <a:avLst/>
+              </a:prstGeom>
+              <a:noFill/>
+            </p:spPr>
+            <p:txBody>
+              <a:bodyPr wrap="square" rtlCol="0">
+                <a:spAutoFit/>
+              </a:bodyPr>
+              <a:lstStyle/>
+              <a:p>
+                <a:r>
+                  <a:rPr lang="it-IT" sz="1200" dirty="0">
+                    <a:solidFill>
+                      <a:schemeClr val="bg1">
+                        <a:lumMod val="95000"/>
+                        <a:lumOff val="5000"/>
+                      </a:schemeClr>
+                    </a:solidFill>
+                    <a:latin typeface="Consolas" panose="020B0609020204030204" pitchFamily="49" charset="0"/>
+                    <a:cs typeface="Cascadia Code" pitchFamily="1" charset="0"/>
+                  </a:rPr>
+                  <a:t>Total duration = 1000;</a:t>
+                </a:r>
+              </a:p>
+              <a:p>
+                <a:r>
+                  <a:rPr lang="it-IT" sz="1200" dirty="0">
+                    <a:solidFill>
+                      <a:schemeClr val="bg1">
+                        <a:lumMod val="95000"/>
+                        <a:lumOff val="5000"/>
+                      </a:schemeClr>
+                    </a:solidFill>
+                    <a:latin typeface="Consolas" panose="020B0609020204030204" pitchFamily="49" charset="0"/>
+                    <a:cs typeface="Cascadia Code" pitchFamily="1" charset="0"/>
+                  </a:rPr>
+                  <a:t>Lattice = 150x150;</a:t>
+                </a:r>
+              </a:p>
+              <a:p>
+                <a14:m>
+                  <m:oMath xmlns:m="http://schemas.openxmlformats.org/officeDocument/2006/math">
+                    <m:sSub>
+                      <m:sSubPr>
+                        <m:ctrlPr>
+                          <a:rPr lang="it-IT" sz="1200" b="0" i="1" dirty="0" smtClean="0">
+                            <a:solidFill>
+                              <a:schemeClr val="bg1">
+                                <a:lumMod val="95000"/>
+                                <a:lumOff val="5000"/>
+                              </a:schemeClr>
+                            </a:solidFill>
+                            <a:latin typeface="Cambria Math" panose="02040503050406030204" pitchFamily="18" charset="0"/>
+                            <a:cs typeface="Cascadia Code" pitchFamily="1" charset="0"/>
+                          </a:rPr>
+                        </m:ctrlPr>
+                      </m:sSubPr>
+                      <m:e>
+                        <m:r>
+                          <a:rPr lang="it-IT" sz="1200" b="0" i="1" dirty="0" smtClean="0">
+                            <a:solidFill>
+                              <a:schemeClr val="bg1">
+                                <a:lumMod val="95000"/>
+                                <a:lumOff val="5000"/>
+                              </a:schemeClr>
+                            </a:solidFill>
+                            <a:latin typeface="Cambria Math" panose="02040503050406030204" pitchFamily="18" charset="0"/>
+                            <a:cs typeface="Cascadia Code" pitchFamily="1" charset="0"/>
+                          </a:rPr>
+                          <m:t>𝜏</m:t>
+                        </m:r>
+                      </m:e>
+                      <m:sub>
+                        <m:r>
+                          <a:rPr lang="it-IT" sz="1200" b="0" i="1" dirty="0" smtClean="0">
+                            <a:solidFill>
+                              <a:schemeClr val="bg1">
+                                <a:lumMod val="95000"/>
+                                <a:lumOff val="5000"/>
+                              </a:schemeClr>
+                            </a:solidFill>
+                            <a:latin typeface="Cambria Math" panose="02040503050406030204" pitchFamily="18" charset="0"/>
+                            <a:cs typeface="Cascadia Code" pitchFamily="1" charset="0"/>
+                          </a:rPr>
+                          <m:t>𝑎</m:t>
+                        </m:r>
+                      </m:sub>
+                    </m:sSub>
+                    <m:r>
+                      <a:rPr lang="it-IT" sz="1200" i="1" dirty="0">
+                        <a:solidFill>
+                          <a:schemeClr val="bg1">
+                            <a:lumMod val="95000"/>
+                            <a:lumOff val="5000"/>
+                          </a:schemeClr>
+                        </a:solidFill>
+                        <a:latin typeface="Cambria Math" panose="02040503050406030204" pitchFamily="18" charset="0"/>
+                        <a:cs typeface="Cascadia Code" pitchFamily="1" charset="0"/>
+                      </a:rPr>
+                      <m:t>=</m:t>
+                    </m:r>
+                    <m:r>
+                      <a:rPr lang="it-IT" sz="1200" b="0" i="1" dirty="0" smtClean="0">
+                        <a:solidFill>
+                          <a:schemeClr val="bg1">
+                            <a:lumMod val="95000"/>
+                            <a:lumOff val="5000"/>
+                          </a:schemeClr>
+                        </a:solidFill>
+                        <a:latin typeface="Cambria Math" panose="02040503050406030204" pitchFamily="18" charset="0"/>
+                        <a:cs typeface="Cascadia Code" pitchFamily="1" charset="0"/>
+                      </a:rPr>
+                      <m:t>180</m:t>
+                    </m:r>
+                  </m:oMath>
+                </a14:m>
+                <a:r>
+                  <a:rPr lang="it-IT" sz="1200" dirty="0">
+                    <a:solidFill>
+                      <a:schemeClr val="bg1">
+                        <a:lumMod val="95000"/>
+                        <a:lumOff val="5000"/>
+                      </a:schemeClr>
+                    </a:solidFill>
+                    <a:latin typeface="Consolas" panose="020B0609020204030204" pitchFamily="49" charset="0"/>
+                    <a:cs typeface="Cascadia Code" pitchFamily="1" charset="0"/>
+                  </a:rPr>
+                  <a:t>;</a:t>
+                </a:r>
+              </a:p>
+              <a:p>
+                <a14:m>
+                  <m:oMath xmlns:m="http://schemas.openxmlformats.org/officeDocument/2006/math">
+                    <m:sSub>
+                      <m:sSubPr>
+                        <m:ctrlPr>
+                          <a:rPr lang="it-IT" sz="1200" b="0" i="1" dirty="0" smtClean="0">
+                            <a:solidFill>
+                              <a:schemeClr val="bg1">
+                                <a:lumMod val="95000"/>
+                                <a:lumOff val="5000"/>
+                              </a:schemeClr>
+                            </a:solidFill>
+                            <a:latin typeface="Cambria Math" panose="02040503050406030204" pitchFamily="18" charset="0"/>
+                            <a:cs typeface="Cascadia Code" pitchFamily="1" charset="0"/>
+                          </a:rPr>
+                        </m:ctrlPr>
+                      </m:sSubPr>
+                      <m:e>
+                        <m:r>
+                          <a:rPr lang="it-IT" sz="1200" b="0" i="1" dirty="0" smtClean="0">
+                            <a:solidFill>
+                              <a:schemeClr val="bg1">
+                                <a:lumMod val="95000"/>
+                                <a:lumOff val="5000"/>
+                              </a:schemeClr>
+                            </a:solidFill>
+                            <a:latin typeface="Cambria Math" panose="02040503050406030204" pitchFamily="18" charset="0"/>
+                            <a:cs typeface="Cascadia Code" pitchFamily="1" charset="0"/>
+                          </a:rPr>
+                          <m:t>𝜏</m:t>
+                        </m:r>
+                      </m:e>
+                      <m:sub>
+                        <m:r>
+                          <a:rPr lang="it-IT" sz="1200" b="0" i="1" dirty="0" smtClean="0">
+                            <a:solidFill>
+                              <a:schemeClr val="bg1">
+                                <a:lumMod val="95000"/>
+                                <a:lumOff val="5000"/>
+                              </a:schemeClr>
+                            </a:solidFill>
+                            <a:latin typeface="Cambria Math" panose="02040503050406030204" pitchFamily="18" charset="0"/>
+                            <a:cs typeface="Cascadia Code" pitchFamily="1" charset="0"/>
+                          </a:rPr>
+                          <m:t>𝑐</m:t>
+                        </m:r>
+                      </m:sub>
+                    </m:sSub>
+                    <m:r>
+                      <a:rPr lang="it-IT" sz="1200" b="0" i="1" dirty="0" smtClean="0">
+                        <a:solidFill>
+                          <a:schemeClr val="bg1">
+                            <a:lumMod val="95000"/>
+                            <a:lumOff val="5000"/>
+                          </a:schemeClr>
+                        </a:solidFill>
+                        <a:latin typeface="Cambria Math" panose="02040503050406030204" pitchFamily="18" charset="0"/>
+                        <a:cs typeface="Cascadia Code" pitchFamily="1" charset="0"/>
+                      </a:rPr>
+                      <m:t>=10</m:t>
+                    </m:r>
+                  </m:oMath>
+                </a14:m>
+                <a:r>
+                  <a:rPr lang="it-IT" sz="1200" dirty="0">
+                    <a:solidFill>
+                      <a:schemeClr val="bg1">
+                        <a:lumMod val="95000"/>
+                        <a:lumOff val="5000"/>
+                      </a:schemeClr>
+                    </a:solidFill>
+                    <a:latin typeface="Consolas" panose="020B0609020204030204" pitchFamily="49" charset="0"/>
+                    <a:cs typeface="Cascadia Code" pitchFamily="1" charset="0"/>
+                  </a:rPr>
+                  <a:t>;</a:t>
+                </a:r>
+              </a:p>
+              <a:p>
+                <a:r>
+                  <a:rPr lang="it-IT" sz="1200" dirty="0">
+                    <a:solidFill>
+                      <a:schemeClr val="bg1">
+                        <a:lumMod val="95000"/>
+                        <a:lumOff val="5000"/>
+                      </a:schemeClr>
+                    </a:solidFill>
+                    <a:latin typeface="Consolas" panose="020B0609020204030204" pitchFamily="49" charset="0"/>
+                    <a:cs typeface="Cascadia Code" pitchFamily="1" charset="0"/>
+                  </a:rPr>
+                  <a:t>Pumping probability = 0.0125;</a:t>
+                </a:r>
+              </a:p>
+              <a:p>
+                <a:r>
+                  <a:rPr lang="it-IT" sz="1200" dirty="0">
+                    <a:solidFill>
+                      <a:schemeClr val="bg1">
+                        <a:lumMod val="95000"/>
+                        <a:lumOff val="5000"/>
+                      </a:schemeClr>
+                    </a:solidFill>
+                    <a:latin typeface="Consolas" panose="020B0609020204030204" pitchFamily="49" charset="0"/>
+                    <a:cs typeface="Cascadia Code" pitchFamily="1" charset="0"/>
+                  </a:rPr>
+                  <a:t>Noise probability = 0.0001;</a:t>
+                </a:r>
+              </a:p>
+            </p:txBody>
+          </p:sp>
+        </mc:Choice>
+        <mc:Fallback>
+          <p:sp>
+            <p:nvSpPr>
+              <p:cNvPr id="9" name="CasellaDiTesto 2">
+                <a:extLst>
+                  <a:ext uri="{FF2B5EF4-FFF2-40B4-BE49-F238E27FC236}">
+                    <a16:creationId xmlns:a16="http://schemas.microsoft.com/office/drawing/2014/main" id="{E5513EDC-74A4-42CE-B695-3B8363EF8A84}"/>
+                  </a:ext>
+                </a:extLst>
+              </p:cNvPr>
+              <p:cNvSpPr txBox="1">
+                <a:spLocks noRot="1" noChangeAspect="1" noMove="1" noResize="1" noEditPoints="1" noAdjustHandles="1" noChangeArrowheads="1" noChangeShapeType="1" noTextEdit="1"/>
+              </p:cNvSpPr>
+              <p:nvPr/>
+            </p:nvSpPr>
+            <p:spPr>
+              <a:xfrm>
+                <a:off x="1274400" y="428116"/>
+                <a:ext cx="2751439" cy="1200329"/>
+              </a:xfrm>
+              <a:prstGeom prst="rect">
+                <a:avLst/>
+              </a:prstGeom>
+              <a:blipFill>
+                <a:blip r:embed="rId6"/>
+                <a:stretch>
+                  <a:fillRect b="-3046"/>
+                </a:stretch>
+              </a:blipFill>
+            </p:spPr>
+            <p:txBody>
+              <a:bodyPr/>
+              <a:lstStyle/>
+              <a:p>
+                <a:r>
+                  <a:rPr lang="en-GB">
+                    <a:noFill/>
+                  </a:rPr>
+                  <a:t> </a:t>
+                </a:r>
+              </a:p>
+            </p:txBody>
+          </p:sp>
+        </mc:Fallback>
+      </mc:AlternateContent>
     </p:spTree>
     <p:extLst>
       <p:ext uri="{BB962C8B-B14F-4D97-AF65-F5344CB8AC3E}">
@@ -17943,10 +18901,10 @@
       </p:grpSpPr>
       <p:pic>
         <p:nvPicPr>
-          <p:cNvPr id="7" name="Immagine 6">
+          <p:cNvPr id="10" name="Immagine 9">
             <a:extLst>
               <a:ext uri="{FF2B5EF4-FFF2-40B4-BE49-F238E27FC236}">
-                <a16:creationId xmlns:a16="http://schemas.microsoft.com/office/drawing/2014/main" id="{4F65706D-39A1-47A9-ABB9-163BAE392EA0}"/>
+                <a16:creationId xmlns:a16="http://schemas.microsoft.com/office/drawing/2014/main" id="{8E61818A-3793-4BD5-AACD-7CE3758C054E}"/>
               </a:ext>
             </a:extLst>
           </p:cNvPr>
@@ -17956,15 +18914,20 @@
           <p:nvPr/>
         </p:nvPicPr>
         <p:blipFill>
-          <a:blip r:embed="rId2"/>
-          <a:stretch>
-            <a:fillRect/>
-          </a:stretch>
+          <a:blip r:embed="rId2">
+            <a:extLst>
+              <a:ext uri="{28A0092B-C50C-407E-A947-70E740481C1C}">
+                <a14:useLocalDpi xmlns:a14="http://schemas.microsoft.com/office/drawing/2010/main" val="0"/>
+              </a:ext>
+            </a:extLst>
+          </a:blip>
+          <a:srcRect/>
+          <a:stretch/>
         </p:blipFill>
         <p:spPr>
           <a:xfrm>
-            <a:off x="2223083" y="728596"/>
-            <a:ext cx="7201919" cy="5853813"/>
+            <a:off x="1212217" y="1457485"/>
+            <a:ext cx="9503120" cy="5249514"/>
           </a:xfrm>
           <a:prstGeom prst="rect">
             <a:avLst/>
@@ -17973,10 +18936,43 @@
       </p:pic>
       <p:sp>
         <p:nvSpPr>
-          <p:cNvPr id="12" name="CasellaDiTesto 11">
+          <p:cNvPr id="2" name="Titolo 1">
             <a:extLst>
               <a:ext uri="{FF2B5EF4-FFF2-40B4-BE49-F238E27FC236}">
-                <a16:creationId xmlns:a16="http://schemas.microsoft.com/office/drawing/2014/main" id="{0EE1C4EB-C43E-420C-BD63-DD237935F812}"/>
+                <a16:creationId xmlns:a16="http://schemas.microsoft.com/office/drawing/2014/main" id="{235AAC29-1500-47EA-AC53-80AEC1D5A1F5}"/>
+              </a:ext>
+            </a:extLst>
+          </p:cNvPr>
+          <p:cNvSpPr>
+            <a:spLocks noGrp="1"/>
+          </p:cNvSpPr>
+          <p:nvPr>
+            <p:ph type="title"/>
+          </p:nvPr>
+        </p:nvSpPr>
+        <p:spPr>
+          <a:xfrm>
+            <a:off x="1367744" y="151001"/>
+            <a:ext cx="9456512" cy="805343"/>
+          </a:xfrm>
+        </p:spPr>
+        <p:txBody>
+          <a:bodyPr/>
+          <a:lstStyle/>
+          <a:p>
+            <a:r>
+              <a:rPr lang="it-IT" dirty="0"/>
+              <a:t>Soglia di pompaggio</a:t>
+            </a:r>
+          </a:p>
+        </p:txBody>
+      </p:sp>
+      <p:sp>
+        <p:nvSpPr>
+          <p:cNvPr id="4" name="CasellaDiTesto 3">
+            <a:extLst>
+              <a:ext uri="{FF2B5EF4-FFF2-40B4-BE49-F238E27FC236}">
+                <a16:creationId xmlns:a16="http://schemas.microsoft.com/office/drawing/2014/main" id="{DDC35683-D0E1-4379-9E1F-97650295748D}"/>
               </a:ext>
             </a:extLst>
           </p:cNvPr>
@@ -17985,8 +18981,8 @@
         </p:nvSpPr>
         <p:spPr>
           <a:xfrm>
-            <a:off x="6096000" y="4328997"/>
-            <a:ext cx="3144982" cy="1938992"/>
+            <a:off x="1031846" y="813732"/>
+            <a:ext cx="10184235" cy="646331"/>
           </a:xfrm>
           <a:prstGeom prst="rect">
             <a:avLst/>
@@ -18000,224 +18996,18 @@
           <a:lstStyle/>
           <a:p>
             <a:r>
-              <a:rPr lang="it-IT" sz="1200" dirty="0">
-                <a:solidFill>
-                  <a:schemeClr val="bg1">
-                    <a:lumMod val="95000"/>
-                    <a:lumOff val="5000"/>
-                  </a:schemeClr>
-                </a:solidFill>
-                <a:latin typeface="Consolas" panose="020B0609020204030204" pitchFamily="49" charset="0"/>
-                <a:cs typeface="Cascadia Code" pitchFamily="1" charset="0"/>
-              </a:rPr>
-              <a:t>TIME_STEPS = 200;</a:t>
-            </a:r>
-          </a:p>
-          <a:p>
-            <a:r>
-              <a:rPr lang="it-IT" sz="1200" dirty="0">
-                <a:solidFill>
-                  <a:schemeClr val="bg1">
-                    <a:lumMod val="95000"/>
-                    <a:lumOff val="5000"/>
-                  </a:schemeClr>
-                </a:solidFill>
-                <a:latin typeface="Consolas" panose="020B0609020204030204" pitchFamily="49" charset="0"/>
-                <a:cs typeface="Cascadia Code" pitchFamily="1" charset="0"/>
-              </a:rPr>
-              <a:t>LATTICE_WIDTH = 100;</a:t>
-            </a:r>
-          </a:p>
-          <a:p>
-            <a:r>
-              <a:rPr lang="it-IT" sz="1200" dirty="0">
-                <a:solidFill>
-                  <a:schemeClr val="bg1">
-                    <a:lumMod val="95000"/>
-                    <a:lumOff val="5000"/>
-                  </a:schemeClr>
-                </a:solidFill>
-                <a:latin typeface="Consolas" panose="020B0609020204030204" pitchFamily="49" charset="0"/>
-                <a:cs typeface="Cascadia Code" pitchFamily="1" charset="0"/>
-              </a:rPr>
-              <a:t>LATTICE_HEIGHT = 100;</a:t>
-            </a:r>
-          </a:p>
-          <a:p>
-            <a:r>
-              <a:rPr lang="it-IT" sz="1200" dirty="0">
-                <a:solidFill>
-                  <a:schemeClr val="bg1">
-                    <a:lumMod val="95000"/>
-                    <a:lumOff val="5000"/>
-                  </a:schemeClr>
-                </a:solidFill>
-                <a:latin typeface="Consolas" panose="020B0609020204030204" pitchFamily="49" charset="0"/>
-                <a:cs typeface="Cascadia Code" pitchFamily="1" charset="0"/>
-              </a:rPr>
-              <a:t>PHOTON_SATURATION = 40;</a:t>
-            </a:r>
-          </a:p>
-          <a:p>
-            <a:endParaRPr lang="it-IT" sz="1200" dirty="0">
-              <a:solidFill>
-                <a:schemeClr val="bg1">
-                  <a:lumMod val="95000"/>
-                  <a:lumOff val="5000"/>
-                </a:schemeClr>
-              </a:solidFill>
-              <a:latin typeface="Consolas" panose="020B0609020204030204" pitchFamily="49" charset="0"/>
-              <a:cs typeface="Cascadia Code" pitchFamily="1" charset="0"/>
-            </a:endParaRPr>
-          </a:p>
-          <a:p>
-            <a:r>
-              <a:rPr lang="it-IT" sz="1200" dirty="0" err="1">
-                <a:solidFill>
-                  <a:schemeClr val="bg1">
-                    <a:lumMod val="95000"/>
-                    <a:lumOff val="5000"/>
-                  </a:schemeClr>
-                </a:solidFill>
-                <a:latin typeface="Consolas" panose="020B0609020204030204" pitchFamily="49" charset="0"/>
-                <a:cs typeface="Cascadia Code" pitchFamily="1" charset="0"/>
-              </a:rPr>
-              <a:t>electronLifeTime</a:t>
-            </a:r>
-            <a:r>
-              <a:rPr lang="it-IT" sz="1200" dirty="0">
-                <a:solidFill>
-                  <a:schemeClr val="bg1">
-                    <a:lumMod val="95000"/>
-                    <a:lumOff val="5000"/>
-                  </a:schemeClr>
-                </a:solidFill>
-                <a:latin typeface="Consolas" panose="020B0609020204030204" pitchFamily="49" charset="0"/>
-                <a:cs typeface="Cascadia Code" pitchFamily="1" charset="0"/>
-              </a:rPr>
-              <a:t> = 30;</a:t>
-            </a:r>
-          </a:p>
-          <a:p>
-            <a:r>
-              <a:rPr lang="it-IT" sz="1200" dirty="0" err="1">
-                <a:solidFill>
-                  <a:schemeClr val="bg1">
-                    <a:lumMod val="95000"/>
-                    <a:lumOff val="5000"/>
-                  </a:schemeClr>
-                </a:solidFill>
-                <a:latin typeface="Consolas" panose="020B0609020204030204" pitchFamily="49" charset="0"/>
-                <a:cs typeface="Cascadia Code" pitchFamily="1" charset="0"/>
-              </a:rPr>
-              <a:t>photonLifeTime</a:t>
-            </a:r>
-            <a:r>
-              <a:rPr lang="it-IT" sz="1200" dirty="0">
-                <a:solidFill>
-                  <a:schemeClr val="bg1">
-                    <a:lumMod val="95000"/>
-                    <a:lumOff val="5000"/>
-                  </a:schemeClr>
-                </a:solidFill>
-                <a:latin typeface="Consolas" panose="020B0609020204030204" pitchFamily="49" charset="0"/>
-                <a:cs typeface="Cascadia Code" pitchFamily="1" charset="0"/>
-              </a:rPr>
-              <a:t> = 10;</a:t>
-            </a:r>
-          </a:p>
-          <a:p>
-            <a:r>
-              <a:rPr lang="it-IT" sz="1200" dirty="0" err="1">
-                <a:solidFill>
-                  <a:schemeClr val="bg1">
-                    <a:lumMod val="95000"/>
-                    <a:lumOff val="5000"/>
-                  </a:schemeClr>
-                </a:solidFill>
-                <a:latin typeface="Consolas" panose="020B0609020204030204" pitchFamily="49" charset="0"/>
-                <a:cs typeface="Cascadia Code" pitchFamily="1" charset="0"/>
-              </a:rPr>
-              <a:t>pumpingProbability</a:t>
-            </a:r>
-            <a:r>
-              <a:rPr lang="it-IT" sz="1200" dirty="0">
-                <a:solidFill>
-                  <a:schemeClr val="bg1">
-                    <a:lumMod val="95000"/>
-                    <a:lumOff val="5000"/>
-                  </a:schemeClr>
-                </a:solidFill>
-                <a:latin typeface="Consolas" panose="020B0609020204030204" pitchFamily="49" charset="0"/>
-                <a:cs typeface="Cascadia Code" pitchFamily="1" charset="0"/>
-              </a:rPr>
-              <a:t> = 0.2;</a:t>
-            </a:r>
-          </a:p>
-          <a:p>
-            <a:r>
-              <a:rPr lang="it-IT" sz="1200" dirty="0" err="1">
-                <a:solidFill>
-                  <a:schemeClr val="bg1">
-                    <a:lumMod val="95000"/>
-                    <a:lumOff val="5000"/>
-                  </a:schemeClr>
-                </a:solidFill>
-                <a:latin typeface="Consolas" panose="020B0609020204030204" pitchFamily="49" charset="0"/>
-                <a:cs typeface="Cascadia Code" pitchFamily="1" charset="0"/>
-              </a:rPr>
-              <a:t>noiseProbability</a:t>
-            </a:r>
-            <a:r>
-              <a:rPr lang="it-IT" sz="1200" dirty="0">
-                <a:solidFill>
-                  <a:schemeClr val="bg1">
-                    <a:lumMod val="95000"/>
-                    <a:lumOff val="5000"/>
-                  </a:schemeClr>
-                </a:solidFill>
-                <a:latin typeface="Consolas" panose="020B0609020204030204" pitchFamily="49" charset="0"/>
-                <a:cs typeface="Cascadia Code" pitchFamily="1" charset="0"/>
-              </a:rPr>
-              <a:t> = 0.01;</a:t>
-            </a:r>
-          </a:p>
-          <a:p>
-            <a:r>
-              <a:rPr lang="it-IT" sz="1200" dirty="0" err="1">
-                <a:solidFill>
-                  <a:schemeClr val="bg1">
-                    <a:lumMod val="95000"/>
-                    <a:lumOff val="5000"/>
-                  </a:schemeClr>
-                </a:solidFill>
-                <a:latin typeface="Consolas" panose="020B0609020204030204" pitchFamily="49" charset="0"/>
-                <a:cs typeface="Cascadia Code" pitchFamily="1" charset="0"/>
-              </a:rPr>
-              <a:t>stimulatedEmissionThreshold</a:t>
-            </a:r>
-            <a:r>
-              <a:rPr lang="it-IT" sz="1200" dirty="0">
-                <a:solidFill>
-                  <a:schemeClr val="bg1">
-                    <a:lumMod val="95000"/>
-                    <a:lumOff val="5000"/>
-                  </a:schemeClr>
-                </a:solidFill>
-                <a:latin typeface="Consolas" panose="020B0609020204030204" pitchFamily="49" charset="0"/>
-                <a:cs typeface="Cascadia Code" pitchFamily="1" charset="0"/>
-              </a:rPr>
-              <a:t> = 1;</a:t>
+              <a:rPr lang="it-IT" dirty="0"/>
+              <a:t>Come ci si aspetta dal modello, è possibile trovare un valore di soglia per il pompaggio, oltre il quale la popolazione di fotoni aumenta ben oltre la popolazione riconducibile ad emissione spontanea.</a:t>
             </a:r>
           </a:p>
         </p:txBody>
       </p:sp>
       <p:sp>
         <p:nvSpPr>
-          <p:cNvPr id="13" name="CasellaDiTesto 12">
+          <p:cNvPr id="6" name="CasellaDiTesto 5">
             <a:extLst>
               <a:ext uri="{FF2B5EF4-FFF2-40B4-BE49-F238E27FC236}">
-                <a16:creationId xmlns:a16="http://schemas.microsoft.com/office/drawing/2014/main" id="{D3EAC564-F44B-43CC-8D2E-04F16B0B9221}"/>
+                <a16:creationId xmlns:a16="http://schemas.microsoft.com/office/drawing/2014/main" id="{BB45ED82-D19E-46C7-B791-804C4978159B}"/>
               </a:ext>
             </a:extLst>
           </p:cNvPr>
@@ -18226,8 +19016,8 @@
         </p:nvSpPr>
         <p:spPr>
           <a:xfrm>
-            <a:off x="2223083" y="183343"/>
-            <a:ext cx="9076888" cy="461665"/>
+            <a:off x="6096000" y="1668816"/>
+            <a:ext cx="3438088" cy="584775"/>
           </a:xfrm>
           <a:prstGeom prst="rect">
             <a:avLst/>
@@ -18241,16 +19031,625 @@
           <a:lstStyle/>
           <a:p>
             <a:r>
-              <a:rPr lang="it-IT" sz="2400" dirty="0"/>
-              <a:t>UN ALTRO ESEMPIO EVIDENTE DI REGIME OSCILLATORIO</a:t>
+              <a:rPr lang="it-IT" sz="1600" dirty="0">
+                <a:solidFill>
+                  <a:schemeClr val="bg1">
+                    <a:lumMod val="95000"/>
+                    <a:lumOff val="5000"/>
+                  </a:schemeClr>
+                </a:solidFill>
+                <a:latin typeface="Tw Cen MT (Corpo)"/>
+                <a:cs typeface="Calibri" panose="020F0502020204030204" pitchFamily="34" charset="0"/>
+              </a:rPr>
+              <a:t>Aumentando il tempo di vita della cavità, la soglia si abbassa.</a:t>
             </a:r>
           </a:p>
         </p:txBody>
       </p:sp>
+      <mc:AlternateContent xmlns:mc="http://schemas.openxmlformats.org/markup-compatibility/2006">
+        <mc:Choice xmlns:a14="http://schemas.microsoft.com/office/drawing/2010/main" Requires="a14">
+          <p:sp>
+            <p:nvSpPr>
+              <p:cNvPr id="3" name="TextBox 2">
+                <a:extLst>
+                  <a:ext uri="{FF2B5EF4-FFF2-40B4-BE49-F238E27FC236}">
+                    <a16:creationId xmlns:a16="http://schemas.microsoft.com/office/drawing/2014/main" id="{82EC8B5E-6C86-4535-B811-95389E64F5DF}"/>
+                  </a:ext>
+                </a:extLst>
+              </p:cNvPr>
+              <p:cNvSpPr txBox="1"/>
+              <p:nvPr/>
+            </p:nvSpPr>
+            <p:spPr>
+              <a:xfrm>
+                <a:off x="6117315" y="2253591"/>
+                <a:ext cx="4396138" cy="1581395"/>
+              </a:xfrm>
+              <a:prstGeom prst="rect">
+                <a:avLst/>
+              </a:prstGeom>
+              <a:noFill/>
+            </p:spPr>
+            <p:txBody>
+              <a:bodyPr wrap="square" rtlCol="0">
+                <a:spAutoFit/>
+              </a:bodyPr>
+              <a:lstStyle/>
+              <a:p>
+                <a:r>
+                  <a:rPr lang="it-IT" sz="1600" dirty="0">
+                    <a:solidFill>
+                      <a:schemeClr val="bg1">
+                        <a:lumMod val="85000"/>
+                        <a:lumOff val="15000"/>
+                      </a:schemeClr>
+                    </a:solidFill>
+                  </a:rPr>
+                  <a:t>La curva tratteggiata corrisponde al modello matematico esposto nel paper, dato dalla formula</a:t>
+                </a:r>
+                <a:endParaRPr lang="it-IT" sz="1600" b="0" i="1" dirty="0">
+                  <a:solidFill>
+                    <a:schemeClr val="bg1">
+                      <a:lumMod val="85000"/>
+                      <a:lumOff val="15000"/>
+                    </a:schemeClr>
+                  </a:solidFill>
+                  <a:latin typeface="Cambria Math" panose="02040503050406030204" pitchFamily="18" charset="0"/>
+                </a:endParaRPr>
+              </a:p>
+              <a:p>
+                <a:pPr/>
+                <a14:m>
+                  <m:oMathPara xmlns:m="http://schemas.openxmlformats.org/officeDocument/2006/math">
+                    <m:oMathParaPr>
+                      <m:jc m:val="centerGroup"/>
+                    </m:oMathParaPr>
+                    <m:oMath xmlns:m="http://schemas.openxmlformats.org/officeDocument/2006/math">
+                      <m:sSub>
+                        <m:sSubPr>
+                          <m:ctrlPr>
+                            <a:rPr lang="it-IT" sz="1600" b="0" i="1" smtClean="0">
+                              <a:solidFill>
+                                <a:schemeClr val="bg1">
+                                  <a:lumMod val="85000"/>
+                                  <a:lumOff val="15000"/>
+                                </a:schemeClr>
+                              </a:solidFill>
+                              <a:latin typeface="Cambria Math" panose="02040503050406030204" pitchFamily="18" charset="0"/>
+                            </a:rPr>
+                          </m:ctrlPr>
+                        </m:sSubPr>
+                        <m:e>
+                          <m:r>
+                            <a:rPr lang="it-IT" sz="1600" b="0" i="1" smtClean="0">
+                              <a:solidFill>
+                                <a:schemeClr val="bg1">
+                                  <a:lumMod val="85000"/>
+                                  <a:lumOff val="15000"/>
+                                </a:schemeClr>
+                              </a:solidFill>
+                              <a:latin typeface="Cambria Math" panose="02040503050406030204" pitchFamily="18" charset="0"/>
+                            </a:rPr>
+                            <m:t>𝜆</m:t>
+                          </m:r>
+                        </m:e>
+                        <m:sub>
+                          <m:r>
+                            <a:rPr lang="it-IT" sz="1600" b="0" i="1" smtClean="0">
+                              <a:solidFill>
+                                <a:schemeClr val="bg1">
+                                  <a:lumMod val="85000"/>
+                                  <a:lumOff val="15000"/>
+                                </a:schemeClr>
+                              </a:solidFill>
+                              <a:latin typeface="Cambria Math" panose="02040503050406030204" pitchFamily="18" charset="0"/>
+                            </a:rPr>
+                            <m:t>𝑡h</m:t>
+                          </m:r>
+                        </m:sub>
+                      </m:sSub>
+                      <m:r>
+                        <a:rPr lang="it-IT" sz="1600" b="0" i="1" smtClean="0">
+                          <a:solidFill>
+                            <a:schemeClr val="bg1">
+                              <a:lumMod val="85000"/>
+                              <a:lumOff val="15000"/>
+                            </a:schemeClr>
+                          </a:solidFill>
+                          <a:latin typeface="Cambria Math" panose="02040503050406030204" pitchFamily="18" charset="0"/>
+                        </a:rPr>
+                        <m:t>=</m:t>
+                      </m:r>
+                      <m:f>
+                        <m:fPr>
+                          <m:ctrlPr>
+                            <a:rPr lang="it-IT" sz="1600" b="0" i="1" smtClean="0">
+                              <a:solidFill>
+                                <a:schemeClr val="bg1">
+                                  <a:lumMod val="85000"/>
+                                  <a:lumOff val="15000"/>
+                                </a:schemeClr>
+                              </a:solidFill>
+                              <a:latin typeface="Cambria Math" panose="02040503050406030204" pitchFamily="18" charset="0"/>
+                            </a:rPr>
+                          </m:ctrlPr>
+                        </m:fPr>
+                        <m:num>
+                          <m:r>
+                            <a:rPr lang="it-IT" sz="1600" b="0" i="1" smtClean="0">
+                              <a:solidFill>
+                                <a:schemeClr val="bg1">
+                                  <a:lumMod val="85000"/>
+                                  <a:lumOff val="15000"/>
+                                </a:schemeClr>
+                              </a:solidFill>
+                              <a:latin typeface="Cambria Math" panose="02040503050406030204" pitchFamily="18" charset="0"/>
+                            </a:rPr>
+                            <m:t>1</m:t>
+                          </m:r>
+                        </m:num>
+                        <m:den>
+                          <m:sSup>
+                            <m:sSupPr>
+                              <m:ctrlPr>
+                                <a:rPr lang="it-IT" sz="1600" b="0" i="1" smtClean="0">
+                                  <a:solidFill>
+                                    <a:schemeClr val="bg1">
+                                      <a:lumMod val="85000"/>
+                                      <a:lumOff val="15000"/>
+                                    </a:schemeClr>
+                                  </a:solidFill>
+                                  <a:latin typeface="Cambria Math" panose="02040503050406030204" pitchFamily="18" charset="0"/>
+                                </a:rPr>
+                              </m:ctrlPr>
+                            </m:sSupPr>
+                            <m:e>
+                              <m:r>
+                                <a:rPr lang="it-IT" sz="1600" b="0" i="1" smtClean="0">
+                                  <a:solidFill>
+                                    <a:schemeClr val="bg1">
+                                      <a:lumMod val="85000"/>
+                                      <a:lumOff val="15000"/>
+                                    </a:schemeClr>
+                                  </a:solidFill>
+                                  <a:latin typeface="Cambria Math" panose="02040503050406030204" pitchFamily="18" charset="0"/>
+                                </a:rPr>
+                                <m:t>𝐾</m:t>
+                              </m:r>
+                            </m:e>
+                            <m:sup>
+                              <m:r>
+                                <a:rPr lang="it-IT" sz="1600" b="0" i="1" smtClean="0">
+                                  <a:solidFill>
+                                    <a:schemeClr val="bg1">
+                                      <a:lumMod val="85000"/>
+                                      <a:lumOff val="15000"/>
+                                    </a:schemeClr>
+                                  </a:solidFill>
+                                  <a:latin typeface="Cambria Math" panose="02040503050406030204" pitchFamily="18" charset="0"/>
+                                </a:rPr>
+                                <m:t>′</m:t>
+                              </m:r>
+                            </m:sup>
+                          </m:sSup>
+                          <m:sSub>
+                            <m:sSubPr>
+                              <m:ctrlPr>
+                                <a:rPr lang="it-IT" sz="1600" b="0" i="1" smtClean="0">
+                                  <a:solidFill>
+                                    <a:schemeClr val="bg1">
+                                      <a:lumMod val="85000"/>
+                                      <a:lumOff val="15000"/>
+                                    </a:schemeClr>
+                                  </a:solidFill>
+                                  <a:latin typeface="Cambria Math" panose="02040503050406030204" pitchFamily="18" charset="0"/>
+                                </a:rPr>
+                              </m:ctrlPr>
+                            </m:sSubPr>
+                            <m:e>
+                              <m:r>
+                                <a:rPr lang="it-IT" sz="1600" b="0" i="1" smtClean="0">
+                                  <a:solidFill>
+                                    <a:schemeClr val="bg1">
+                                      <a:lumMod val="85000"/>
+                                      <a:lumOff val="15000"/>
+                                    </a:schemeClr>
+                                  </a:solidFill>
+                                  <a:latin typeface="Cambria Math" panose="02040503050406030204" pitchFamily="18" charset="0"/>
+                                </a:rPr>
+                                <m:t>𝜏</m:t>
+                              </m:r>
+                            </m:e>
+                            <m:sub>
+                              <m:r>
+                                <a:rPr lang="it-IT" sz="1600" b="0" i="1" smtClean="0">
+                                  <a:solidFill>
+                                    <a:schemeClr val="bg1">
+                                      <a:lumMod val="85000"/>
+                                      <a:lumOff val="15000"/>
+                                    </a:schemeClr>
+                                  </a:solidFill>
+                                  <a:latin typeface="Cambria Math" panose="02040503050406030204" pitchFamily="18" charset="0"/>
+                                </a:rPr>
+                                <m:t>𝑎</m:t>
+                              </m:r>
+                            </m:sub>
+                          </m:sSub>
+                          <m:sSub>
+                            <m:sSubPr>
+                              <m:ctrlPr>
+                                <a:rPr lang="it-IT" sz="1600" b="0" i="1" smtClean="0">
+                                  <a:solidFill>
+                                    <a:schemeClr val="bg1">
+                                      <a:lumMod val="85000"/>
+                                      <a:lumOff val="15000"/>
+                                    </a:schemeClr>
+                                  </a:solidFill>
+                                  <a:latin typeface="Cambria Math" panose="02040503050406030204" pitchFamily="18" charset="0"/>
+                                </a:rPr>
+                              </m:ctrlPr>
+                            </m:sSubPr>
+                            <m:e>
+                              <m:r>
+                                <a:rPr lang="it-IT" sz="1600" b="0" i="1" smtClean="0">
+                                  <a:solidFill>
+                                    <a:schemeClr val="bg1">
+                                      <a:lumMod val="85000"/>
+                                      <a:lumOff val="15000"/>
+                                    </a:schemeClr>
+                                  </a:solidFill>
+                                  <a:latin typeface="Cambria Math" panose="02040503050406030204" pitchFamily="18" charset="0"/>
+                                </a:rPr>
+                                <m:t>𝜏</m:t>
+                              </m:r>
+                            </m:e>
+                            <m:sub>
+                              <m:r>
+                                <a:rPr lang="it-IT" sz="1600" b="0" i="1" smtClean="0">
+                                  <a:solidFill>
+                                    <a:schemeClr val="bg1">
+                                      <a:lumMod val="85000"/>
+                                      <a:lumOff val="15000"/>
+                                    </a:schemeClr>
+                                  </a:solidFill>
+                                  <a:latin typeface="Cambria Math" panose="02040503050406030204" pitchFamily="18" charset="0"/>
+                                </a:rPr>
+                                <m:t>𝑐</m:t>
+                              </m:r>
+                            </m:sub>
+                          </m:sSub>
+                        </m:den>
+                      </m:f>
+                      <m:r>
+                        <a:rPr lang="it-IT" sz="1600" b="0" i="1" smtClean="0">
+                          <a:solidFill>
+                            <a:schemeClr val="bg1">
+                              <a:lumMod val="85000"/>
+                              <a:lumOff val="15000"/>
+                            </a:schemeClr>
+                          </a:solidFill>
+                          <a:latin typeface="Cambria Math" panose="02040503050406030204" pitchFamily="18" charset="0"/>
+                        </a:rPr>
+                        <m:t>+</m:t>
+                      </m:r>
+                      <m:r>
+                        <a:rPr lang="it-IT" sz="1600" b="0" i="1" smtClean="0">
+                          <a:solidFill>
+                            <a:schemeClr val="bg1">
+                              <a:lumMod val="85000"/>
+                              <a:lumOff val="15000"/>
+                            </a:schemeClr>
+                          </a:solidFill>
+                          <a:latin typeface="Cambria Math" panose="02040503050406030204" pitchFamily="18" charset="0"/>
+                        </a:rPr>
+                        <m:t>𝐶</m:t>
+                      </m:r>
+                    </m:oMath>
+                  </m:oMathPara>
+                </a14:m>
+                <a:endParaRPr lang="en-GB" sz="1600" dirty="0">
+                  <a:solidFill>
+                    <a:schemeClr val="bg1">
+                      <a:lumMod val="85000"/>
+                      <a:lumOff val="15000"/>
+                    </a:schemeClr>
+                  </a:solidFill>
+                </a:endParaRPr>
+              </a:p>
+              <a:p>
+                <a:r>
+                  <a:rPr lang="en-GB" sz="1600" dirty="0">
+                    <a:solidFill>
+                      <a:schemeClr val="bg1">
+                        <a:lumMod val="85000"/>
+                        <a:lumOff val="15000"/>
+                      </a:schemeClr>
+                    </a:solidFill>
+                  </a:rPr>
+                  <a:t>Dove </a:t>
+                </a:r>
+                <a14:m>
+                  <m:oMath xmlns:m="http://schemas.openxmlformats.org/officeDocument/2006/math">
+                    <m:sSup>
+                      <m:sSupPr>
+                        <m:ctrlPr>
+                          <a:rPr lang="it-IT" sz="1400" b="0" i="1" smtClean="0">
+                            <a:solidFill>
+                              <a:schemeClr val="bg1">
+                                <a:lumMod val="85000"/>
+                                <a:lumOff val="15000"/>
+                              </a:schemeClr>
+                            </a:solidFill>
+                            <a:latin typeface="Cambria Math" panose="02040503050406030204" pitchFamily="18" charset="0"/>
+                          </a:rPr>
+                        </m:ctrlPr>
+                      </m:sSupPr>
+                      <m:e>
+                        <m:r>
+                          <a:rPr lang="it-IT" sz="1400" b="0" i="1" smtClean="0">
+                            <a:solidFill>
+                              <a:schemeClr val="bg1">
+                                <a:lumMod val="85000"/>
+                                <a:lumOff val="15000"/>
+                              </a:schemeClr>
+                            </a:solidFill>
+                            <a:latin typeface="Cambria Math" panose="02040503050406030204" pitchFamily="18" charset="0"/>
+                          </a:rPr>
+                          <m:t>𝐾</m:t>
+                        </m:r>
+                      </m:e>
+                      <m:sup>
+                        <m:r>
+                          <a:rPr lang="it-IT" sz="1400" b="0" i="1" smtClean="0">
+                            <a:solidFill>
+                              <a:schemeClr val="bg1">
+                                <a:lumMod val="85000"/>
+                                <a:lumOff val="15000"/>
+                              </a:schemeClr>
+                            </a:solidFill>
+                            <a:latin typeface="Cambria Math" panose="02040503050406030204" pitchFamily="18" charset="0"/>
+                          </a:rPr>
+                          <m:t>′</m:t>
+                        </m:r>
+                      </m:sup>
+                    </m:sSup>
+                    <m:r>
+                      <a:rPr lang="it-IT" sz="1400" b="0" i="1" smtClean="0">
+                        <a:solidFill>
+                          <a:schemeClr val="bg1">
+                            <a:lumMod val="85000"/>
+                            <a:lumOff val="15000"/>
+                          </a:schemeClr>
+                        </a:solidFill>
+                        <a:latin typeface="Cambria Math" panose="02040503050406030204" pitchFamily="18" charset="0"/>
+                      </a:rPr>
+                      <m:t>=2.3792</m:t>
+                    </m:r>
+                  </m:oMath>
+                </a14:m>
+                <a:r>
+                  <a:rPr lang="en-GB" sz="1400" dirty="0">
+                    <a:solidFill>
+                      <a:schemeClr val="bg1">
+                        <a:lumMod val="85000"/>
+                        <a:lumOff val="15000"/>
+                      </a:schemeClr>
+                    </a:solidFill>
+                  </a:rPr>
+                  <a:t> </a:t>
+                </a:r>
+                <a:r>
+                  <a:rPr lang="en-GB" sz="1600" dirty="0" err="1">
+                    <a:solidFill>
+                      <a:schemeClr val="bg1">
+                        <a:lumMod val="85000"/>
+                        <a:lumOff val="15000"/>
+                      </a:schemeClr>
+                    </a:solidFill>
+                  </a:rPr>
+                  <a:t>ricavato</a:t>
+                </a:r>
+                <a:r>
+                  <a:rPr lang="en-GB" sz="1600" dirty="0">
+                    <a:solidFill>
+                      <a:schemeClr val="bg1">
+                        <a:lumMod val="85000"/>
+                        <a:lumOff val="15000"/>
+                      </a:schemeClr>
+                    </a:solidFill>
+                  </a:rPr>
+                  <a:t> dale </a:t>
+                </a:r>
+                <a:r>
+                  <a:rPr lang="en-GB" sz="1600" dirty="0" err="1">
+                    <a:solidFill>
+                      <a:schemeClr val="bg1">
+                        <a:lumMod val="85000"/>
+                        <a:lumOff val="15000"/>
+                      </a:schemeClr>
+                    </a:solidFill>
+                  </a:rPr>
+                  <a:t>simulazioni</a:t>
+                </a:r>
+                <a:r>
+                  <a:rPr lang="en-GB" sz="1600" dirty="0">
+                    <a:solidFill>
+                      <a:schemeClr val="bg1">
+                        <a:lumMod val="85000"/>
+                        <a:lumOff val="15000"/>
+                      </a:schemeClr>
+                    </a:solidFill>
+                  </a:rPr>
+                  <a:t>, </a:t>
+                </a:r>
+                <a:r>
+                  <a:rPr lang="en-GB" sz="1600" dirty="0" err="1">
+                    <a:solidFill>
+                      <a:schemeClr val="bg1">
+                        <a:lumMod val="85000"/>
+                        <a:lumOff val="15000"/>
+                      </a:schemeClr>
+                    </a:solidFill>
+                  </a:rPr>
+                  <a:t>mentre</a:t>
+                </a:r>
+                <a:r>
+                  <a:rPr lang="en-GB" sz="1600" dirty="0">
+                    <a:solidFill>
+                      <a:schemeClr val="bg1">
+                        <a:lumMod val="85000"/>
+                        <a:lumOff val="15000"/>
+                      </a:schemeClr>
+                    </a:solidFill>
+                  </a:rPr>
+                  <a:t> </a:t>
+                </a:r>
+                <a14:m>
+                  <m:oMath xmlns:m="http://schemas.openxmlformats.org/officeDocument/2006/math">
+                    <m:r>
+                      <a:rPr lang="en-GB" sz="1600" i="1" dirty="0" smtClean="0">
+                        <a:solidFill>
+                          <a:schemeClr val="bg1">
+                            <a:lumMod val="85000"/>
+                            <a:lumOff val="15000"/>
+                          </a:schemeClr>
+                        </a:solidFill>
+                        <a:latin typeface="Cambria Math" panose="02040503050406030204" pitchFamily="18" charset="0"/>
+                      </a:rPr>
+                      <m:t>𝐶</m:t>
+                    </m:r>
+                  </m:oMath>
+                </a14:m>
+                <a:r>
+                  <a:rPr lang="en-GB" sz="1600" dirty="0">
+                    <a:solidFill>
+                      <a:schemeClr val="bg1">
+                        <a:lumMod val="85000"/>
+                        <a:lumOff val="15000"/>
+                      </a:schemeClr>
+                    </a:solidFill>
+                  </a:rPr>
+                  <a:t> è una </a:t>
+                </a:r>
+                <a:r>
+                  <a:rPr lang="en-GB" sz="1600" dirty="0" err="1">
+                    <a:solidFill>
+                      <a:schemeClr val="bg1">
+                        <a:lumMod val="85000"/>
+                        <a:lumOff val="15000"/>
+                      </a:schemeClr>
+                    </a:solidFill>
+                  </a:rPr>
+                  <a:t>costante</a:t>
+                </a:r>
+                <a:r>
+                  <a:rPr lang="en-GB" sz="1600" dirty="0">
+                    <a:solidFill>
+                      <a:schemeClr val="bg1">
+                        <a:lumMod val="85000"/>
+                        <a:lumOff val="15000"/>
+                      </a:schemeClr>
+                    </a:solidFill>
+                  </a:rPr>
+                  <a:t> </a:t>
+                </a:r>
+                <a:r>
+                  <a:rPr lang="en-GB" sz="1600" dirty="0" err="1">
+                    <a:solidFill>
+                      <a:schemeClr val="bg1">
+                        <a:lumMod val="85000"/>
+                        <a:lumOff val="15000"/>
+                      </a:schemeClr>
+                    </a:solidFill>
+                  </a:rPr>
+                  <a:t>ricavata</a:t>
+                </a:r>
+                <a:r>
+                  <a:rPr lang="en-GB" sz="1600" dirty="0">
+                    <a:solidFill>
+                      <a:schemeClr val="bg1">
+                        <a:lumMod val="85000"/>
+                        <a:lumOff val="15000"/>
+                      </a:schemeClr>
+                    </a:solidFill>
+                  </a:rPr>
+                  <a:t> </a:t>
+                </a:r>
+                <a:r>
+                  <a:rPr lang="en-GB" sz="1600" dirty="0" err="1">
+                    <a:solidFill>
+                      <a:schemeClr val="bg1">
+                        <a:lumMod val="85000"/>
+                        <a:lumOff val="15000"/>
+                      </a:schemeClr>
+                    </a:solidFill>
+                  </a:rPr>
+                  <a:t>sperimentalmente</a:t>
+                </a:r>
+                <a:r>
+                  <a:rPr lang="en-GB" sz="1600" dirty="0">
+                    <a:solidFill>
+                      <a:schemeClr val="bg1">
+                        <a:lumMod val="85000"/>
+                        <a:lumOff val="15000"/>
+                      </a:schemeClr>
+                    </a:solidFill>
+                  </a:rPr>
+                  <a:t>.</a:t>
+                </a:r>
+              </a:p>
+            </p:txBody>
+          </p:sp>
+        </mc:Choice>
+        <mc:Fallback>
+          <p:sp>
+            <p:nvSpPr>
+              <p:cNvPr id="3" name="TextBox 2">
+                <a:extLst>
+                  <a:ext uri="{FF2B5EF4-FFF2-40B4-BE49-F238E27FC236}">
+                    <a16:creationId xmlns:a16="http://schemas.microsoft.com/office/drawing/2014/main" id="{82EC8B5E-6C86-4535-B811-95389E64F5DF}"/>
+                  </a:ext>
+                </a:extLst>
+              </p:cNvPr>
+              <p:cNvSpPr txBox="1">
+                <a:spLocks noRot="1" noChangeAspect="1" noMove="1" noResize="1" noEditPoints="1" noAdjustHandles="1" noChangeArrowheads="1" noChangeShapeType="1" noTextEdit="1"/>
+              </p:cNvSpPr>
+              <p:nvPr/>
+            </p:nvSpPr>
+            <p:spPr>
+              <a:xfrm>
+                <a:off x="6117315" y="2253591"/>
+                <a:ext cx="4396138" cy="1581395"/>
+              </a:xfrm>
+              <a:prstGeom prst="rect">
+                <a:avLst/>
+              </a:prstGeom>
+              <a:blipFill>
+                <a:blip r:embed="rId3"/>
+                <a:stretch>
+                  <a:fillRect l="-693" t="-1158" b="-4247"/>
+                </a:stretch>
+              </a:blipFill>
+            </p:spPr>
+            <p:txBody>
+              <a:bodyPr/>
+              <a:lstStyle/>
+              <a:p>
+                <a:r>
+                  <a:rPr lang="en-GB">
+                    <a:noFill/>
+                  </a:rPr>
+                  <a:t> </a:t>
+                </a:r>
+              </a:p>
+            </p:txBody>
+          </p:sp>
+        </mc:Fallback>
+      </mc:AlternateContent>
     </p:spTree>
     <p:extLst>
       <p:ext uri="{BB962C8B-B14F-4D97-AF65-F5344CB8AC3E}">
-        <p14:creationId xmlns:p14="http://schemas.microsoft.com/office/powerpoint/2010/main" val="3662167844"/>
+        <p14:creationId xmlns:p14="http://schemas.microsoft.com/office/powerpoint/2010/main" val="2462472474"/>
       </p:ext>
     </p:extLst>
   </p:cSld>
